--- a/Presentation1.pptx
+++ b/Presentation1.pptx
@@ -108,18 +108,18 @@
 </file>
 
 <file path=ppt/diagrams/colors1.xml><?xml version="1.0" encoding="utf-8"?>
-<dgm:colorsDef xmlns:dgm="http://schemas.openxmlformats.org/drawingml/2006/diagram" xmlns:a="http://schemas.openxmlformats.org/drawingml/2006/main" uniqueId="urn:microsoft.com/office/officeart/2005/8/colors/accent1_1">
+<dgm:colorsDef xmlns:dgm="http://schemas.openxmlformats.org/drawingml/2006/diagram" xmlns:a="http://schemas.openxmlformats.org/drawingml/2006/main" uniqueId="urn:microsoft.com/office/officeart/2005/8/colors/accent4_1">
   <dgm:title val=""/>
   <dgm:desc val=""/>
   <dgm:catLst>
-    <dgm:cat type="accent1" pri="11100"/>
+    <dgm:cat type="accent4" pri="11100"/>
   </dgm:catLst>
   <dgm:styleLbl name="node0">
     <dgm:fillClrLst meth="repeat">
       <a:schemeClr val="lt1"/>
     </dgm:fillClrLst>
     <dgm:linClrLst meth="repeat">
-      <a:schemeClr val="accent1">
+      <a:schemeClr val="accent4">
         <a:shade val="80000"/>
       </a:schemeClr>
     </dgm:linClrLst>
@@ -130,12 +130,12 @@
     </dgm:txFillClrLst>
     <dgm:txEffectClrLst/>
   </dgm:styleLbl>
-  <dgm:styleLbl name="alignNode1">
+  <dgm:styleLbl name="node1">
     <dgm:fillClrLst meth="repeat">
       <a:schemeClr val="lt1"/>
     </dgm:fillClrLst>
     <dgm:linClrLst meth="repeat">
-      <a:schemeClr val="accent1">
+      <a:schemeClr val="accent4">
         <a:shade val="80000"/>
       </a:schemeClr>
     </dgm:linClrLst>
@@ -146,12 +146,12 @@
     </dgm:txFillClrLst>
     <dgm:txEffectClrLst/>
   </dgm:styleLbl>
-  <dgm:styleLbl name="node1">
+  <dgm:styleLbl name="alignNode1">
     <dgm:fillClrLst meth="repeat">
       <a:schemeClr val="lt1"/>
     </dgm:fillClrLst>
     <dgm:linClrLst meth="repeat">
-      <a:schemeClr val="accent1">
+      <a:schemeClr val="accent4">
         <a:shade val="80000"/>
       </a:schemeClr>
     </dgm:linClrLst>
@@ -167,7 +167,7 @@
       <a:schemeClr val="lt1"/>
     </dgm:fillClrLst>
     <dgm:linClrLst meth="repeat">
-      <a:schemeClr val="accent1">
+      <a:schemeClr val="accent4">
         <a:shade val="80000"/>
       </a:schemeClr>
     </dgm:linClrLst>
@@ -185,7 +185,7 @@
       </a:schemeClr>
     </dgm:fillClrLst>
     <dgm:linClrLst meth="repeat">
-      <a:schemeClr val="accent1">
+      <a:schemeClr val="accent4">
         <a:shade val="80000"/>
       </a:schemeClr>
     </dgm:linClrLst>
@@ -199,7 +199,7 @@
       <a:schemeClr val="lt1"/>
     </dgm:fillClrLst>
     <dgm:linClrLst meth="repeat">
-      <a:schemeClr val="accent1">
+      <a:schemeClr val="accent4">
         <a:shade val="80000"/>
       </a:schemeClr>
     </dgm:linClrLst>
@@ -215,7 +215,7 @@
       <a:schemeClr val="lt1"/>
     </dgm:fillClrLst>
     <dgm:linClrLst meth="repeat">
-      <a:schemeClr val="accent1">
+      <a:schemeClr val="accent4">
         <a:shade val="80000"/>
       </a:schemeClr>
     </dgm:linClrLst>
@@ -231,7 +231,7 @@
       <a:schemeClr val="lt1"/>
     </dgm:fillClrLst>
     <dgm:linClrLst meth="repeat">
-      <a:schemeClr val="accent1">
+      <a:schemeClr val="accent4">
         <a:shade val="80000"/>
       </a:schemeClr>
     </dgm:linClrLst>
@@ -244,12 +244,12 @@
   </dgm:styleLbl>
   <dgm:styleLbl name="fgImgPlace1">
     <dgm:fillClrLst meth="repeat">
-      <a:schemeClr val="accent1">
+      <a:schemeClr val="accent4">
         <a:tint val="40000"/>
       </a:schemeClr>
     </dgm:fillClrLst>
     <dgm:linClrLst meth="repeat">
-      <a:schemeClr val="accent1">
+      <a:schemeClr val="accent4">
         <a:shade val="80000"/>
       </a:schemeClr>
     </dgm:linClrLst>
@@ -262,12 +262,12 @@
   </dgm:styleLbl>
   <dgm:styleLbl name="alignImgPlace1">
     <dgm:fillClrLst meth="repeat">
-      <a:schemeClr val="accent1">
+      <a:schemeClr val="accent4">
         <a:tint val="40000"/>
       </a:schemeClr>
     </dgm:fillClrLst>
     <dgm:linClrLst meth="repeat">
-      <a:schemeClr val="accent1">
+      <a:schemeClr val="accent4">
         <a:shade val="80000"/>
       </a:schemeClr>
     </dgm:linClrLst>
@@ -280,12 +280,12 @@
   </dgm:styleLbl>
   <dgm:styleLbl name="bgImgPlace1">
     <dgm:fillClrLst meth="repeat">
-      <a:schemeClr val="accent1">
+      <a:schemeClr val="accent4">
         <a:tint val="40000"/>
       </a:schemeClr>
     </dgm:fillClrLst>
     <dgm:linClrLst meth="repeat">
-      <a:schemeClr val="accent1">
+      <a:schemeClr val="accent4">
         <a:shade val="80000"/>
       </a:schemeClr>
     </dgm:linClrLst>
@@ -298,12 +298,12 @@
   </dgm:styleLbl>
   <dgm:styleLbl name="sibTrans2D1">
     <dgm:fillClrLst meth="repeat">
-      <a:schemeClr val="accent1">
+      <a:schemeClr val="accent4">
         <a:tint val="60000"/>
       </a:schemeClr>
     </dgm:fillClrLst>
     <dgm:linClrLst meth="repeat">
-      <a:schemeClr val="accent1">
+      <a:schemeClr val="accent4">
         <a:tint val="60000"/>
       </a:schemeClr>
     </dgm:linClrLst>
@@ -316,12 +316,12 @@
   </dgm:styleLbl>
   <dgm:styleLbl name="fgSibTrans2D1">
     <dgm:fillClrLst meth="repeat">
-      <a:schemeClr val="accent1">
+      <a:schemeClr val="accent4">
         <a:tint val="60000"/>
       </a:schemeClr>
     </dgm:fillClrLst>
     <dgm:linClrLst meth="repeat">
-      <a:schemeClr val="accent1">
+      <a:schemeClr val="accent4">
         <a:tint val="60000"/>
       </a:schemeClr>
     </dgm:linClrLst>
@@ -334,12 +334,12 @@
   </dgm:styleLbl>
   <dgm:styleLbl name="bgSibTrans2D1">
     <dgm:fillClrLst meth="repeat">
-      <a:schemeClr val="accent1">
+      <a:schemeClr val="accent4">
         <a:tint val="60000"/>
       </a:schemeClr>
     </dgm:fillClrLst>
     <dgm:linClrLst meth="repeat">
-      <a:schemeClr val="accent1">
+      <a:schemeClr val="accent4">
         <a:tint val="60000"/>
       </a:schemeClr>
     </dgm:linClrLst>
@@ -352,10 +352,10 @@
   </dgm:styleLbl>
   <dgm:styleLbl name="sibTrans1D1">
     <dgm:fillClrLst meth="repeat">
-      <a:schemeClr val="accent1"/>
+      <a:schemeClr val="accent4"/>
     </dgm:fillClrLst>
     <dgm:linClrLst meth="repeat">
-      <a:schemeClr val="accent1"/>
+      <a:schemeClr val="accent4"/>
     </dgm:linClrLst>
     <dgm:effectClrLst/>
     <dgm:txLinClrLst/>
@@ -366,10 +366,10 @@
   </dgm:styleLbl>
   <dgm:styleLbl name="callout">
     <dgm:fillClrLst meth="repeat">
-      <a:schemeClr val="accent1"/>
+      <a:schemeClr val="accent4"/>
     </dgm:fillClrLst>
     <dgm:linClrLst meth="repeat">
-      <a:schemeClr val="accent1"/>
+      <a:schemeClr val="accent4"/>
     </dgm:linClrLst>
     <dgm:effectClrLst/>
     <dgm:txLinClrLst/>
@@ -383,7 +383,7 @@
       <a:schemeClr val="lt1"/>
     </dgm:fillClrLst>
     <dgm:linClrLst meth="repeat">
-      <a:schemeClr val="accent1">
+      <a:schemeClr val="accent4">
         <a:shade val="80000"/>
       </a:schemeClr>
     </dgm:linClrLst>
@@ -399,7 +399,7 @@
       <a:schemeClr val="lt1"/>
     </dgm:fillClrLst>
     <dgm:linClrLst meth="repeat">
-      <a:schemeClr val="accent1">
+      <a:schemeClr val="accent4">
         <a:shade val="80000"/>
       </a:schemeClr>
     </dgm:linClrLst>
@@ -415,7 +415,7 @@
       <a:schemeClr val="lt1"/>
     </dgm:fillClrLst>
     <dgm:linClrLst meth="repeat">
-      <a:schemeClr val="accent1">
+      <a:schemeClr val="accent4">
         <a:shade val="80000"/>
       </a:schemeClr>
     </dgm:linClrLst>
@@ -431,7 +431,7 @@
       <a:schemeClr val="lt1"/>
     </dgm:fillClrLst>
     <dgm:linClrLst meth="repeat">
-      <a:schemeClr val="accent1">
+      <a:schemeClr val="accent4">
         <a:shade val="80000"/>
       </a:schemeClr>
     </dgm:linClrLst>
@@ -447,7 +447,7 @@
       <a:schemeClr val="lt1"/>
     </dgm:fillClrLst>
     <dgm:linClrLst meth="repeat">
-      <a:schemeClr val="accent1">
+      <a:schemeClr val="accent4">
         <a:shade val="80000"/>
       </a:schemeClr>
     </dgm:linClrLst>
@@ -460,12 +460,12 @@
   </dgm:styleLbl>
   <dgm:styleLbl name="parChTrans2D1">
     <dgm:fillClrLst meth="repeat">
-      <a:schemeClr val="accent1">
+      <a:schemeClr val="accent4">
         <a:tint val="60000"/>
       </a:schemeClr>
     </dgm:fillClrLst>
     <dgm:linClrLst meth="repeat">
-      <a:schemeClr val="accent1">
+      <a:schemeClr val="accent4">
         <a:tint val="60000"/>
       </a:schemeClr>
     </dgm:linClrLst>
@@ -476,10 +476,10 @@
   </dgm:styleLbl>
   <dgm:styleLbl name="parChTrans2D2">
     <dgm:fillClrLst meth="repeat">
-      <a:schemeClr val="accent1"/>
+      <a:schemeClr val="accent4"/>
     </dgm:fillClrLst>
     <dgm:linClrLst meth="repeat">
-      <a:schemeClr val="accent1"/>
+      <a:schemeClr val="accent4"/>
     </dgm:linClrLst>
     <dgm:effectClrLst/>
     <dgm:txLinClrLst/>
@@ -488,10 +488,10 @@
   </dgm:styleLbl>
   <dgm:styleLbl name="parChTrans2D3">
     <dgm:fillClrLst meth="repeat">
-      <a:schemeClr val="accent1"/>
+      <a:schemeClr val="accent4"/>
     </dgm:fillClrLst>
     <dgm:linClrLst meth="repeat">
-      <a:schemeClr val="accent1"/>
+      <a:schemeClr val="accent4"/>
     </dgm:linClrLst>
     <dgm:effectClrLst/>
     <dgm:txLinClrLst/>
@@ -500,10 +500,10 @@
   </dgm:styleLbl>
   <dgm:styleLbl name="parChTrans2D4">
     <dgm:fillClrLst meth="repeat">
-      <a:schemeClr val="accent1"/>
+      <a:schemeClr val="accent4"/>
     </dgm:fillClrLst>
     <dgm:linClrLst meth="repeat">
-      <a:schemeClr val="accent1"/>
+      <a:schemeClr val="accent4"/>
     </dgm:linClrLst>
     <dgm:effectClrLst/>
     <dgm:txLinClrLst/>
@@ -514,10 +514,10 @@
   </dgm:styleLbl>
   <dgm:styleLbl name="parChTrans1D1">
     <dgm:fillClrLst meth="repeat">
-      <a:schemeClr val="accent1"/>
+      <a:schemeClr val="accent4"/>
     </dgm:fillClrLst>
     <dgm:linClrLst meth="repeat">
-      <a:schemeClr val="accent1">
+      <a:schemeClr val="accent4">
         <a:shade val="60000"/>
       </a:schemeClr>
     </dgm:linClrLst>
@@ -530,10 +530,10 @@
   </dgm:styleLbl>
   <dgm:styleLbl name="parChTrans1D2">
     <dgm:fillClrLst meth="repeat">
-      <a:schemeClr val="accent1"/>
+      <a:schemeClr val="accent4"/>
     </dgm:fillClrLst>
     <dgm:linClrLst meth="repeat">
-      <a:schemeClr val="accent1">
+      <a:schemeClr val="accent4">
         <a:shade val="60000"/>
       </a:schemeClr>
     </dgm:linClrLst>
@@ -546,10 +546,10 @@
   </dgm:styleLbl>
   <dgm:styleLbl name="parChTrans1D3">
     <dgm:fillClrLst meth="repeat">
-      <a:schemeClr val="accent1"/>
+      <a:schemeClr val="accent4"/>
     </dgm:fillClrLst>
     <dgm:linClrLst meth="repeat">
-      <a:schemeClr val="accent1">
+      <a:schemeClr val="accent4">
         <a:shade val="80000"/>
       </a:schemeClr>
     </dgm:linClrLst>
@@ -562,10 +562,10 @@
   </dgm:styleLbl>
   <dgm:styleLbl name="parChTrans1D4">
     <dgm:fillClrLst meth="repeat">
-      <a:schemeClr val="accent1"/>
+      <a:schemeClr val="accent4"/>
     </dgm:fillClrLst>
     <dgm:linClrLst meth="repeat">
-      <a:schemeClr val="accent1">
+      <a:schemeClr val="accent4">
         <a:shade val="80000"/>
       </a:schemeClr>
     </dgm:linClrLst>
@@ -578,13 +578,13 @@
   </dgm:styleLbl>
   <dgm:styleLbl name="fgAcc1">
     <dgm:fillClrLst meth="repeat">
-      <a:schemeClr val="accent1">
+      <a:schemeClr val="accent4">
         <a:alpha val="90000"/>
         <a:tint val="40000"/>
       </a:schemeClr>
     </dgm:fillClrLst>
     <dgm:linClrLst meth="repeat">
-      <a:schemeClr val="accent1"/>
+      <a:schemeClr val="accent4"/>
     </dgm:linClrLst>
     <dgm:effectClrLst/>
     <dgm:txLinClrLst/>
@@ -595,13 +595,13 @@
   </dgm:styleLbl>
   <dgm:styleLbl name="conFgAcc1">
     <dgm:fillClrLst meth="repeat">
-      <a:schemeClr val="accent1">
+      <a:schemeClr val="accent4">
         <a:alpha val="90000"/>
         <a:tint val="40000"/>
       </a:schemeClr>
     </dgm:fillClrLst>
     <dgm:linClrLst meth="repeat">
-      <a:schemeClr val="accent1"/>
+      <a:schemeClr val="accent4"/>
     </dgm:linClrLst>
     <dgm:effectClrLst/>
     <dgm:txLinClrLst/>
@@ -612,13 +612,13 @@
   </dgm:styleLbl>
   <dgm:styleLbl name="alignAcc1">
     <dgm:fillClrLst meth="repeat">
-      <a:schemeClr val="accent1">
+      <a:schemeClr val="accent4">
         <a:alpha val="90000"/>
         <a:tint val="40000"/>
       </a:schemeClr>
     </dgm:fillClrLst>
     <dgm:linClrLst meth="repeat">
-      <a:schemeClr val="accent1"/>
+      <a:schemeClr val="accent4"/>
     </dgm:linClrLst>
     <dgm:effectClrLst/>
     <dgm:txLinClrLst/>
@@ -629,13 +629,13 @@
   </dgm:styleLbl>
   <dgm:styleLbl name="trAlignAcc1">
     <dgm:fillClrLst meth="repeat">
-      <a:schemeClr val="accent1">
+      <a:schemeClr val="accent4">
         <a:alpha val="40000"/>
         <a:tint val="40000"/>
       </a:schemeClr>
     </dgm:fillClrLst>
     <dgm:linClrLst meth="repeat">
-      <a:schemeClr val="accent1"/>
+      <a:schemeClr val="accent4"/>
     </dgm:linClrLst>
     <dgm:effectClrLst/>
     <dgm:txLinClrLst/>
@@ -646,13 +646,13 @@
   </dgm:styleLbl>
   <dgm:styleLbl name="bgAcc1">
     <dgm:fillClrLst meth="repeat">
-      <a:schemeClr val="accent1">
+      <a:schemeClr val="accent4">
         <a:alpha val="90000"/>
         <a:tint val="40000"/>
       </a:schemeClr>
     </dgm:fillClrLst>
     <dgm:linClrLst meth="repeat">
-      <a:schemeClr val="accent1"/>
+      <a:schemeClr val="accent4"/>
     </dgm:linClrLst>
     <dgm:effectClrLst/>
     <dgm:txLinClrLst/>
@@ -666,7 +666,7 @@
       <a:schemeClr val="lt1"/>
     </dgm:fillClrLst>
     <dgm:linClrLst meth="repeat">
-      <a:schemeClr val="accent1"/>
+      <a:schemeClr val="accent4"/>
     </dgm:linClrLst>
     <dgm:effectClrLst/>
     <dgm:txLinClrLst/>
@@ -680,7 +680,7 @@
       <a:schemeClr val="lt1"/>
     </dgm:fillClrLst>
     <dgm:linClrLst meth="repeat">
-      <a:schemeClr val="accent1"/>
+      <a:schemeClr val="accent4"/>
     </dgm:linClrLst>
     <dgm:effectClrLst/>
     <dgm:txLinClrLst/>
@@ -694,7 +694,7 @@
       <a:schemeClr val="lt1"/>
     </dgm:fillClrLst>
     <dgm:linClrLst meth="repeat">
-      <a:schemeClr val="accent1"/>
+      <a:schemeClr val="accent4"/>
     </dgm:linClrLst>
     <dgm:effectClrLst/>
     <dgm:txLinClrLst/>
@@ -711,7 +711,7 @@
       </a:schemeClr>
     </dgm:fillClrLst>
     <dgm:linClrLst meth="repeat">
-      <a:schemeClr val="accent1">
+      <a:schemeClr val="accent4">
         <a:alpha val="90000"/>
       </a:schemeClr>
     </dgm:linClrLst>
@@ -730,7 +730,7 @@
       </a:schemeClr>
     </dgm:fillClrLst>
     <dgm:linClrLst meth="repeat">
-      <a:schemeClr val="accent1">
+      <a:schemeClr val="accent4">
         <a:alpha val="90000"/>
       </a:schemeClr>
     </dgm:linClrLst>
@@ -749,7 +749,7 @@
       </a:schemeClr>
     </dgm:fillClrLst>
     <dgm:linClrLst meth="repeat">
-      <a:schemeClr val="accent1">
+      <a:schemeClr val="accent4">
         <a:alpha val="90000"/>
       </a:schemeClr>
     </dgm:linClrLst>
@@ -762,13 +762,13 @@
   </dgm:styleLbl>
   <dgm:styleLbl name="fgAcc0">
     <dgm:fillClrLst meth="repeat">
-      <a:schemeClr val="accent1">
+      <a:schemeClr val="accent4">
         <a:alpha val="90000"/>
         <a:tint val="40000"/>
       </a:schemeClr>
     </dgm:fillClrLst>
     <dgm:linClrLst meth="repeat">
-      <a:schemeClr val="accent1"/>
+      <a:schemeClr val="accent4"/>
     </dgm:linClrLst>
     <dgm:effectClrLst/>
     <dgm:txLinClrLst/>
@@ -779,13 +779,13 @@
   </dgm:styleLbl>
   <dgm:styleLbl name="fgAcc2">
     <dgm:fillClrLst meth="repeat">
-      <a:schemeClr val="accent1">
+      <a:schemeClr val="accent4">
         <a:alpha val="90000"/>
         <a:tint val="40000"/>
       </a:schemeClr>
     </dgm:fillClrLst>
     <dgm:linClrLst meth="repeat">
-      <a:schemeClr val="accent1"/>
+      <a:schemeClr val="accent4"/>
     </dgm:linClrLst>
     <dgm:effectClrLst/>
     <dgm:txLinClrLst/>
@@ -796,13 +796,13 @@
   </dgm:styleLbl>
   <dgm:styleLbl name="fgAcc3">
     <dgm:fillClrLst meth="repeat">
-      <a:schemeClr val="accent1">
+      <a:schemeClr val="accent4">
         <a:alpha val="90000"/>
         <a:tint val="40000"/>
       </a:schemeClr>
     </dgm:fillClrLst>
     <dgm:linClrLst meth="repeat">
-      <a:schemeClr val="accent1"/>
+      <a:schemeClr val="accent4"/>
     </dgm:linClrLst>
     <dgm:effectClrLst/>
     <dgm:txLinClrLst/>
@@ -813,13 +813,13 @@
   </dgm:styleLbl>
   <dgm:styleLbl name="fgAcc4">
     <dgm:fillClrLst meth="repeat">
-      <a:schemeClr val="accent1">
+      <a:schemeClr val="accent4">
         <a:alpha val="90000"/>
         <a:tint val="40000"/>
       </a:schemeClr>
     </dgm:fillClrLst>
     <dgm:linClrLst meth="repeat">
-      <a:schemeClr val="accent1"/>
+      <a:schemeClr val="accent4"/>
     </dgm:linClrLst>
     <dgm:effectClrLst/>
     <dgm:txLinClrLst/>
@@ -830,12 +830,12 @@
   </dgm:styleLbl>
   <dgm:styleLbl name="bgShp">
     <dgm:fillClrLst meth="repeat">
-      <a:schemeClr val="accent1">
+      <a:schemeClr val="accent4">
         <a:tint val="40000"/>
       </a:schemeClr>
     </dgm:fillClrLst>
     <dgm:linClrLst meth="repeat">
-      <a:schemeClr val="accent1"/>
+      <a:schemeClr val="accent4"/>
     </dgm:linClrLst>
     <dgm:effectClrLst/>
     <dgm:txLinClrLst/>
@@ -846,12 +846,12 @@
   </dgm:styleLbl>
   <dgm:styleLbl name="dkBgShp">
     <dgm:fillClrLst meth="repeat">
-      <a:schemeClr val="accent1">
+      <a:schemeClr val="accent4">
         <a:shade val="80000"/>
       </a:schemeClr>
     </dgm:fillClrLst>
     <dgm:linClrLst meth="repeat">
-      <a:schemeClr val="accent1"/>
+      <a:schemeClr val="accent4"/>
     </dgm:linClrLst>
     <dgm:effectClrLst/>
     <dgm:txLinClrLst/>
@@ -862,13 +862,13 @@
   </dgm:styleLbl>
   <dgm:styleLbl name="trBgShp">
     <dgm:fillClrLst meth="repeat">
-      <a:schemeClr val="accent1">
+      <a:schemeClr val="accent4">
         <a:tint val="50000"/>
         <a:alpha val="40000"/>
       </a:schemeClr>
     </dgm:fillClrLst>
     <dgm:linClrLst meth="repeat">
-      <a:schemeClr val="accent1"/>
+      <a:schemeClr val="accent4"/>
     </dgm:linClrLst>
     <dgm:effectClrLst/>
     <dgm:txLinClrLst/>
@@ -879,7 +879,7 @@
   </dgm:styleLbl>
   <dgm:styleLbl name="fgShp">
     <dgm:fillClrLst meth="repeat">
-      <a:schemeClr val="accent1">
+      <a:schemeClr val="accent4">
         <a:tint val="60000"/>
       </a:schemeClr>
     </dgm:fillClrLst>
@@ -918,72 +918,73 @@
 <dgm:dataModel xmlns:dgm="http://schemas.openxmlformats.org/drawingml/2006/diagram" xmlns:a="http://schemas.openxmlformats.org/drawingml/2006/main">
   <dgm:ptLst>
     <dgm:pt modelId="{0AEFB06C-CF69-5644-8D7B-A0BBA4565C45}" type="doc">
-      <dgm:prSet loTypeId="urn:microsoft.com/office/officeart/2005/8/layout/equation2" loCatId="" qsTypeId="urn:microsoft.com/office/officeart/2005/8/quickstyle/simple1" qsCatId="simple" csTypeId="urn:microsoft.com/office/officeart/2005/8/colors/accent1_1" csCatId="accent1" phldr="1"/>
+      <dgm:prSet loTypeId="urn:microsoft.com/office/officeart/2005/8/layout/equation2" loCatId="" qsTypeId="urn:microsoft.com/office/officeart/2005/8/quickstyle/simple1" qsCatId="simple" csTypeId="urn:microsoft.com/office/officeart/2005/8/colors/accent4_1" csCatId="accent4" phldr="1"/>
       <dgm:spPr/>
     </dgm:pt>
     <dgm:pt modelId="{906D4E4C-F595-8042-84C3-0A294BEB4A6C}">
-      <dgm:prSet phldrT="[Text]"/>
+      <dgm:prSet phldrT="[Text]" custT="1"/>
       <dgm:spPr/>
       <dgm:t>
         <a:bodyPr/>
         <a:lstStyle/>
         <a:p>
           <a:r>
-            <a:rPr lang="en-US" altLang="zh-CN" dirty="0"/>
+            <a:rPr lang="en-US" altLang="zh-CN" sz="1100" b="1" dirty="0"/>
             <a:t>HTML</a:t>
           </a:r>
         </a:p>
         <a:p>
           <a:r>
-            <a:rPr lang="en-US" altLang="zh-CN" dirty="0"/>
-            <a:t>define content of each page</a:t>
+            <a:rPr lang="en-US" altLang="zh-CN" sz="1100" dirty="0"/>
+            <a:t>Define content of each page</a:t>
           </a:r>
         </a:p>
         <a:p>
           <a:r>
-            <a:rPr lang="en-US" altLang="zh-CN" dirty="0"/>
+            <a:rPr lang="en-US" altLang="zh-CN" sz="1100" b="1" dirty="0"/>
             <a:t>CSS</a:t>
           </a:r>
         </a:p>
         <a:p>
           <a:r>
-            <a:rPr lang="en-US" altLang="zh-CN" dirty="0"/>
-            <a:t>use </a:t>
+            <a:rPr lang="en-US" altLang="zh-CN" sz="1100" dirty="0"/>
+            <a:t>Use </a:t>
           </a:r>
           <a:r>
-            <a:rPr lang="en-US" altLang="zh-CN" dirty="0" err="1"/>
-            <a:t>Boostrap</a:t>
+            <a:rPr lang="en-US" altLang="zh-CN" sz="1100" dirty="0" err="1"/>
+            <a:t>boostrap</a:t>
           </a:r>
           <a:r>
-            <a:rPr lang="en-US" altLang="zh-CN" dirty="0"/>
+            <a:rPr lang="en-US" altLang="zh-CN" sz="1100" dirty="0"/>
             <a:t> to optimize layout </a:t>
           </a:r>
         </a:p>
         <a:p>
           <a:r>
-            <a:rPr lang="en-US" altLang="zh-CN" dirty="0"/>
-            <a:t>JavaScript</a:t>
+            <a:rPr lang="en-US" altLang="zh-CN" sz="1100" b="1" dirty="0" err="1"/>
+            <a:t>Javascript</a:t>
           </a:r>
+          <a:endParaRPr lang="en-US" altLang="zh-CN" sz="1100" b="1" dirty="0"/>
         </a:p>
         <a:p>
           <a:r>
-            <a:rPr lang="en-US" altLang="zh-CN" dirty="0"/>
+            <a:rPr lang="en-US" altLang="zh-CN" sz="1100" dirty="0"/>
             <a:t>Display pop up windows </a:t>
           </a:r>
         </a:p>
         <a:p>
           <a:r>
-            <a:rPr lang="en-US" altLang="zh-CN" dirty="0"/>
-            <a:t>Update </a:t>
+            <a:rPr lang="en-US" altLang="zh-CN" sz="1100" dirty="0"/>
+            <a:t>Calculate</a:t>
           </a:r>
           <a:r>
-            <a:rPr lang="en-US" altLang="zh-CN"/>
-            <a:t>order information</a:t>
+            <a:rPr lang="zh-CN" altLang="en-US" sz="1100" dirty="0"/>
+            <a:t> </a:t>
           </a:r>
-          <a:endParaRPr lang="en-US" altLang="zh-CN" dirty="0"/>
-        </a:p>
-        <a:p>
-          <a:endParaRPr lang="en-US" dirty="0"/>
+          <a:r>
+            <a:rPr lang="en-US" altLang="zh-CN" sz="1100" dirty="0"/>
+            <a:t>and show order amount</a:t>
+          </a:r>
         </a:p>
       </dgm:t>
     </dgm:pt>
@@ -1010,70 +1011,73 @@
       </dgm:t>
     </dgm:pt>
     <dgm:pt modelId="{F8F5E8DF-1D1C-6C4C-A3E5-D8E41B50879E}">
-      <dgm:prSet phldrT="[Text]">
-        <dgm:style>
-          <a:lnRef idx="2">
-            <a:schemeClr val="accent1"/>
-          </a:lnRef>
-          <a:fillRef idx="1">
-            <a:schemeClr val="lt1"/>
-          </a:fillRef>
-          <a:effectRef idx="0">
-            <a:schemeClr val="accent1"/>
-          </a:effectRef>
-          <a:fontRef idx="minor">
-            <a:schemeClr val="dk1"/>
-          </a:fontRef>
-        </dgm:style>
-      </dgm:prSet>
+      <dgm:prSet phldrT="[Text]" custT="1"/>
       <dgm:spPr/>
       <dgm:t>
         <a:bodyPr/>
         <a:lstStyle/>
         <a:p>
           <a:r>
-            <a:rPr lang="en-US" altLang="zh-CN" dirty="0" err="1"/>
+            <a:rPr lang="en-US" altLang="zh-CN" sz="1050" b="1"/>
             <a:t>models.py</a:t>
-          </a:r>
-          <a:endParaRPr lang="en-US" altLang="zh-CN" dirty="0"/>
-        </a:p>
-        <a:p>
-          <a:r>
-            <a:rPr lang="en-US" altLang="zh-CN" dirty="0"/>
-            <a:t>define tables of </a:t>
           </a:r>
         </a:p>
         <a:p>
           <a:r>
-            <a:rPr lang="en-US" dirty="0" err="1"/>
-            <a:t>views.py</a:t>
+            <a:rPr lang="en-US" altLang="zh-CN" sz="1050"/>
+            <a:t>Define tables of the database</a:t>
           </a:r>
-          <a:endParaRPr lang="en-US" dirty="0"/>
         </a:p>
         <a:p>
           <a:r>
-            <a:rPr lang="en-US" dirty="0"/>
+            <a:rPr lang="en-US" sz="1050" b="1"/>
+            <a:t>views.py</a:t>
+          </a:r>
+        </a:p>
+        <a:p>
+          <a:r>
+            <a:rPr lang="en-US" sz="1050"/>
             <a:t>Handle request from each page</a:t>
           </a:r>
         </a:p>
         <a:p>
           <a:r>
-            <a:rPr lang="en-US" dirty="0" err="1"/>
+            <a:rPr lang="en-US" sz="1050" b="1"/>
             <a:t>admin.py</a:t>
           </a:r>
-          <a:endParaRPr lang="en-US" dirty="0"/>
         </a:p>
         <a:p>
-          <a:endParaRPr lang="en-US" dirty="0"/>
+          <a:r>
+            <a:rPr lang="en-US" sz="1050"/>
+            <a:t>Register models</a:t>
+          </a:r>
         </a:p>
         <a:p>
-          <a:endParaRPr lang="en-US" dirty="0"/>
+          <a:r>
+            <a:rPr lang="en-US" sz="1050" b="1"/>
+            <a:t>urls.py</a:t>
+          </a:r>
         </a:p>
         <a:p>
-          <a:endParaRPr lang="en-US" dirty="0"/>
+          <a:r>
+            <a:rPr lang="en-US" sz="1050"/>
+            <a:t>Link html files with functions in views.py</a:t>
+          </a:r>
         </a:p>
         <a:p>
-          <a:endParaRPr lang="en-US" dirty="0"/>
+          <a:r>
+            <a:rPr lang="en-US" sz="1050" b="1"/>
+            <a:t>apps.py</a:t>
+          </a:r>
+        </a:p>
+        <a:p>
+          <a:r>
+            <a:rPr lang="en-US" sz="1050"/>
+            <a:t>Define apps of the whole project</a:t>
+          </a:r>
+        </a:p>
+        <a:p>
+          <a:endParaRPr lang="en-US" sz="700" dirty="0"/>
         </a:p>
       </dgm:t>
     </dgm:pt>
@@ -1144,7 +1148,7 @@
         <a:p>
           <a:r>
             <a:rPr lang="en-US" b="0" dirty="0"/>
-            <a:t>Update Menu</a:t>
+            <a:t>Update Menu via Django Admin site</a:t>
           </a:r>
         </a:p>
         <a:p>
@@ -1191,7 +1195,7 @@
       <dgm:spPr/>
     </dgm:pt>
     <dgm:pt modelId="{B92CDDF2-A510-6B40-8222-D5C4A3FE7051}" type="pres">
-      <dgm:prSet presAssocID="{906D4E4C-F595-8042-84C3-0A294BEB4A6C}" presName="node" presStyleLbl="node1" presStyleIdx="0" presStyleCnt="3">
+      <dgm:prSet presAssocID="{906D4E4C-F595-8042-84C3-0A294BEB4A6C}" presName="node" presStyleLbl="node1" presStyleIdx="0" presStyleCnt="3" custScaleX="214060" custScaleY="78736">
         <dgm:presLayoutVars>
           <dgm:bulletEnabled val="1"/>
         </dgm:presLayoutVars>
@@ -1207,7 +1211,7 @@
       <dgm:spPr/>
     </dgm:pt>
     <dgm:pt modelId="{1CBA369E-028B-6B4B-949A-CB1EB117344A}" type="pres">
-      <dgm:prSet presAssocID="{5783FA7A-C56E-B949-B5DF-C47DFBFFF810}" presName="sibTrans" presStyleLbl="sibTrans2D1" presStyleIdx="0" presStyleCnt="2"/>
+      <dgm:prSet presAssocID="{5783FA7A-C56E-B949-B5DF-C47DFBFFF810}" presName="sibTrans" presStyleLbl="sibTrans2D1" presStyleIdx="0" presStyleCnt="2" custScaleX="40661" custScaleY="40661" custLinFactNeighborX="1541" custLinFactNeighborY="18845"/>
       <dgm:spPr/>
     </dgm:pt>
     <dgm:pt modelId="{39C24EF5-0F8A-1B4C-B4EA-8D09FAA77F6D}" type="pres">
@@ -1215,7 +1219,7 @@
       <dgm:spPr/>
     </dgm:pt>
     <dgm:pt modelId="{47FAC16A-F58F-0046-A5A8-D4DAAFE43514}" type="pres">
-      <dgm:prSet presAssocID="{F8F5E8DF-1D1C-6C4C-A3E5-D8E41B50879E}" presName="node" presStyleLbl="node1" presStyleIdx="1" presStyleCnt="3">
+      <dgm:prSet presAssocID="{F8F5E8DF-1D1C-6C4C-A3E5-D8E41B50879E}" presName="node" presStyleLbl="node1" presStyleIdx="1" presStyleCnt="3" custScaleX="214496" custScaleY="138845">
         <dgm:presLayoutVars>
           <dgm:bulletEnabled val="1"/>
         </dgm:presLayoutVars>
@@ -1235,7 +1239,7 @@
       <dgm:spPr/>
     </dgm:pt>
     <dgm:pt modelId="{BE06B0E0-0849-5C48-889C-46DCD5F1AB74}" type="pres">
-      <dgm:prSet presAssocID="{0AEFB06C-CF69-5644-8D7B-A0BBA4565C45}" presName="lastNode" presStyleLbl="node1" presStyleIdx="2" presStyleCnt="3">
+      <dgm:prSet presAssocID="{0AEFB06C-CF69-5644-8D7B-A0BBA4565C45}" presName="lastNode" presStyleLbl="node1" presStyleIdx="2" presStyleCnt="3" custScaleX="152451">
         <dgm:presLayoutVars>
           <dgm:bulletEnabled val="1"/>
         </dgm:presLayoutVars>
@@ -1274,6 +1278,9 @@
     <a:ext uri="http://schemas.microsoft.com/office/drawing/2008/diagram">
       <dsp:dataModelExt xmlns:dsp="http://schemas.microsoft.com/office/drawing/2008/diagram" relId="rId6" minVer="http://schemas.openxmlformats.org/drawingml/2006/diagram"/>
     </a:ext>
+    <a:ext uri="{C62137D5-CB1D-491B-B009-E17868A290BF}">
+      <dgm14:recolorImg xmlns:dgm14="http://schemas.microsoft.com/office/drawing/2010/diagram" val="1"/>
+    </a:ext>
   </dgm:extLst>
 </dgm:dataModel>
 </file>
@@ -1293,8 +1300,8 @@
       </dsp:nvSpPr>
       <dsp:spPr>
         <a:xfrm>
-          <a:off x="2423986" y="432"/>
-          <a:ext cx="1762651" cy="1762651"/>
+          <a:off x="11653" y="134317"/>
+          <a:ext cx="4129969" cy="1519094"/>
         </a:xfrm>
         <a:prstGeom prst="roundRect">
           <a:avLst/>
@@ -1309,7 +1316,7 @@
         </a:solidFill>
         <a:ln w="12700" cap="flat" cmpd="sng" algn="ctr">
           <a:solidFill>
-            <a:schemeClr val="accent1">
+            <a:schemeClr val="accent4">
               <a:shade val="80000"/>
               <a:hueOff val="0"/>
               <a:satOff val="0"/>
@@ -1337,12 +1344,12 @@
         </a:fontRef>
       </dsp:style>
       <dsp:txBody>
-        <a:bodyPr spcFirstLastPara="0" vert="horz" wrap="square" lIns="11430" tIns="11430" rIns="11430" bIns="11430" numCol="1" spcCol="1270" anchor="ctr" anchorCtr="0">
+        <a:bodyPr spcFirstLastPara="0" vert="horz" wrap="square" lIns="13970" tIns="13970" rIns="13970" bIns="13970" numCol="1" spcCol="1270" anchor="ctr" anchorCtr="0">
           <a:noAutofit/>
         </a:bodyPr>
         <a:lstStyle/>
         <a:p>
-          <a:pPr marL="0" lvl="0" indent="0" algn="ctr" defTabSz="400050">
+          <a:pPr marL="0" lvl="0" indent="0" algn="ctr" defTabSz="488950">
             <a:lnSpc>
               <a:spcPct val="90000"/>
             </a:lnSpc>
@@ -1355,12 +1362,12 @@
             <a:buNone/>
           </a:pPr>
           <a:r>
-            <a:rPr lang="en-US" altLang="zh-CN" sz="900" kern="1200" dirty="0"/>
+            <a:rPr lang="en-US" altLang="zh-CN" sz="1100" b="1" kern="1200" dirty="0"/>
             <a:t>HTML</a:t>
           </a:r>
         </a:p>
         <a:p>
-          <a:pPr marL="0" lvl="0" indent="0" algn="ctr" defTabSz="400050">
+          <a:pPr marL="0" lvl="0" indent="0" algn="ctr" defTabSz="488950">
             <a:lnSpc>
               <a:spcPct val="90000"/>
             </a:lnSpc>
@@ -1373,12 +1380,12 @@
             <a:buNone/>
           </a:pPr>
           <a:r>
-            <a:rPr lang="en-US" altLang="zh-CN" sz="900" kern="1200" dirty="0"/>
-            <a:t>define content of each page</a:t>
+            <a:rPr lang="en-US" altLang="zh-CN" sz="1100" kern="1200" dirty="0"/>
+            <a:t>Define content of each page</a:t>
           </a:r>
         </a:p>
         <a:p>
-          <a:pPr marL="0" lvl="0" indent="0" algn="ctr" defTabSz="400050">
+          <a:pPr marL="0" lvl="0" indent="0" algn="ctr" defTabSz="488950">
             <a:lnSpc>
               <a:spcPct val="90000"/>
             </a:lnSpc>
@@ -1391,12 +1398,12 @@
             <a:buNone/>
           </a:pPr>
           <a:r>
-            <a:rPr lang="en-US" altLang="zh-CN" sz="900" kern="1200" dirty="0"/>
+            <a:rPr lang="en-US" altLang="zh-CN" sz="1100" b="1" kern="1200" dirty="0"/>
             <a:t>CSS</a:t>
           </a:r>
         </a:p>
         <a:p>
-          <a:pPr marL="0" lvl="0" indent="0" algn="ctr" defTabSz="400050">
+          <a:pPr marL="0" lvl="0" indent="0" algn="ctr" defTabSz="488950">
             <a:lnSpc>
               <a:spcPct val="90000"/>
             </a:lnSpc>
@@ -1409,20 +1416,20 @@
             <a:buNone/>
           </a:pPr>
           <a:r>
-            <a:rPr lang="en-US" altLang="zh-CN" sz="900" kern="1200" dirty="0"/>
-            <a:t>use </a:t>
+            <a:rPr lang="en-US" altLang="zh-CN" sz="1100" kern="1200" dirty="0"/>
+            <a:t>Use </a:t>
           </a:r>
           <a:r>
-            <a:rPr lang="en-US" altLang="zh-CN" sz="900" kern="1200" dirty="0" err="1"/>
-            <a:t>Boostrap</a:t>
+            <a:rPr lang="en-US" altLang="zh-CN" sz="1100" kern="1200" dirty="0" err="1"/>
+            <a:t>boostrap</a:t>
           </a:r>
           <a:r>
-            <a:rPr lang="en-US" altLang="zh-CN" sz="900" kern="1200" dirty="0"/>
+            <a:rPr lang="en-US" altLang="zh-CN" sz="1100" kern="1200" dirty="0"/>
             <a:t> to optimize layout </a:t>
           </a:r>
         </a:p>
         <a:p>
-          <a:pPr marL="0" lvl="0" indent="0" algn="ctr" defTabSz="400050">
+          <a:pPr marL="0" lvl="0" indent="0" algn="ctr" defTabSz="488950">
             <a:lnSpc>
               <a:spcPct val="90000"/>
             </a:lnSpc>
@@ -1435,12 +1442,13 @@
             <a:buNone/>
           </a:pPr>
           <a:r>
-            <a:rPr lang="en-US" altLang="zh-CN" sz="900" kern="1200" dirty="0"/>
-            <a:t>JavaScript</a:t>
+            <a:rPr lang="en-US" altLang="zh-CN" sz="1100" b="1" kern="1200" dirty="0" err="1"/>
+            <a:t>Javascript</a:t>
           </a:r>
+          <a:endParaRPr lang="en-US" altLang="zh-CN" sz="1100" b="1" kern="1200" dirty="0"/>
         </a:p>
         <a:p>
-          <a:pPr marL="0" lvl="0" indent="0" algn="ctr" defTabSz="400050">
+          <a:pPr marL="0" lvl="0" indent="0" algn="ctr" defTabSz="488950">
             <a:lnSpc>
               <a:spcPct val="90000"/>
             </a:lnSpc>
@@ -1453,12 +1461,12 @@
             <a:buNone/>
           </a:pPr>
           <a:r>
-            <a:rPr lang="en-US" altLang="zh-CN" sz="900" kern="1200" dirty="0"/>
+            <a:rPr lang="en-US" altLang="zh-CN" sz="1100" kern="1200" dirty="0"/>
             <a:t>Display pop up windows </a:t>
           </a:r>
         </a:p>
         <a:p>
-          <a:pPr marL="0" lvl="0" indent="0" algn="ctr" defTabSz="400050">
+          <a:pPr marL="0" lvl="0" indent="0" algn="ctr" defTabSz="488950">
             <a:lnSpc>
               <a:spcPct val="90000"/>
             </a:lnSpc>
@@ -1471,34 +1479,22 @@
             <a:buNone/>
           </a:pPr>
           <a:r>
-            <a:rPr lang="en-US" altLang="zh-CN" sz="900" kern="1200" dirty="0"/>
-            <a:t>Update </a:t>
+            <a:rPr lang="en-US" altLang="zh-CN" sz="1100" kern="1200" dirty="0"/>
+            <a:t>Calculate</a:t>
           </a:r>
           <a:r>
-            <a:rPr lang="en-US" altLang="zh-CN" sz="900" kern="1200"/>
-            <a:t>order information</a:t>
+            <a:rPr lang="zh-CN" altLang="en-US" sz="1100" kern="1200" dirty="0"/>
+            <a:t> </a:t>
           </a:r>
-          <a:endParaRPr lang="en-US" altLang="zh-CN" sz="900" kern="1200" dirty="0"/>
-        </a:p>
-        <a:p>
-          <a:pPr marL="0" lvl="0" indent="0" algn="ctr" defTabSz="400050">
-            <a:lnSpc>
-              <a:spcPct val="90000"/>
-            </a:lnSpc>
-            <a:spcBef>
-              <a:spcPct val="0"/>
-            </a:spcBef>
-            <a:spcAft>
-              <a:spcPct val="35000"/>
-            </a:spcAft>
-            <a:buNone/>
-          </a:pPr>
-          <a:endParaRPr lang="en-US" sz="900" kern="1200" dirty="0"/>
+          <a:r>
+            <a:rPr lang="en-US" altLang="zh-CN" sz="1100" kern="1200" dirty="0"/>
+            <a:t>and show order amount</a:t>
+          </a:r>
         </a:p>
       </dsp:txBody>
       <dsp:txXfrm>
-        <a:off x="2510032" y="86478"/>
-        <a:ext cx="1590559" cy="1590559"/>
+        <a:off x="85809" y="208473"/>
+        <a:ext cx="3981657" cy="1370782"/>
       </dsp:txXfrm>
     </dsp:sp>
     <dsp:sp modelId="{1CBA369E-028B-6B4B-949A-CB1EB117344A}">
@@ -1508,14 +1504,14 @@
       </dsp:nvSpPr>
       <dsp:spPr>
         <a:xfrm>
-          <a:off x="2794143" y="1906210"/>
-          <a:ext cx="1022337" cy="1022337"/>
+          <a:off x="1866378" y="1839598"/>
+          <a:ext cx="455006" cy="455006"/>
         </a:xfrm>
         <a:prstGeom prst="mathPlus">
           <a:avLst/>
         </a:prstGeom>
         <a:solidFill>
-          <a:schemeClr val="accent1">
+          <a:schemeClr val="accent4">
             <a:tint val="60000"/>
             <a:hueOff val="0"/>
             <a:satOff val="0"/>
@@ -1548,7 +1544,7 @@
         </a:bodyPr>
         <a:lstStyle/>
         <a:p>
-          <a:pPr marL="0" lvl="0" indent="0" algn="ctr" defTabSz="355600">
+          <a:pPr marL="0" lvl="0" indent="0" algn="ctr" defTabSz="311150">
             <a:lnSpc>
               <a:spcPct val="90000"/>
             </a:lnSpc>
@@ -1560,12 +1556,12 @@
             </a:spcAft>
             <a:buNone/>
           </a:pPr>
-          <a:endParaRPr lang="en-US" sz="800" kern="1200"/>
+          <a:endParaRPr lang="en-US" sz="700" kern="1200"/>
         </a:p>
       </dsp:txBody>
       <dsp:txXfrm>
-        <a:off x="2929654" y="2297152"/>
-        <a:ext cx="751315" cy="240453"/>
+        <a:off x="1926689" y="2013592"/>
+        <a:ext cx="334384" cy="107018"/>
       </dsp:txXfrm>
     </dsp:sp>
     <dsp:sp modelId="{47FAC16A-F58F-0046-A5A8-D4DAAFE43514}">
@@ -1575,18 +1571,29 @@
       </dsp:nvSpPr>
       <dsp:spPr>
         <a:xfrm>
-          <a:off x="2423986" y="3071675"/>
-          <a:ext cx="1762651" cy="1762651"/>
+          <a:off x="7447" y="2421744"/>
+          <a:ext cx="4138381" cy="2678808"/>
         </a:xfrm>
         <a:prstGeom prst="roundRect">
           <a:avLst/>
         </a:prstGeom>
         <a:solidFill>
-          <a:schemeClr val="lt1"/>
+          <a:schemeClr val="lt1">
+            <a:hueOff val="0"/>
+            <a:satOff val="0"/>
+            <a:lumOff val="0"/>
+            <a:alphaOff val="0"/>
+          </a:schemeClr>
         </a:solidFill>
         <a:ln w="12700" cap="flat" cmpd="sng" algn="ctr">
           <a:solidFill>
-            <a:schemeClr val="accent1"/>
+            <a:schemeClr val="accent4">
+              <a:shade val="80000"/>
+              <a:hueOff val="0"/>
+              <a:satOff val="0"/>
+              <a:lumOff val="0"/>
+              <a:alphaOff val="0"/>
+            </a:schemeClr>
           </a:solidFill>
           <a:prstDash val="solid"/>
           <a:miter lim="800000"/>
@@ -1595,25 +1602,25 @@
       </dsp:spPr>
       <dsp:style>
         <a:lnRef idx="2">
-          <a:schemeClr val="accent1"/>
+          <a:scrgbClr r="0" g="0" b="0"/>
         </a:lnRef>
         <a:fillRef idx="1">
-          <a:schemeClr val="lt1"/>
+          <a:scrgbClr r="0" g="0" b="0"/>
         </a:fillRef>
         <a:effectRef idx="0">
-          <a:schemeClr val="accent1"/>
+          <a:scrgbClr r="0" g="0" b="0"/>
         </a:effectRef>
         <a:fontRef idx="minor">
-          <a:schemeClr val="dk1"/>
+          <a:schemeClr val="lt1"/>
         </a:fontRef>
       </dsp:style>
       <dsp:txBody>
-        <a:bodyPr spcFirstLastPara="0" vert="horz" wrap="square" lIns="11430" tIns="11430" rIns="11430" bIns="11430" numCol="1" spcCol="1270" anchor="ctr" anchorCtr="0">
+        <a:bodyPr spcFirstLastPara="0" vert="horz" wrap="square" lIns="13970" tIns="13970" rIns="13970" bIns="13970" numCol="1" spcCol="1270" anchor="ctr" anchorCtr="0">
           <a:noAutofit/>
         </a:bodyPr>
         <a:lstStyle/>
         <a:p>
-          <a:pPr marL="0" lvl="0" indent="0" algn="ctr" defTabSz="400050">
+          <a:pPr marL="0" lvl="0" indent="0" algn="ctr" defTabSz="466725">
             <a:lnSpc>
               <a:spcPct val="90000"/>
             </a:lnSpc>
@@ -1626,13 +1633,12 @@
             <a:buNone/>
           </a:pPr>
           <a:r>
-            <a:rPr lang="en-US" altLang="zh-CN" sz="900" kern="1200" dirty="0" err="1"/>
+            <a:rPr lang="en-US" altLang="zh-CN" sz="1050" b="1" kern="1200"/>
             <a:t>models.py</a:t>
           </a:r>
-          <a:endParaRPr lang="en-US" altLang="zh-CN" sz="900" kern="1200" dirty="0"/>
         </a:p>
         <a:p>
-          <a:pPr marL="0" lvl="0" indent="0" algn="ctr" defTabSz="400050">
+          <a:pPr marL="0" lvl="0" indent="0" algn="ctr" defTabSz="466725">
             <a:lnSpc>
               <a:spcPct val="90000"/>
             </a:lnSpc>
@@ -1645,12 +1651,12 @@
             <a:buNone/>
           </a:pPr>
           <a:r>
-            <a:rPr lang="en-US" altLang="zh-CN" sz="900" kern="1200" dirty="0"/>
-            <a:t>define tables of </a:t>
+            <a:rPr lang="en-US" altLang="zh-CN" sz="1050" kern="1200"/>
+            <a:t>Define tables of the database</a:t>
           </a:r>
         </a:p>
         <a:p>
-          <a:pPr marL="0" lvl="0" indent="0" algn="ctr" defTabSz="400050">
+          <a:pPr marL="0" lvl="0" indent="0" algn="ctr" defTabSz="466725">
             <a:lnSpc>
               <a:spcPct val="90000"/>
             </a:lnSpc>
@@ -1663,13 +1669,12 @@
             <a:buNone/>
           </a:pPr>
           <a:r>
-            <a:rPr lang="en-US" sz="900" kern="1200" dirty="0" err="1"/>
+            <a:rPr lang="en-US" sz="1050" b="1" kern="1200"/>
             <a:t>views.py</a:t>
           </a:r>
-          <a:endParaRPr lang="en-US" sz="900" kern="1200" dirty="0"/>
         </a:p>
         <a:p>
-          <a:pPr marL="0" lvl="0" indent="0" algn="ctr" defTabSz="400050">
+          <a:pPr marL="0" lvl="0" indent="0" algn="ctr" defTabSz="466725">
             <a:lnSpc>
               <a:spcPct val="90000"/>
             </a:lnSpc>
@@ -1682,12 +1687,12 @@
             <a:buNone/>
           </a:pPr>
           <a:r>
-            <a:rPr lang="en-US" sz="900" kern="1200" dirty="0"/>
+            <a:rPr lang="en-US" sz="1050" kern="1200"/>
             <a:t>Handle request from each page</a:t>
           </a:r>
         </a:p>
         <a:p>
-          <a:pPr marL="0" lvl="0" indent="0" algn="ctr" defTabSz="400050">
+          <a:pPr marL="0" lvl="0" indent="0" algn="ctr" defTabSz="466725">
             <a:lnSpc>
               <a:spcPct val="90000"/>
             </a:lnSpc>
@@ -1700,13 +1705,12 @@
             <a:buNone/>
           </a:pPr>
           <a:r>
-            <a:rPr lang="en-US" sz="900" kern="1200" dirty="0" err="1"/>
+            <a:rPr lang="en-US" sz="1050" b="1" kern="1200"/>
             <a:t>admin.py</a:t>
           </a:r>
-          <a:endParaRPr lang="en-US" sz="900" kern="1200" dirty="0"/>
         </a:p>
         <a:p>
-          <a:pPr marL="0" lvl="0" indent="0" algn="ctr" defTabSz="400050">
+          <a:pPr marL="0" lvl="0" indent="0" algn="ctr" defTabSz="466725">
             <a:lnSpc>
               <a:spcPct val="90000"/>
             </a:lnSpc>
@@ -1718,10 +1722,13 @@
             </a:spcAft>
             <a:buNone/>
           </a:pPr>
-          <a:endParaRPr lang="en-US" sz="900" kern="1200" dirty="0"/>
+          <a:r>
+            <a:rPr lang="en-US" sz="1050" kern="1200"/>
+            <a:t>Register models</a:t>
+          </a:r>
         </a:p>
         <a:p>
-          <a:pPr marL="0" lvl="0" indent="0" algn="ctr" defTabSz="400050">
+          <a:pPr marL="0" lvl="0" indent="0" algn="ctr" defTabSz="466725">
             <a:lnSpc>
               <a:spcPct val="90000"/>
             </a:lnSpc>
@@ -1733,10 +1740,13 @@
             </a:spcAft>
             <a:buNone/>
           </a:pPr>
-          <a:endParaRPr lang="en-US" sz="900" kern="1200" dirty="0"/>
+          <a:r>
+            <a:rPr lang="en-US" sz="1050" b="1" kern="1200"/>
+            <a:t>urls.py</a:t>
+          </a:r>
         </a:p>
         <a:p>
-          <a:pPr marL="0" lvl="0" indent="0" algn="ctr" defTabSz="400050">
+          <a:pPr marL="0" lvl="0" indent="0" algn="ctr" defTabSz="466725">
             <a:lnSpc>
               <a:spcPct val="90000"/>
             </a:lnSpc>
@@ -1748,10 +1758,13 @@
             </a:spcAft>
             <a:buNone/>
           </a:pPr>
-          <a:endParaRPr lang="en-US" sz="900" kern="1200" dirty="0"/>
+          <a:r>
+            <a:rPr lang="en-US" sz="1050" kern="1200"/>
+            <a:t>Link html files with functions in views.py</a:t>
+          </a:r>
         </a:p>
         <a:p>
-          <a:pPr marL="0" lvl="0" indent="0" algn="ctr" defTabSz="400050">
+          <a:pPr marL="0" lvl="0" indent="0" algn="ctr" defTabSz="466725">
             <a:lnSpc>
               <a:spcPct val="90000"/>
             </a:lnSpc>
@@ -1763,12 +1776,48 @@
             </a:spcAft>
             <a:buNone/>
           </a:pPr>
-          <a:endParaRPr lang="en-US" sz="900" kern="1200" dirty="0"/>
+          <a:r>
+            <a:rPr lang="en-US" sz="1050" b="1" kern="1200"/>
+            <a:t>apps.py</a:t>
+          </a:r>
+        </a:p>
+        <a:p>
+          <a:pPr marL="0" lvl="0" indent="0" algn="ctr" defTabSz="466725">
+            <a:lnSpc>
+              <a:spcPct val="90000"/>
+            </a:lnSpc>
+            <a:spcBef>
+              <a:spcPct val="0"/>
+            </a:spcBef>
+            <a:spcAft>
+              <a:spcPct val="35000"/>
+            </a:spcAft>
+            <a:buNone/>
+          </a:pPr>
+          <a:r>
+            <a:rPr lang="en-US" sz="1050" kern="1200"/>
+            <a:t>Define apps of the whole project</a:t>
+          </a:r>
+        </a:p>
+        <a:p>
+          <a:pPr marL="0" lvl="0" indent="0" algn="ctr" defTabSz="466725">
+            <a:lnSpc>
+              <a:spcPct val="90000"/>
+            </a:lnSpc>
+            <a:spcBef>
+              <a:spcPct val="0"/>
+            </a:spcBef>
+            <a:spcAft>
+              <a:spcPct val="35000"/>
+            </a:spcAft>
+            <a:buNone/>
+          </a:pPr>
+          <a:endParaRPr lang="en-US" sz="700" kern="1200" dirty="0"/>
         </a:p>
       </dsp:txBody>
       <dsp:txXfrm>
-        <a:off x="2510032" y="3157721"/>
-        <a:ext cx="1590559" cy="1590559"/>
+        <a:off x="138216" y="2552513"/>
+        <a:ext cx="3876843" cy="2417270"/>
       </dsp:txXfrm>
     </dsp:sp>
     <dsp:sp modelId="{2004F7DC-B0E9-CD44-9696-ADEB6FB7376D}">
@@ -1778,8 +1827,8 @@
       </dsp:nvSpPr>
       <dsp:spPr>
         <a:xfrm>
-          <a:off x="4451035" y="2089526"/>
-          <a:ext cx="560523" cy="655706"/>
+          <a:off x="4435231" y="2258575"/>
+          <a:ext cx="613533" cy="717718"/>
         </a:xfrm>
         <a:prstGeom prst="rightArrow">
           <a:avLst>
@@ -1788,7 +1837,7 @@
           </a:avLst>
         </a:prstGeom>
         <a:solidFill>
-          <a:schemeClr val="accent1">
+          <a:schemeClr val="accent4">
             <a:tint val="60000"/>
             <a:hueOff val="0"/>
             <a:satOff val="0"/>
@@ -1821,7 +1870,7 @@
         </a:bodyPr>
         <a:lstStyle/>
         <a:p>
-          <a:pPr marL="0" lvl="0" indent="0" algn="ctr" defTabSz="355600">
+          <a:pPr marL="0" lvl="0" indent="0" algn="ctr" defTabSz="1333500">
             <a:lnSpc>
               <a:spcPct val="90000"/>
             </a:lnSpc>
@@ -1833,12 +1882,12 @@
             </a:spcAft>
             <a:buNone/>
           </a:pPr>
-          <a:endParaRPr lang="en-US" sz="800" kern="1200"/>
+          <a:endParaRPr lang="en-US" sz="3000" kern="1200"/>
         </a:p>
       </dsp:txBody>
       <dsp:txXfrm>
-        <a:off x="4451035" y="2220667"/>
-        <a:ext cx="392366" cy="393424"/>
+        <a:off x="4435231" y="2402119"/>
+        <a:ext cx="429473" cy="430630"/>
       </dsp:txXfrm>
     </dsp:sp>
     <dsp:sp modelId="{BE06B0E0-0849-5C48-889C-46DCD5F1AB74}">
@@ -1848,8 +1897,8 @@
       </dsp:nvSpPr>
       <dsp:spPr>
         <a:xfrm>
-          <a:off x="5244228" y="654728"/>
-          <a:ext cx="3525302" cy="3525302"/>
+          <a:off x="5303439" y="688083"/>
+          <a:ext cx="5882631" cy="3858702"/>
         </a:xfrm>
         <a:prstGeom prst="roundRect">
           <a:avLst/>
@@ -1864,7 +1913,7 @@
         </a:solidFill>
         <a:ln w="12700" cap="flat" cmpd="sng" algn="ctr">
           <a:solidFill>
-            <a:schemeClr val="accent1">
+            <a:schemeClr val="accent4">
               <a:shade val="80000"/>
               <a:hueOff val="0"/>
               <a:satOff val="0"/>
@@ -1892,12 +1941,12 @@
         </a:fontRef>
       </dsp:style>
       <dsp:txBody>
-        <a:bodyPr spcFirstLastPara="0" vert="horz" wrap="square" lIns="24130" tIns="24130" rIns="24130" bIns="24130" numCol="1" spcCol="1270" anchor="ctr" anchorCtr="0">
+        <a:bodyPr spcFirstLastPara="0" vert="horz" wrap="square" lIns="27940" tIns="27940" rIns="27940" bIns="27940" numCol="1" spcCol="1270" anchor="ctr" anchorCtr="0">
           <a:noAutofit/>
         </a:bodyPr>
         <a:lstStyle/>
         <a:p>
-          <a:pPr marL="0" lvl="0" indent="0" algn="ctr" defTabSz="844550">
+          <a:pPr marL="0" lvl="0" indent="0" algn="ctr" defTabSz="977900">
             <a:lnSpc>
               <a:spcPct val="90000"/>
             </a:lnSpc>
@@ -1910,12 +1959,12 @@
             <a:buNone/>
           </a:pPr>
           <a:r>
-            <a:rPr lang="en-US" sz="1900" b="1" kern="1200" dirty="0"/>
+            <a:rPr lang="en-US" sz="2200" b="1" kern="1200" dirty="0"/>
             <a:t>Customer</a:t>
           </a:r>
         </a:p>
         <a:p>
-          <a:pPr marL="0" lvl="0" indent="0" algn="ctr" defTabSz="844550">
+          <a:pPr marL="0" lvl="0" indent="0" algn="ctr" defTabSz="977900">
             <a:lnSpc>
               <a:spcPct val="90000"/>
             </a:lnSpc>
@@ -1928,12 +1977,12 @@
             <a:buNone/>
           </a:pPr>
           <a:r>
-            <a:rPr lang="en-US" sz="1900" kern="1200" dirty="0"/>
+            <a:rPr lang="en-US" sz="2200" kern="1200" dirty="0"/>
             <a:t>View Menu</a:t>
           </a:r>
         </a:p>
         <a:p>
-          <a:pPr marL="0" lvl="0" indent="0" algn="ctr" defTabSz="844550">
+          <a:pPr marL="0" lvl="0" indent="0" algn="ctr" defTabSz="977900">
             <a:lnSpc>
               <a:spcPct val="90000"/>
             </a:lnSpc>
@@ -1946,12 +1995,12 @@
             <a:buNone/>
           </a:pPr>
           <a:r>
-            <a:rPr lang="en-US" sz="1900" kern="1200" dirty="0"/>
+            <a:rPr lang="en-US" sz="2200" kern="1200" dirty="0"/>
             <a:t>Sign up &amp; Login &amp; Logout</a:t>
           </a:r>
         </a:p>
         <a:p>
-          <a:pPr marL="0" lvl="0" indent="0" algn="ctr" defTabSz="844550">
+          <a:pPr marL="0" lvl="0" indent="0" algn="ctr" defTabSz="977900">
             <a:lnSpc>
               <a:spcPct val="90000"/>
             </a:lnSpc>
@@ -1964,12 +2013,12 @@
             <a:buNone/>
           </a:pPr>
           <a:r>
-            <a:rPr lang="en-US" sz="1900" kern="1200" dirty="0"/>
+            <a:rPr lang="en-US" sz="2200" kern="1200" dirty="0"/>
             <a:t>Add &amp; Delete Items in shopping cart</a:t>
           </a:r>
         </a:p>
         <a:p>
-          <a:pPr marL="0" lvl="0" indent="0" algn="ctr" defTabSz="844550">
+          <a:pPr marL="0" lvl="0" indent="0" algn="ctr" defTabSz="977900">
             <a:lnSpc>
               <a:spcPct val="90000"/>
             </a:lnSpc>
@@ -1982,12 +2031,12 @@
             <a:buNone/>
           </a:pPr>
           <a:r>
-            <a:rPr lang="en-US" sz="1900" kern="1200" dirty="0"/>
+            <a:rPr lang="en-US" sz="2200" kern="1200" dirty="0"/>
             <a:t>Place Order</a:t>
           </a:r>
         </a:p>
         <a:p>
-          <a:pPr marL="0" lvl="0" indent="0" algn="ctr" defTabSz="844550">
+          <a:pPr marL="0" lvl="0" indent="0" algn="ctr" defTabSz="977900">
             <a:lnSpc>
               <a:spcPct val="90000"/>
             </a:lnSpc>
@@ -2000,12 +2049,12 @@
             <a:buNone/>
           </a:pPr>
           <a:r>
-            <a:rPr lang="en-US" sz="1900" b="1" kern="1200" dirty="0"/>
+            <a:rPr lang="en-US" sz="2200" b="1" kern="1200" dirty="0"/>
             <a:t>Restaurant Owner</a:t>
           </a:r>
         </a:p>
         <a:p>
-          <a:pPr marL="0" lvl="0" indent="0" algn="ctr" defTabSz="844550">
+          <a:pPr marL="0" lvl="0" indent="0" algn="ctr" defTabSz="977900">
             <a:lnSpc>
               <a:spcPct val="90000"/>
             </a:lnSpc>
@@ -2018,12 +2067,12 @@
             <a:buNone/>
           </a:pPr>
           <a:r>
-            <a:rPr lang="en-US" sz="1900" b="0" kern="1200" dirty="0"/>
-            <a:t>Update Menu</a:t>
+            <a:rPr lang="en-US" sz="2200" b="0" kern="1200" dirty="0"/>
+            <a:t>Update Menu via Django Admin site</a:t>
           </a:r>
         </a:p>
         <a:p>
-          <a:pPr marL="0" lvl="0" indent="0" algn="ctr" defTabSz="844550">
+          <a:pPr marL="0" lvl="0" indent="0" algn="ctr" defTabSz="977900">
             <a:lnSpc>
               <a:spcPct val="90000"/>
             </a:lnSpc>
@@ -2036,14 +2085,14 @@
             <a:buNone/>
           </a:pPr>
           <a:r>
-            <a:rPr lang="en-US" sz="1900" b="0" kern="1200" dirty="0"/>
+            <a:rPr lang="en-US" sz="2200" b="0" kern="1200" dirty="0"/>
             <a:t>View &amp; Mark Order</a:t>
           </a:r>
         </a:p>
       </dsp:txBody>
       <dsp:txXfrm>
-        <a:off x="5416319" y="826819"/>
-        <a:ext cx="3181120" cy="3181120"/>
+        <a:off x="5491805" y="876449"/>
+        <a:ext cx="5505899" cy="3481970"/>
       </dsp:txXfrm>
     </dsp:sp>
   </dsp:spTree>
@@ -6576,14 +6625,14 @@
           <p:nvPr>
             <p:extLst>
               <p:ext uri="{D42A27DB-BD31-4B8C-83A1-F6EECF244321}">
-                <p14:modId xmlns:p14="http://schemas.microsoft.com/office/powerpoint/2010/main" val="60217279"/>
+                <p14:modId xmlns:p14="http://schemas.microsoft.com/office/powerpoint/2010/main" val="3960531147"/>
               </p:ext>
             </p:extLst>
           </p:nvPr>
         </p:nvGraphicFramePr>
         <p:xfrm>
           <a:off x="0" y="1051034"/>
-          <a:ext cx="11193518" cy="4834759"/>
+          <a:ext cx="11193518" cy="5234870"/>
         </p:xfrm>
         <a:graphic>
           <a:graphicData uri="http://schemas.openxmlformats.org/drawingml/2006/diagram">
@@ -6605,8 +6654,8 @@
         </p:nvSpPr>
         <p:spPr>
           <a:xfrm>
-            <a:off x="1135117" y="1723697"/>
-            <a:ext cx="1194494" cy="400110"/>
+            <a:off x="1047700" y="650924"/>
+            <a:ext cx="2032608" cy="646331"/>
           </a:xfrm>
           <a:prstGeom prst="rect">
             <a:avLst/>
@@ -6620,17 +6669,63 @@
           <a:lstStyle/>
           <a:p>
             <a:r>
-              <a:rPr lang="en-US" altLang="zh-CN" sz="2000" dirty="0">
-                <a:solidFill>
-                  <a:srgbClr val="0070C0"/>
-                </a:solidFill>
+              <a:rPr lang="en-US" altLang="zh-CN" sz="3600" b="1" dirty="0">
+                <a:ln w="12700" cmpd="sng">
+                  <a:solidFill>
+                    <a:schemeClr val="accent4"/>
+                  </a:solidFill>
+                  <a:prstDash val="solid"/>
+                </a:ln>
+                <a:gradFill>
+                  <a:gsLst>
+                    <a:gs pos="0">
+                      <a:schemeClr val="accent4"/>
+                    </a:gs>
+                    <a:gs pos="4000">
+                      <a:schemeClr val="accent4">
+                        <a:lumMod val="60000"/>
+                        <a:lumOff val="40000"/>
+                      </a:schemeClr>
+                    </a:gs>
+                    <a:gs pos="87000">
+                      <a:schemeClr val="accent4">
+                        <a:lumMod val="20000"/>
+                        <a:lumOff val="80000"/>
+                      </a:schemeClr>
+                    </a:gs>
+                  </a:gsLst>
+                  <a:lin ang="5400000"/>
+                </a:gradFill>
               </a:rPr>
               <a:t>Front End</a:t>
             </a:r>
-            <a:endParaRPr lang="en-US" sz="2000" dirty="0">
-              <a:solidFill>
-                <a:srgbClr val="0070C0"/>
-              </a:solidFill>
+            <a:endParaRPr lang="en-US" sz="3600" b="1" dirty="0">
+              <a:ln w="12700" cmpd="sng">
+                <a:solidFill>
+                  <a:schemeClr val="accent4"/>
+                </a:solidFill>
+                <a:prstDash val="solid"/>
+              </a:ln>
+              <a:gradFill>
+                <a:gsLst>
+                  <a:gs pos="0">
+                    <a:schemeClr val="accent4"/>
+                  </a:gs>
+                  <a:gs pos="4000">
+                    <a:schemeClr val="accent4">
+                      <a:lumMod val="60000"/>
+                      <a:lumOff val="40000"/>
+                    </a:schemeClr>
+                  </a:gs>
+                  <a:gs pos="87000">
+                    <a:schemeClr val="accent4">
+                      <a:lumMod val="20000"/>
+                      <a:lumOff val="80000"/>
+                    </a:schemeClr>
+                  </a:gs>
+                </a:gsLst>
+                <a:lin ang="5400000"/>
+              </a:gradFill>
             </a:endParaRPr>
           </a:p>
         </p:txBody>
@@ -6649,8 +6744,78 @@
         </p:nvSpPr>
         <p:spPr>
           <a:xfrm>
-            <a:off x="998482" y="4734194"/>
-            <a:ext cx="1125629" cy="400110"/>
+            <a:off x="1169207" y="6039683"/>
+            <a:ext cx="1911101" cy="646331"/>
+          </a:xfrm>
+          <a:prstGeom prst="rect">
+            <a:avLst/>
+          </a:prstGeom>
+          <a:noFill/>
+        </p:spPr>
+        <p:txBody>
+          <a:bodyPr wrap="none" rtlCol="0">
+            <a:spAutoFit/>
+          </a:bodyPr>
+          <a:lstStyle>
+            <a:defPPr>
+              <a:defRPr lang="en-US"/>
+            </a:defPPr>
+            <a:lvl1pPr>
+              <a:defRPr sz="3600" b="1">
+                <a:ln w="12700" cmpd="sng">
+                  <a:solidFill>
+                    <a:schemeClr val="accent4"/>
+                  </a:solidFill>
+                  <a:prstDash val="solid"/>
+                </a:ln>
+                <a:gradFill>
+                  <a:gsLst>
+                    <a:gs pos="0">
+                      <a:schemeClr val="accent4"/>
+                    </a:gs>
+                    <a:gs pos="4000">
+                      <a:schemeClr val="accent4">
+                        <a:lumMod val="60000"/>
+                        <a:lumOff val="40000"/>
+                      </a:schemeClr>
+                    </a:gs>
+                    <a:gs pos="87000">
+                      <a:schemeClr val="accent4">
+                        <a:lumMod val="20000"/>
+                        <a:lumOff val="80000"/>
+                      </a:schemeClr>
+                    </a:gs>
+                  </a:gsLst>
+                  <a:lin ang="5400000"/>
+                </a:gradFill>
+              </a:defRPr>
+            </a:lvl1pPr>
+          </a:lstStyle>
+          <a:p>
+            <a:r>
+              <a:rPr lang="en-US" altLang="zh-CN" dirty="0"/>
+              <a:t>Back End</a:t>
+            </a:r>
+            <a:endParaRPr lang="en-US" dirty="0"/>
+          </a:p>
+        </p:txBody>
+      </p:sp>
+      <p:sp>
+        <p:nvSpPr>
+          <p:cNvPr id="11" name="TextBox 10">
+            <a:extLst>
+              <a:ext uri="{FF2B5EF4-FFF2-40B4-BE49-F238E27FC236}">
+                <a16:creationId xmlns:a16="http://schemas.microsoft.com/office/drawing/2014/main" id="{B890A47F-FAD9-6245-B598-B0FE0B84BD7F}"/>
+              </a:ext>
+            </a:extLst>
+          </p:cNvPr>
+          <p:cNvSpPr txBox="1"/>
+          <p:nvPr/>
+        </p:nvSpPr>
+        <p:spPr>
+          <a:xfrm>
+            <a:off x="5419373" y="1205660"/>
+            <a:ext cx="5774145" cy="646331"/>
           </a:xfrm>
           <a:prstGeom prst="rect">
             <a:avLst/>
@@ -6664,17 +6829,63 @@
           <a:lstStyle/>
           <a:p>
             <a:r>
-              <a:rPr lang="en-US" altLang="zh-CN" sz="2000" dirty="0">
+              <a:rPr lang="en-US" altLang="zh-CN" sz="3600" b="1" dirty="0">
+                <a:ln w="12700" cmpd="sng">
+                  <a:solidFill>
+                    <a:schemeClr val="accent4"/>
+                  </a:solidFill>
+                  <a:prstDash val="solid"/>
+                </a:ln>
+                <a:gradFill>
+                  <a:gsLst>
+                    <a:gs pos="0">
+                      <a:schemeClr val="accent4"/>
+                    </a:gs>
+                    <a:gs pos="4000">
+                      <a:schemeClr val="accent4">
+                        <a:lumMod val="60000"/>
+                        <a:lumOff val="40000"/>
+                      </a:schemeClr>
+                    </a:gs>
+                    <a:gs pos="87000">
+                      <a:schemeClr val="accent4">
+                        <a:lumMod val="20000"/>
+                        <a:lumOff val="80000"/>
+                      </a:schemeClr>
+                    </a:gs>
+                  </a:gsLst>
+                  <a:lin ang="5400000"/>
+                </a:gradFill>
+              </a:rPr>
+              <a:t>PIZZA Order Web Application</a:t>
+            </a:r>
+            <a:endParaRPr lang="en-US" sz="3600" b="1" dirty="0">
+              <a:ln w="12700" cmpd="sng">
                 <a:solidFill>
-                  <a:srgbClr val="0070C0"/>
+                  <a:schemeClr val="accent4"/>
                 </a:solidFill>
-              </a:rPr>
-              <a:t>Back End</a:t>
-            </a:r>
-            <a:endParaRPr lang="en-US" sz="2000" dirty="0">
-              <a:solidFill>
-                <a:srgbClr val="0070C0"/>
-              </a:solidFill>
+                <a:prstDash val="solid"/>
+              </a:ln>
+              <a:gradFill>
+                <a:gsLst>
+                  <a:gs pos="0">
+                    <a:schemeClr val="accent4"/>
+                  </a:gs>
+                  <a:gs pos="4000">
+                    <a:schemeClr val="accent4">
+                      <a:lumMod val="60000"/>
+                      <a:lumOff val="40000"/>
+                    </a:schemeClr>
+                  </a:gs>
+                  <a:gs pos="87000">
+                    <a:schemeClr val="accent4">
+                      <a:lumMod val="20000"/>
+                      <a:lumOff val="80000"/>
+                    </a:schemeClr>
+                  </a:gs>
+                </a:gsLst>
+                <a:lin ang="5400000"/>
+              </a:gradFill>
             </a:endParaRPr>
           </a:p>
         </p:txBody>

--- a/Presentation1.pptx
+++ b/Presentation1.pptx
@@ -4,6 +4,9 @@
   <p:sldMasterIdLst>
     <p:sldMasterId id="2147483648" r:id="rId1"/>
   </p:sldMasterIdLst>
+  <p:notesMasterIdLst>
+    <p:notesMasterId r:id="rId3"/>
+  </p:notesMasterIdLst>
   <p:sldIdLst>
     <p:sldId id="256" r:id="rId2"/>
   </p:sldIdLst>
@@ -929,60 +932,82 @@
         <a:lstStyle/>
         <a:p>
           <a:r>
-            <a:rPr lang="en-US" altLang="zh-CN" sz="1100" b="1" dirty="0"/>
+            <a:rPr lang="en-US" altLang="zh-CN" sz="1200" b="1" dirty="0">
+              <a:latin typeface="Arial" panose="020B0604020202020204" pitchFamily="34" charset="0"/>
+              <a:cs typeface="Arial" panose="020B0604020202020204" pitchFamily="34" charset="0"/>
+            </a:rPr>
             <a:t>HTML</a:t>
           </a:r>
         </a:p>
         <a:p>
           <a:r>
-            <a:rPr lang="en-US" altLang="zh-CN" sz="1100" dirty="0"/>
+            <a:rPr lang="en-US" altLang="zh-CN" sz="1200" dirty="0">
+              <a:latin typeface="Arial" panose="020B0604020202020204" pitchFamily="34" charset="0"/>
+              <a:cs typeface="Arial" panose="020B0604020202020204" pitchFamily="34" charset="0"/>
+            </a:rPr>
             <a:t>Define content of each page</a:t>
           </a:r>
         </a:p>
         <a:p>
           <a:r>
-            <a:rPr lang="en-US" altLang="zh-CN" sz="1100" b="1" dirty="0"/>
+            <a:rPr lang="en-US" altLang="zh-CN" sz="1200" b="1" dirty="0">
+              <a:latin typeface="Arial" panose="020B0604020202020204" pitchFamily="34" charset="0"/>
+              <a:cs typeface="Arial" panose="020B0604020202020204" pitchFamily="34" charset="0"/>
+            </a:rPr>
             <a:t>CSS</a:t>
           </a:r>
         </a:p>
         <a:p>
           <a:r>
-            <a:rPr lang="en-US" altLang="zh-CN" sz="1100" dirty="0"/>
-            <a:t>Use </a:t>
-          </a:r>
-          <a:r>
-            <a:rPr lang="en-US" altLang="zh-CN" sz="1100" dirty="0" err="1"/>
-            <a:t>boostrap</a:t>
-          </a:r>
-          <a:r>
-            <a:rPr lang="en-US" altLang="zh-CN" sz="1100" dirty="0"/>
-            <a:t> to optimize layout </a:t>
+            <a:rPr lang="en-US" altLang="zh-CN" sz="1200" dirty="0">
+              <a:latin typeface="Arial" panose="020B0604020202020204" pitchFamily="34" charset="0"/>
+              <a:cs typeface="Arial" panose="020B0604020202020204" pitchFamily="34" charset="0"/>
+            </a:rPr>
+            <a:t>Use bootstrap to optimize layout </a:t>
           </a:r>
         </a:p>
         <a:p>
           <a:r>
-            <a:rPr lang="en-US" altLang="zh-CN" sz="1100" b="1" dirty="0" err="1"/>
+            <a:rPr lang="en-US" altLang="zh-CN" sz="1200" b="1" dirty="0" err="1">
+              <a:latin typeface="Arial" panose="020B0604020202020204" pitchFamily="34" charset="0"/>
+              <a:cs typeface="Arial" panose="020B0604020202020204" pitchFamily="34" charset="0"/>
+            </a:rPr>
             <a:t>Javascript</a:t>
           </a:r>
-          <a:endParaRPr lang="en-US" altLang="zh-CN" sz="1100" b="1" dirty="0"/>
+          <a:endParaRPr lang="en-US" altLang="zh-CN" sz="1200" b="1" dirty="0">
+            <a:latin typeface="Arial" panose="020B0604020202020204" pitchFamily="34" charset="0"/>
+            <a:cs typeface="Arial" panose="020B0604020202020204" pitchFamily="34" charset="0"/>
+          </a:endParaRPr>
         </a:p>
         <a:p>
           <a:r>
-            <a:rPr lang="en-US" altLang="zh-CN" sz="1100" dirty="0"/>
+            <a:rPr lang="en-US" altLang="zh-CN" sz="1200" dirty="0">
+              <a:latin typeface="Arial" panose="020B0604020202020204" pitchFamily="34" charset="0"/>
+              <a:cs typeface="Arial" panose="020B0604020202020204" pitchFamily="34" charset="0"/>
+            </a:rPr>
             <a:t>Display pop up windows </a:t>
           </a:r>
         </a:p>
         <a:p>
           <a:r>
-            <a:rPr lang="en-US" altLang="zh-CN" sz="1100" dirty="0"/>
+            <a:rPr lang="en-US" altLang="zh-CN" sz="1200" dirty="0">
+              <a:latin typeface="Arial" panose="020B0604020202020204" pitchFamily="34" charset="0"/>
+              <a:cs typeface="Arial" panose="020B0604020202020204" pitchFamily="34" charset="0"/>
+            </a:rPr>
             <a:t>Calculate</a:t>
           </a:r>
           <a:r>
-            <a:rPr lang="zh-CN" altLang="en-US" sz="1100" dirty="0"/>
+            <a:rPr lang="zh-CN" altLang="en-US" sz="1200" dirty="0">
+              <a:latin typeface="Arial" panose="020B0604020202020204" pitchFamily="34" charset="0"/>
+              <a:cs typeface="Arial" panose="020B0604020202020204" pitchFamily="34" charset="0"/>
+            </a:rPr>
             <a:t> </a:t>
           </a:r>
           <a:r>
-            <a:rPr lang="en-US" altLang="zh-CN" sz="1100" dirty="0"/>
+            <a:rPr lang="en-US" altLang="zh-CN" sz="1200" dirty="0">
+              <a:latin typeface="Arial" panose="020B0604020202020204" pitchFamily="34" charset="0"/>
+              <a:cs typeface="Arial" panose="020B0604020202020204" pitchFamily="34" charset="0"/>
+            </a:rPr>
             <a:t>and show order amount</a:t>
           </a:r>
         </a:p>
@@ -995,89 +1020,175 @@
         <a:bodyPr/>
         <a:lstStyle/>
         <a:p>
-          <a:endParaRPr lang="en-US"/>
+          <a:endParaRPr lang="en-US">
+            <a:latin typeface="Arial" panose="020B0604020202020204" pitchFamily="34" charset="0"/>
+            <a:cs typeface="Arial" panose="020B0604020202020204" pitchFamily="34" charset="0"/>
+          </a:endParaRPr>
         </a:p>
       </dgm:t>
     </dgm:pt>
     <dgm:pt modelId="{5783FA7A-C56E-B949-B5DF-C47DFBFFF810}" type="sibTrans" cxnId="{6E55F1EA-8E29-464D-9933-CF4EC4F72E1B}">
       <dgm:prSet/>
-      <dgm:spPr/>
+      <dgm:spPr>
+        <a:solidFill>
+          <a:schemeClr val="accent4">
+            <a:lumMod val="60000"/>
+            <a:lumOff val="40000"/>
+          </a:schemeClr>
+        </a:solidFill>
+      </dgm:spPr>
       <dgm:t>
         <a:bodyPr/>
         <a:lstStyle/>
         <a:p>
-          <a:endParaRPr lang="en-US"/>
+          <a:endParaRPr lang="en-US">
+            <a:latin typeface="Arial" panose="020B0604020202020204" pitchFamily="34" charset="0"/>
+            <a:cs typeface="Arial" panose="020B0604020202020204" pitchFamily="34" charset="0"/>
+          </a:endParaRPr>
         </a:p>
       </dgm:t>
     </dgm:pt>
     <dgm:pt modelId="{F8F5E8DF-1D1C-6C4C-A3E5-D8E41B50879E}">
       <dgm:prSet phldrT="[Text]" custT="1"/>
-      <dgm:spPr/>
+      <dgm:spPr>
+        <a:ln>
+          <a:solidFill>
+            <a:schemeClr val="accent5">
+              <a:lumMod val="60000"/>
+              <a:lumOff val="40000"/>
+            </a:schemeClr>
+          </a:solidFill>
+        </a:ln>
+      </dgm:spPr>
       <dgm:t>
         <a:bodyPr/>
         <a:lstStyle/>
         <a:p>
           <a:r>
-            <a:rPr lang="en-US" altLang="zh-CN" sz="1050" b="1"/>
+            <a:rPr lang="en-US" altLang="zh-CN" sz="1200" b="1" dirty="0" err="1">
+              <a:latin typeface="Arial" panose="020B0604020202020204" pitchFamily="34" charset="0"/>
+              <a:cs typeface="Arial" panose="020B0604020202020204" pitchFamily="34" charset="0"/>
+            </a:rPr>
             <a:t>models.py</a:t>
           </a:r>
+          <a:endParaRPr lang="en-US" altLang="zh-CN" sz="1200" b="1" dirty="0">
+            <a:latin typeface="Arial" panose="020B0604020202020204" pitchFamily="34" charset="0"/>
+            <a:cs typeface="Arial" panose="020B0604020202020204" pitchFamily="34" charset="0"/>
+          </a:endParaRPr>
         </a:p>
         <a:p>
           <a:r>
-            <a:rPr lang="en-US" altLang="zh-CN" sz="1050"/>
+            <a:rPr lang="en-US" altLang="zh-CN" sz="1200" dirty="0">
+              <a:latin typeface="Arial" panose="020B0604020202020204" pitchFamily="34" charset="0"/>
+              <a:cs typeface="Arial" panose="020B0604020202020204" pitchFamily="34" charset="0"/>
+            </a:rPr>
             <a:t>Define tables of the database</a:t>
           </a:r>
         </a:p>
         <a:p>
           <a:r>
-            <a:rPr lang="en-US" sz="1050" b="1"/>
+            <a:rPr lang="en-US" sz="1200" b="1" dirty="0" err="1">
+              <a:latin typeface="Arial" panose="020B0604020202020204" pitchFamily="34" charset="0"/>
+              <a:cs typeface="Arial" panose="020B0604020202020204" pitchFamily="34" charset="0"/>
+            </a:rPr>
             <a:t>views.py</a:t>
           </a:r>
+          <a:endParaRPr lang="en-US" sz="1200" b="1" dirty="0">
+            <a:latin typeface="Arial" panose="020B0604020202020204" pitchFamily="34" charset="0"/>
+            <a:cs typeface="Arial" panose="020B0604020202020204" pitchFamily="34" charset="0"/>
+          </a:endParaRPr>
         </a:p>
         <a:p>
           <a:r>
-            <a:rPr lang="en-US" sz="1050"/>
+            <a:rPr lang="en-US" sz="1200" dirty="0">
+              <a:latin typeface="Arial" panose="020B0604020202020204" pitchFamily="34" charset="0"/>
+              <a:cs typeface="Arial" panose="020B0604020202020204" pitchFamily="34" charset="0"/>
+            </a:rPr>
             <a:t>Handle request from each page</a:t>
           </a:r>
         </a:p>
         <a:p>
           <a:r>
-            <a:rPr lang="en-US" sz="1050" b="1"/>
+            <a:rPr lang="en-US" sz="1200" b="1" dirty="0" err="1">
+              <a:latin typeface="Arial" panose="020B0604020202020204" pitchFamily="34" charset="0"/>
+              <a:cs typeface="Arial" panose="020B0604020202020204" pitchFamily="34" charset="0"/>
+            </a:rPr>
             <a:t>admin.py</a:t>
           </a:r>
+          <a:endParaRPr lang="en-US" sz="1200" b="1" dirty="0">
+            <a:latin typeface="Arial" panose="020B0604020202020204" pitchFamily="34" charset="0"/>
+            <a:cs typeface="Arial" panose="020B0604020202020204" pitchFamily="34" charset="0"/>
+          </a:endParaRPr>
         </a:p>
         <a:p>
           <a:r>
-            <a:rPr lang="en-US" sz="1050"/>
+            <a:rPr lang="en-US" sz="1200" dirty="0">
+              <a:latin typeface="Arial" panose="020B0604020202020204" pitchFamily="34" charset="0"/>
+              <a:cs typeface="Arial" panose="020B0604020202020204" pitchFamily="34" charset="0"/>
+            </a:rPr>
             <a:t>Register models</a:t>
           </a:r>
         </a:p>
         <a:p>
           <a:r>
-            <a:rPr lang="en-US" sz="1050" b="1"/>
+            <a:rPr lang="en-US" sz="1200" b="1" dirty="0" err="1">
+              <a:latin typeface="Arial" panose="020B0604020202020204" pitchFamily="34" charset="0"/>
+              <a:cs typeface="Arial" panose="020B0604020202020204" pitchFamily="34" charset="0"/>
+            </a:rPr>
             <a:t>urls.py</a:t>
           </a:r>
+          <a:endParaRPr lang="en-US" sz="1200" b="1" dirty="0">
+            <a:latin typeface="Arial" panose="020B0604020202020204" pitchFamily="34" charset="0"/>
+            <a:cs typeface="Arial" panose="020B0604020202020204" pitchFamily="34" charset="0"/>
+          </a:endParaRPr>
         </a:p>
         <a:p>
           <a:r>
-            <a:rPr lang="en-US" sz="1050"/>
-            <a:t>Link html files with functions in views.py</a:t>
+            <a:rPr lang="en-US" sz="1200" dirty="0">
+              <a:latin typeface="Arial" panose="020B0604020202020204" pitchFamily="34" charset="0"/>
+              <a:cs typeface="Arial" panose="020B0604020202020204" pitchFamily="34" charset="0"/>
+            </a:rPr>
+            <a:t>Link html files with functions in </a:t>
           </a:r>
+          <a:r>
+            <a:rPr lang="en-US" sz="1200" dirty="0" err="1">
+              <a:latin typeface="Arial" panose="020B0604020202020204" pitchFamily="34" charset="0"/>
+              <a:cs typeface="Arial" panose="020B0604020202020204" pitchFamily="34" charset="0"/>
+            </a:rPr>
+            <a:t>views.py</a:t>
+          </a:r>
+          <a:endParaRPr lang="en-US" sz="1200" dirty="0">
+            <a:latin typeface="Arial" panose="020B0604020202020204" pitchFamily="34" charset="0"/>
+            <a:cs typeface="Arial" panose="020B0604020202020204" pitchFamily="34" charset="0"/>
+          </a:endParaRPr>
         </a:p>
         <a:p>
           <a:r>
-            <a:rPr lang="en-US" sz="1050" b="1"/>
+            <a:rPr lang="en-US" sz="1200" b="1" dirty="0" err="1">
+              <a:latin typeface="Arial" panose="020B0604020202020204" pitchFamily="34" charset="0"/>
+              <a:cs typeface="Arial" panose="020B0604020202020204" pitchFamily="34" charset="0"/>
+            </a:rPr>
             <a:t>apps.py</a:t>
           </a:r>
+          <a:endParaRPr lang="en-US" sz="1200" b="1" dirty="0">
+            <a:latin typeface="Arial" panose="020B0604020202020204" pitchFamily="34" charset="0"/>
+            <a:cs typeface="Arial" panose="020B0604020202020204" pitchFamily="34" charset="0"/>
+          </a:endParaRPr>
         </a:p>
         <a:p>
           <a:r>
-            <a:rPr lang="en-US" sz="1050"/>
+            <a:rPr lang="en-US" sz="1200" dirty="0">
+              <a:latin typeface="Arial" panose="020B0604020202020204" pitchFamily="34" charset="0"/>
+              <a:cs typeface="Arial" panose="020B0604020202020204" pitchFamily="34" charset="0"/>
+            </a:rPr>
             <a:t>Define apps of the whole project</a:t>
           </a:r>
         </a:p>
         <a:p>
-          <a:endParaRPr lang="en-US" sz="700" dirty="0"/>
+          <a:endParaRPr lang="en-US" sz="700" dirty="0">
+            <a:latin typeface="Arial" panose="020B0604020202020204" pitchFamily="34" charset="0"/>
+            <a:cs typeface="Arial" panose="020B0604020202020204" pitchFamily="34" charset="0"/>
+          </a:endParaRPr>
         </a:p>
       </dgm:t>
     </dgm:pt>
@@ -1088,73 +1199,162 @@
         <a:bodyPr/>
         <a:lstStyle/>
         <a:p>
-          <a:endParaRPr lang="en-US"/>
+          <a:endParaRPr lang="en-US">
+            <a:latin typeface="Arial" panose="020B0604020202020204" pitchFamily="34" charset="0"/>
+            <a:cs typeface="Arial" panose="020B0604020202020204" pitchFamily="34" charset="0"/>
+          </a:endParaRPr>
         </a:p>
       </dgm:t>
     </dgm:pt>
     <dgm:pt modelId="{A6326DEB-E71A-6B4A-B2A0-C4314952B2B5}" type="sibTrans" cxnId="{26338A03-0566-4543-B1EF-A2AEBDE8E3F5}">
       <dgm:prSet/>
-      <dgm:spPr/>
+      <dgm:spPr>
+        <a:solidFill>
+          <a:schemeClr val="accent4">
+            <a:lumMod val="60000"/>
+            <a:lumOff val="40000"/>
+          </a:schemeClr>
+        </a:solidFill>
+      </dgm:spPr>
       <dgm:t>
         <a:bodyPr/>
         <a:lstStyle/>
         <a:p>
-          <a:endParaRPr lang="en-US"/>
+          <a:endParaRPr lang="en-US">
+            <a:latin typeface="Arial" panose="020B0604020202020204" pitchFamily="34" charset="0"/>
+            <a:cs typeface="Arial" panose="020B0604020202020204" pitchFamily="34" charset="0"/>
+          </a:endParaRPr>
         </a:p>
       </dgm:t>
     </dgm:pt>
     <dgm:pt modelId="{615877B2-44E7-8846-BEFE-6C8ABDF7DB42}">
-      <dgm:prSet phldrT="[Text]"/>
-      <dgm:spPr/>
+      <dgm:prSet phldrT="[Text]" custT="1"/>
+      <dgm:spPr>
+        <a:ln>
+          <a:solidFill>
+            <a:schemeClr val="accent2"/>
+          </a:solidFill>
+        </a:ln>
+      </dgm:spPr>
       <dgm:t>
         <a:bodyPr/>
         <a:lstStyle/>
         <a:p>
           <a:r>
-            <a:rPr lang="en-US" b="1" dirty="0"/>
+            <a:rPr lang="en-US" sz="2000" b="1" dirty="0">
+              <a:solidFill>
+                <a:schemeClr val="tx1"/>
+              </a:solidFill>
+              <a:latin typeface="Arial" panose="020B0604020202020204" pitchFamily="34" charset="0"/>
+              <a:cs typeface="Arial" panose="020B0604020202020204" pitchFamily="34" charset="0"/>
+            </a:rPr>
             <a:t>Customer</a:t>
           </a:r>
         </a:p>
         <a:p>
           <a:r>
-            <a:rPr lang="en-US" dirty="0"/>
-            <a:t>View Menu</a:t>
+            <a:rPr lang="en-US" sz="1600" dirty="0">
+              <a:solidFill>
+                <a:schemeClr val="tx1"/>
+              </a:solidFill>
+              <a:latin typeface="Arial" panose="020B0604020202020204" pitchFamily="34" charset="0"/>
+              <a:cs typeface="Arial" panose="020B0604020202020204" pitchFamily="34" charset="0"/>
+            </a:rPr>
+            <a:t>View menu</a:t>
           </a:r>
         </a:p>
         <a:p>
           <a:r>
-            <a:rPr lang="en-US" dirty="0"/>
+            <a:rPr lang="en-US" sz="1600" dirty="0">
+              <a:solidFill>
+                <a:schemeClr val="tx1"/>
+              </a:solidFill>
+              <a:latin typeface="Arial" panose="020B0604020202020204" pitchFamily="34" charset="0"/>
+              <a:cs typeface="Arial" panose="020B0604020202020204" pitchFamily="34" charset="0"/>
+            </a:rPr>
             <a:t>Sign up &amp; Login &amp; Logout</a:t>
           </a:r>
         </a:p>
         <a:p>
           <a:r>
-            <a:rPr lang="en-US" dirty="0"/>
-            <a:t>Add &amp; Delete Items in shopping cart</a:t>
+            <a:rPr lang="en-US" sz="1600" dirty="0">
+              <a:solidFill>
+                <a:schemeClr val="tx1"/>
+              </a:solidFill>
+              <a:latin typeface="Arial" panose="020B0604020202020204" pitchFamily="34" charset="0"/>
+              <a:cs typeface="Arial" panose="020B0604020202020204" pitchFamily="34" charset="0"/>
+            </a:rPr>
+            <a:t>Add &amp; Delete items in shopping cart</a:t>
           </a:r>
         </a:p>
         <a:p>
           <a:r>
-            <a:rPr lang="en-US" dirty="0"/>
-            <a:t>Place Order</a:t>
+            <a:rPr lang="en-US" sz="1600" dirty="0">
+              <a:solidFill>
+                <a:schemeClr val="tx1"/>
+              </a:solidFill>
+              <a:latin typeface="Arial" panose="020B0604020202020204" pitchFamily="34" charset="0"/>
+              <a:cs typeface="Arial" panose="020B0604020202020204" pitchFamily="34" charset="0"/>
+            </a:rPr>
+            <a:t>Place order</a:t>
           </a:r>
         </a:p>
         <a:p>
           <a:r>
-            <a:rPr lang="en-US" b="1" dirty="0"/>
+            <a:rPr lang="en-US" sz="2000" b="1" dirty="0">
+              <a:solidFill>
+                <a:schemeClr val="tx1"/>
+              </a:solidFill>
+              <a:latin typeface="Arial" panose="020B0604020202020204" pitchFamily="34" charset="0"/>
+              <a:cs typeface="Arial" panose="020B0604020202020204" pitchFamily="34" charset="0"/>
+            </a:rPr>
             <a:t>Restaurant Owner</a:t>
           </a:r>
         </a:p>
         <a:p>
           <a:r>
-            <a:rPr lang="en-US" b="0" dirty="0"/>
-            <a:t>Update Menu via Django Admin site</a:t>
+            <a:rPr lang="en-US" sz="1600" b="0" dirty="0">
+              <a:latin typeface="Arial" panose="020B0604020202020204" pitchFamily="34" charset="0"/>
+              <a:cs typeface="Arial" panose="020B0604020202020204" pitchFamily="34" charset="0"/>
+            </a:rPr>
+            <a:t>Update menu via </a:t>
+          </a:r>
+          <a:r>
+            <a:rPr lang="en-US" sz="1600" b="0" dirty="0" err="1">
+              <a:latin typeface="Arial" panose="020B0604020202020204" pitchFamily="34" charset="0"/>
+              <a:cs typeface="Arial" panose="020B0604020202020204" pitchFamily="34" charset="0"/>
+            </a:rPr>
+            <a:t>django</a:t>
+          </a:r>
+          <a:r>
+            <a:rPr lang="en-US" sz="1600" b="0" dirty="0">
+              <a:latin typeface="Arial" panose="020B0604020202020204" pitchFamily="34" charset="0"/>
+              <a:cs typeface="Arial" panose="020B0604020202020204" pitchFamily="34" charset="0"/>
+            </a:rPr>
+            <a:t> admin site</a:t>
           </a:r>
         </a:p>
         <a:p>
           <a:r>
-            <a:rPr lang="en-US" b="0" dirty="0"/>
-            <a:t>View &amp; Mark Order</a:t>
+            <a:rPr lang="en-US" sz="1600" b="0" dirty="0">
+              <a:latin typeface="Arial" panose="020B0604020202020204" pitchFamily="34" charset="0"/>
+              <a:cs typeface="Arial" panose="020B0604020202020204" pitchFamily="34" charset="0"/>
+            </a:rPr>
+            <a:t>View </a:t>
+          </a:r>
+          <a:r>
+            <a:rPr lang="en-US" sz="1600" b="0">
+              <a:latin typeface="Arial" panose="020B0604020202020204" pitchFamily="34" charset="0"/>
+              <a:cs typeface="Arial" panose="020B0604020202020204" pitchFamily="34" charset="0"/>
+            </a:rPr>
+            <a:t>&amp; Mark </a:t>
+          </a:r>
+          <a:r>
+            <a:rPr lang="en-US" sz="1600" b="0" dirty="0">
+              <a:latin typeface="Arial" panose="020B0604020202020204" pitchFamily="34" charset="0"/>
+              <a:cs typeface="Arial" panose="020B0604020202020204" pitchFamily="34" charset="0"/>
+            </a:rPr>
+            <a:t>order</a:t>
           </a:r>
         </a:p>
       </dgm:t>
@@ -1166,7 +1366,10 @@
         <a:bodyPr/>
         <a:lstStyle/>
         <a:p>
-          <a:endParaRPr lang="en-US"/>
+          <a:endParaRPr lang="en-US">
+            <a:latin typeface="Arial" panose="020B0604020202020204" pitchFamily="34" charset="0"/>
+            <a:cs typeface="Arial" panose="020B0604020202020204" pitchFamily="34" charset="0"/>
+          </a:endParaRPr>
         </a:p>
       </dgm:t>
     </dgm:pt>
@@ -1177,7 +1380,10 @@
         <a:bodyPr/>
         <a:lstStyle/>
         <a:p>
-          <a:endParaRPr lang="en-US"/>
+          <a:endParaRPr lang="en-US">
+            <a:latin typeface="Arial" panose="020B0604020202020204" pitchFamily="34" charset="0"/>
+            <a:cs typeface="Arial" panose="020B0604020202020204" pitchFamily="34" charset="0"/>
+          </a:endParaRPr>
         </a:p>
       </dgm:t>
     </dgm:pt>
@@ -1195,7 +1401,7 @@
       <dgm:spPr/>
     </dgm:pt>
     <dgm:pt modelId="{B92CDDF2-A510-6B40-8222-D5C4A3FE7051}" type="pres">
-      <dgm:prSet presAssocID="{906D4E4C-F595-8042-84C3-0A294BEB4A6C}" presName="node" presStyleLbl="node1" presStyleIdx="0" presStyleCnt="3" custScaleX="214060" custScaleY="78736">
+      <dgm:prSet presAssocID="{906D4E4C-F595-8042-84C3-0A294BEB4A6C}" presName="node" presStyleLbl="node1" presStyleIdx="0" presStyleCnt="3" custScaleX="171270" custScaleY="85309">
         <dgm:presLayoutVars>
           <dgm:bulletEnabled val="1"/>
         </dgm:presLayoutVars>
@@ -1219,7 +1425,7 @@
       <dgm:spPr/>
     </dgm:pt>
     <dgm:pt modelId="{47FAC16A-F58F-0046-A5A8-D4DAAFE43514}" type="pres">
-      <dgm:prSet presAssocID="{F8F5E8DF-1D1C-6C4C-A3E5-D8E41B50879E}" presName="node" presStyleLbl="node1" presStyleIdx="1" presStyleCnt="3" custScaleX="214496" custScaleY="138845">
+      <dgm:prSet presAssocID="{F8F5E8DF-1D1C-6C4C-A3E5-D8E41B50879E}" presName="node" presStyleLbl="node1" presStyleIdx="1" presStyleCnt="3" custScaleX="171270" custScaleY="113746">
         <dgm:presLayoutVars>
           <dgm:bulletEnabled val="1"/>
         </dgm:presLayoutVars>
@@ -1239,7 +1445,7 @@
       <dgm:spPr/>
     </dgm:pt>
     <dgm:pt modelId="{BE06B0E0-0849-5C48-889C-46DCD5F1AB74}" type="pres">
-      <dgm:prSet presAssocID="{0AEFB06C-CF69-5644-8D7B-A0BBA4565C45}" presName="lastNode" presStyleLbl="node1" presStyleIdx="2" presStyleCnt="3" custScaleX="152451">
+      <dgm:prSet presAssocID="{0AEFB06C-CF69-5644-8D7B-A0BBA4565C45}" presName="lastNode" presStyleLbl="node1" presStyleIdx="2" presStyleCnt="3" custScaleX="105425" custScaleY="68847">
         <dgm:presLayoutVars>
           <dgm:bulletEnabled val="1"/>
         </dgm:presLayoutVars>
@@ -1276,7 +1482,7 @@
   <dgm:whole/>
   <dgm:extLst>
     <a:ext uri="http://schemas.microsoft.com/office/drawing/2008/diagram">
-      <dsp:dataModelExt xmlns:dsp="http://schemas.microsoft.com/office/drawing/2008/diagram" relId="rId6" minVer="http://schemas.openxmlformats.org/drawingml/2006/diagram"/>
+      <dsp:dataModelExt xmlns:dsp="http://schemas.microsoft.com/office/drawing/2008/diagram" relId="rId7" minVer="http://schemas.openxmlformats.org/drawingml/2006/diagram"/>
     </a:ext>
     <a:ext uri="{C62137D5-CB1D-491B-B009-E17868A290BF}">
       <dgm14:recolorImg xmlns:dgm14="http://schemas.microsoft.com/office/drawing/2010/diagram" val="1"/>
@@ -1300,8 +1506,8 @@
       </dsp:nvSpPr>
       <dsp:spPr>
         <a:xfrm>
-          <a:off x="11653" y="134317"/>
-          <a:ext cx="4129969" cy="1519094"/>
+          <a:off x="757829" y="2950"/>
+          <a:ext cx="3749043" cy="1867385"/>
         </a:xfrm>
         <a:prstGeom prst="roundRect">
           <a:avLst/>
@@ -1344,12 +1550,12 @@
         </a:fontRef>
       </dsp:style>
       <dsp:txBody>
-        <a:bodyPr spcFirstLastPara="0" vert="horz" wrap="square" lIns="13970" tIns="13970" rIns="13970" bIns="13970" numCol="1" spcCol="1270" anchor="ctr" anchorCtr="0">
+        <a:bodyPr spcFirstLastPara="0" vert="horz" wrap="square" lIns="15240" tIns="15240" rIns="15240" bIns="15240" numCol="1" spcCol="1270" anchor="ctr" anchorCtr="0">
           <a:noAutofit/>
         </a:bodyPr>
         <a:lstStyle/>
         <a:p>
-          <a:pPr marL="0" lvl="0" indent="0" algn="ctr" defTabSz="488950">
+          <a:pPr marL="0" lvl="0" indent="0" algn="ctr" defTabSz="533400">
             <a:lnSpc>
               <a:spcPct val="90000"/>
             </a:lnSpc>
@@ -1362,12 +1568,15 @@
             <a:buNone/>
           </a:pPr>
           <a:r>
-            <a:rPr lang="en-US" altLang="zh-CN" sz="1100" b="1" kern="1200" dirty="0"/>
+            <a:rPr lang="en-US" altLang="zh-CN" sz="1200" b="1" kern="1200" dirty="0">
+              <a:latin typeface="Arial" panose="020B0604020202020204" pitchFamily="34" charset="0"/>
+              <a:cs typeface="Arial" panose="020B0604020202020204" pitchFamily="34" charset="0"/>
+            </a:rPr>
             <a:t>HTML</a:t>
           </a:r>
         </a:p>
         <a:p>
-          <a:pPr marL="0" lvl="0" indent="0" algn="ctr" defTabSz="488950">
+          <a:pPr marL="0" lvl="0" indent="0" algn="ctr" defTabSz="533400">
             <a:lnSpc>
               <a:spcPct val="90000"/>
             </a:lnSpc>
@@ -1380,12 +1589,15 @@
             <a:buNone/>
           </a:pPr>
           <a:r>
-            <a:rPr lang="en-US" altLang="zh-CN" sz="1100" kern="1200" dirty="0"/>
+            <a:rPr lang="en-US" altLang="zh-CN" sz="1200" kern="1200" dirty="0">
+              <a:latin typeface="Arial" panose="020B0604020202020204" pitchFamily="34" charset="0"/>
+              <a:cs typeface="Arial" panose="020B0604020202020204" pitchFamily="34" charset="0"/>
+            </a:rPr>
             <a:t>Define content of each page</a:t>
           </a:r>
         </a:p>
         <a:p>
-          <a:pPr marL="0" lvl="0" indent="0" algn="ctr" defTabSz="488950">
+          <a:pPr marL="0" lvl="0" indent="0" algn="ctr" defTabSz="533400">
             <a:lnSpc>
               <a:spcPct val="90000"/>
             </a:lnSpc>
@@ -1398,12 +1610,15 @@
             <a:buNone/>
           </a:pPr>
           <a:r>
-            <a:rPr lang="en-US" altLang="zh-CN" sz="1100" b="1" kern="1200" dirty="0"/>
+            <a:rPr lang="en-US" altLang="zh-CN" sz="1200" b="1" kern="1200" dirty="0">
+              <a:latin typeface="Arial" panose="020B0604020202020204" pitchFamily="34" charset="0"/>
+              <a:cs typeface="Arial" panose="020B0604020202020204" pitchFamily="34" charset="0"/>
+            </a:rPr>
             <a:t>CSS</a:t>
           </a:r>
         </a:p>
         <a:p>
-          <a:pPr marL="0" lvl="0" indent="0" algn="ctr" defTabSz="488950">
+          <a:pPr marL="0" lvl="0" indent="0" algn="ctr" defTabSz="533400">
             <a:lnSpc>
               <a:spcPct val="90000"/>
             </a:lnSpc>
@@ -1416,20 +1631,15 @@
             <a:buNone/>
           </a:pPr>
           <a:r>
-            <a:rPr lang="en-US" altLang="zh-CN" sz="1100" kern="1200" dirty="0"/>
-            <a:t>Use </a:t>
-          </a:r>
-          <a:r>
-            <a:rPr lang="en-US" altLang="zh-CN" sz="1100" kern="1200" dirty="0" err="1"/>
-            <a:t>boostrap</a:t>
-          </a:r>
-          <a:r>
-            <a:rPr lang="en-US" altLang="zh-CN" sz="1100" kern="1200" dirty="0"/>
-            <a:t> to optimize layout </a:t>
+            <a:rPr lang="en-US" altLang="zh-CN" sz="1200" kern="1200" dirty="0">
+              <a:latin typeface="Arial" panose="020B0604020202020204" pitchFamily="34" charset="0"/>
+              <a:cs typeface="Arial" panose="020B0604020202020204" pitchFamily="34" charset="0"/>
+            </a:rPr>
+            <a:t>Use bootstrap to optimize layout </a:t>
           </a:r>
         </a:p>
         <a:p>
-          <a:pPr marL="0" lvl="0" indent="0" algn="ctr" defTabSz="488950">
+          <a:pPr marL="0" lvl="0" indent="0" algn="ctr" defTabSz="533400">
             <a:lnSpc>
               <a:spcPct val="90000"/>
             </a:lnSpc>
@@ -1442,13 +1652,19 @@
             <a:buNone/>
           </a:pPr>
           <a:r>
-            <a:rPr lang="en-US" altLang="zh-CN" sz="1100" b="1" kern="1200" dirty="0" err="1"/>
+            <a:rPr lang="en-US" altLang="zh-CN" sz="1200" b="1" kern="1200" dirty="0" err="1">
+              <a:latin typeface="Arial" panose="020B0604020202020204" pitchFamily="34" charset="0"/>
+              <a:cs typeface="Arial" panose="020B0604020202020204" pitchFamily="34" charset="0"/>
+            </a:rPr>
             <a:t>Javascript</a:t>
           </a:r>
-          <a:endParaRPr lang="en-US" altLang="zh-CN" sz="1100" b="1" kern="1200" dirty="0"/>
+          <a:endParaRPr lang="en-US" altLang="zh-CN" sz="1200" b="1" kern="1200" dirty="0">
+            <a:latin typeface="Arial" panose="020B0604020202020204" pitchFamily="34" charset="0"/>
+            <a:cs typeface="Arial" panose="020B0604020202020204" pitchFamily="34" charset="0"/>
+          </a:endParaRPr>
         </a:p>
         <a:p>
-          <a:pPr marL="0" lvl="0" indent="0" algn="ctr" defTabSz="488950">
+          <a:pPr marL="0" lvl="0" indent="0" algn="ctr" defTabSz="533400">
             <a:lnSpc>
               <a:spcPct val="90000"/>
             </a:lnSpc>
@@ -1461,12 +1677,15 @@
             <a:buNone/>
           </a:pPr>
           <a:r>
-            <a:rPr lang="en-US" altLang="zh-CN" sz="1100" kern="1200" dirty="0"/>
+            <a:rPr lang="en-US" altLang="zh-CN" sz="1200" kern="1200" dirty="0">
+              <a:latin typeface="Arial" panose="020B0604020202020204" pitchFamily="34" charset="0"/>
+              <a:cs typeface="Arial" panose="020B0604020202020204" pitchFamily="34" charset="0"/>
+            </a:rPr>
             <a:t>Display pop up windows </a:t>
           </a:r>
         </a:p>
         <a:p>
-          <a:pPr marL="0" lvl="0" indent="0" algn="ctr" defTabSz="488950">
+          <a:pPr marL="0" lvl="0" indent="0" algn="ctr" defTabSz="533400">
             <a:lnSpc>
               <a:spcPct val="90000"/>
             </a:lnSpc>
@@ -1479,22 +1698,31 @@
             <a:buNone/>
           </a:pPr>
           <a:r>
-            <a:rPr lang="en-US" altLang="zh-CN" sz="1100" kern="1200" dirty="0"/>
+            <a:rPr lang="en-US" altLang="zh-CN" sz="1200" kern="1200" dirty="0">
+              <a:latin typeface="Arial" panose="020B0604020202020204" pitchFamily="34" charset="0"/>
+              <a:cs typeface="Arial" panose="020B0604020202020204" pitchFamily="34" charset="0"/>
+            </a:rPr>
             <a:t>Calculate</a:t>
           </a:r>
           <a:r>
-            <a:rPr lang="zh-CN" altLang="en-US" sz="1100" kern="1200" dirty="0"/>
+            <a:rPr lang="zh-CN" altLang="en-US" sz="1200" kern="1200" dirty="0">
+              <a:latin typeface="Arial" panose="020B0604020202020204" pitchFamily="34" charset="0"/>
+              <a:cs typeface="Arial" panose="020B0604020202020204" pitchFamily="34" charset="0"/>
+            </a:rPr>
             <a:t> </a:t>
           </a:r>
           <a:r>
-            <a:rPr lang="en-US" altLang="zh-CN" sz="1100" kern="1200" dirty="0"/>
+            <a:rPr lang="en-US" altLang="zh-CN" sz="1200" kern="1200" dirty="0">
+              <a:latin typeface="Arial" panose="020B0604020202020204" pitchFamily="34" charset="0"/>
+              <a:cs typeface="Arial" panose="020B0604020202020204" pitchFamily="34" charset="0"/>
+            </a:rPr>
             <a:t>and show order amount</a:t>
           </a:r>
         </a:p>
       </dsp:txBody>
       <dsp:txXfrm>
-        <a:off x="85809" y="208473"/>
-        <a:ext cx="3981657" cy="1370782"/>
+        <a:off x="848987" y="94108"/>
+        <a:ext cx="3566727" cy="1685069"/>
       </dsp:txXfrm>
     </dsp:sp>
     <dsp:sp modelId="{1CBA369E-028B-6B4B-949A-CB1EB117344A}">
@@ -1504,19 +1732,16 @@
       </dsp:nvSpPr>
       <dsp:spPr>
         <a:xfrm>
-          <a:off x="1866378" y="1839598"/>
-          <a:ext cx="455006" cy="455006"/>
+          <a:off x="2393799" y="2081576"/>
+          <a:ext cx="516232" cy="516232"/>
         </a:xfrm>
         <a:prstGeom prst="mathPlus">
           <a:avLst/>
         </a:prstGeom>
         <a:solidFill>
           <a:schemeClr val="accent4">
-            <a:tint val="60000"/>
-            <a:hueOff val="0"/>
-            <a:satOff val="0"/>
-            <a:lumOff val="0"/>
-            <a:alphaOff val="0"/>
+            <a:lumMod val="60000"/>
+            <a:lumOff val="40000"/>
           </a:schemeClr>
         </a:solidFill>
         <a:ln>
@@ -1544,7 +1769,7 @@
         </a:bodyPr>
         <a:lstStyle/>
         <a:p>
-          <a:pPr marL="0" lvl="0" indent="0" algn="ctr" defTabSz="311150">
+          <a:pPr marL="0" lvl="0" indent="0" algn="ctr" defTabSz="400050">
             <a:lnSpc>
               <a:spcPct val="90000"/>
             </a:lnSpc>
@@ -1556,12 +1781,15 @@
             </a:spcAft>
             <a:buNone/>
           </a:pPr>
-          <a:endParaRPr lang="en-US" sz="700" kern="1200"/>
+          <a:endParaRPr lang="en-US" sz="900" kern="1200">
+            <a:latin typeface="Arial" panose="020B0604020202020204" pitchFamily="34" charset="0"/>
+            <a:cs typeface="Arial" panose="020B0604020202020204" pitchFamily="34" charset="0"/>
+          </a:endParaRPr>
         </a:p>
       </dsp:txBody>
       <dsp:txXfrm>
-        <a:off x="1926689" y="2013592"/>
-        <a:ext cx="334384" cy="107018"/>
+        <a:off x="2462226" y="2278983"/>
+        <a:ext cx="379378" cy="121418"/>
       </dsp:txXfrm>
     </dsp:sp>
     <dsp:sp modelId="{47FAC16A-F58F-0046-A5A8-D4DAAFE43514}">
@@ -1571,8 +1799,8 @@
       </dsp:nvSpPr>
       <dsp:spPr>
         <a:xfrm>
-          <a:off x="7447" y="2421744"/>
-          <a:ext cx="4138381" cy="2678808"/>
+          <a:off x="757829" y="2742057"/>
+          <a:ext cx="3749043" cy="2489862"/>
         </a:xfrm>
         <a:prstGeom prst="roundRect">
           <a:avLst/>
@@ -1587,12 +1815,9 @@
         </a:solidFill>
         <a:ln w="12700" cap="flat" cmpd="sng" algn="ctr">
           <a:solidFill>
-            <a:schemeClr val="accent4">
-              <a:shade val="80000"/>
-              <a:hueOff val="0"/>
-              <a:satOff val="0"/>
-              <a:lumOff val="0"/>
-              <a:alphaOff val="0"/>
+            <a:schemeClr val="accent5">
+              <a:lumMod val="60000"/>
+              <a:lumOff val="40000"/>
             </a:schemeClr>
           </a:solidFill>
           <a:prstDash val="solid"/>
@@ -1615,12 +1840,12 @@
         </a:fontRef>
       </dsp:style>
       <dsp:txBody>
-        <a:bodyPr spcFirstLastPara="0" vert="horz" wrap="square" lIns="13970" tIns="13970" rIns="13970" bIns="13970" numCol="1" spcCol="1270" anchor="ctr" anchorCtr="0">
+        <a:bodyPr spcFirstLastPara="0" vert="horz" wrap="square" lIns="15240" tIns="15240" rIns="15240" bIns="15240" numCol="1" spcCol="1270" anchor="ctr" anchorCtr="0">
           <a:noAutofit/>
         </a:bodyPr>
         <a:lstStyle/>
         <a:p>
-          <a:pPr marL="0" lvl="0" indent="0" algn="ctr" defTabSz="466725">
+          <a:pPr marL="0" lvl="0" indent="0" algn="ctr" defTabSz="533400">
             <a:lnSpc>
               <a:spcPct val="90000"/>
             </a:lnSpc>
@@ -1633,12 +1858,19 @@
             <a:buNone/>
           </a:pPr>
           <a:r>
-            <a:rPr lang="en-US" altLang="zh-CN" sz="1050" b="1" kern="1200"/>
+            <a:rPr lang="en-US" altLang="zh-CN" sz="1200" b="1" kern="1200" dirty="0" err="1">
+              <a:latin typeface="Arial" panose="020B0604020202020204" pitchFamily="34" charset="0"/>
+              <a:cs typeface="Arial" panose="020B0604020202020204" pitchFamily="34" charset="0"/>
+            </a:rPr>
             <a:t>models.py</a:t>
           </a:r>
+          <a:endParaRPr lang="en-US" altLang="zh-CN" sz="1200" b="1" kern="1200" dirty="0">
+            <a:latin typeface="Arial" panose="020B0604020202020204" pitchFamily="34" charset="0"/>
+            <a:cs typeface="Arial" panose="020B0604020202020204" pitchFamily="34" charset="0"/>
+          </a:endParaRPr>
         </a:p>
         <a:p>
-          <a:pPr marL="0" lvl="0" indent="0" algn="ctr" defTabSz="466725">
+          <a:pPr marL="0" lvl="0" indent="0" algn="ctr" defTabSz="533400">
             <a:lnSpc>
               <a:spcPct val="90000"/>
             </a:lnSpc>
@@ -1651,12 +1883,15 @@
             <a:buNone/>
           </a:pPr>
           <a:r>
-            <a:rPr lang="en-US" altLang="zh-CN" sz="1050" kern="1200"/>
+            <a:rPr lang="en-US" altLang="zh-CN" sz="1200" kern="1200" dirty="0">
+              <a:latin typeface="Arial" panose="020B0604020202020204" pitchFamily="34" charset="0"/>
+              <a:cs typeface="Arial" panose="020B0604020202020204" pitchFamily="34" charset="0"/>
+            </a:rPr>
             <a:t>Define tables of the database</a:t>
           </a:r>
         </a:p>
         <a:p>
-          <a:pPr marL="0" lvl="0" indent="0" algn="ctr" defTabSz="466725">
+          <a:pPr marL="0" lvl="0" indent="0" algn="ctr" defTabSz="533400">
             <a:lnSpc>
               <a:spcPct val="90000"/>
             </a:lnSpc>
@@ -1669,12 +1904,19 @@
             <a:buNone/>
           </a:pPr>
           <a:r>
-            <a:rPr lang="en-US" sz="1050" b="1" kern="1200"/>
+            <a:rPr lang="en-US" sz="1200" b="1" kern="1200" dirty="0" err="1">
+              <a:latin typeface="Arial" panose="020B0604020202020204" pitchFamily="34" charset="0"/>
+              <a:cs typeface="Arial" panose="020B0604020202020204" pitchFamily="34" charset="0"/>
+            </a:rPr>
             <a:t>views.py</a:t>
           </a:r>
+          <a:endParaRPr lang="en-US" sz="1200" b="1" kern="1200" dirty="0">
+            <a:latin typeface="Arial" panose="020B0604020202020204" pitchFamily="34" charset="0"/>
+            <a:cs typeface="Arial" panose="020B0604020202020204" pitchFamily="34" charset="0"/>
+          </a:endParaRPr>
         </a:p>
         <a:p>
-          <a:pPr marL="0" lvl="0" indent="0" algn="ctr" defTabSz="466725">
+          <a:pPr marL="0" lvl="0" indent="0" algn="ctr" defTabSz="533400">
             <a:lnSpc>
               <a:spcPct val="90000"/>
             </a:lnSpc>
@@ -1687,12 +1929,15 @@
             <a:buNone/>
           </a:pPr>
           <a:r>
-            <a:rPr lang="en-US" sz="1050" kern="1200"/>
+            <a:rPr lang="en-US" sz="1200" kern="1200" dirty="0">
+              <a:latin typeface="Arial" panose="020B0604020202020204" pitchFamily="34" charset="0"/>
+              <a:cs typeface="Arial" panose="020B0604020202020204" pitchFamily="34" charset="0"/>
+            </a:rPr>
             <a:t>Handle request from each page</a:t>
           </a:r>
         </a:p>
         <a:p>
-          <a:pPr marL="0" lvl="0" indent="0" algn="ctr" defTabSz="466725">
+          <a:pPr marL="0" lvl="0" indent="0" algn="ctr" defTabSz="533400">
             <a:lnSpc>
               <a:spcPct val="90000"/>
             </a:lnSpc>
@@ -1705,12 +1950,19 @@
             <a:buNone/>
           </a:pPr>
           <a:r>
-            <a:rPr lang="en-US" sz="1050" b="1" kern="1200"/>
+            <a:rPr lang="en-US" sz="1200" b="1" kern="1200" dirty="0" err="1">
+              <a:latin typeface="Arial" panose="020B0604020202020204" pitchFamily="34" charset="0"/>
+              <a:cs typeface="Arial" panose="020B0604020202020204" pitchFamily="34" charset="0"/>
+            </a:rPr>
             <a:t>admin.py</a:t>
           </a:r>
+          <a:endParaRPr lang="en-US" sz="1200" b="1" kern="1200" dirty="0">
+            <a:latin typeface="Arial" panose="020B0604020202020204" pitchFamily="34" charset="0"/>
+            <a:cs typeface="Arial" panose="020B0604020202020204" pitchFamily="34" charset="0"/>
+          </a:endParaRPr>
         </a:p>
         <a:p>
-          <a:pPr marL="0" lvl="0" indent="0" algn="ctr" defTabSz="466725">
+          <a:pPr marL="0" lvl="0" indent="0" algn="ctr" defTabSz="533400">
             <a:lnSpc>
               <a:spcPct val="90000"/>
             </a:lnSpc>
@@ -1723,12 +1975,15 @@
             <a:buNone/>
           </a:pPr>
           <a:r>
-            <a:rPr lang="en-US" sz="1050" kern="1200"/>
+            <a:rPr lang="en-US" sz="1200" kern="1200" dirty="0">
+              <a:latin typeface="Arial" panose="020B0604020202020204" pitchFamily="34" charset="0"/>
+              <a:cs typeface="Arial" panose="020B0604020202020204" pitchFamily="34" charset="0"/>
+            </a:rPr>
             <a:t>Register models</a:t>
           </a:r>
         </a:p>
         <a:p>
-          <a:pPr marL="0" lvl="0" indent="0" algn="ctr" defTabSz="466725">
+          <a:pPr marL="0" lvl="0" indent="0" algn="ctr" defTabSz="533400">
             <a:lnSpc>
               <a:spcPct val="90000"/>
             </a:lnSpc>
@@ -1741,12 +1996,19 @@
             <a:buNone/>
           </a:pPr>
           <a:r>
-            <a:rPr lang="en-US" sz="1050" b="1" kern="1200"/>
+            <a:rPr lang="en-US" sz="1200" b="1" kern="1200" dirty="0" err="1">
+              <a:latin typeface="Arial" panose="020B0604020202020204" pitchFamily="34" charset="0"/>
+              <a:cs typeface="Arial" panose="020B0604020202020204" pitchFamily="34" charset="0"/>
+            </a:rPr>
             <a:t>urls.py</a:t>
           </a:r>
+          <a:endParaRPr lang="en-US" sz="1200" b="1" kern="1200" dirty="0">
+            <a:latin typeface="Arial" panose="020B0604020202020204" pitchFamily="34" charset="0"/>
+            <a:cs typeface="Arial" panose="020B0604020202020204" pitchFamily="34" charset="0"/>
+          </a:endParaRPr>
         </a:p>
         <a:p>
-          <a:pPr marL="0" lvl="0" indent="0" algn="ctr" defTabSz="466725">
+          <a:pPr marL="0" lvl="0" indent="0" algn="ctr" defTabSz="533400">
             <a:lnSpc>
               <a:spcPct val="90000"/>
             </a:lnSpc>
@@ -1759,12 +2021,26 @@
             <a:buNone/>
           </a:pPr>
           <a:r>
-            <a:rPr lang="en-US" sz="1050" kern="1200"/>
-            <a:t>Link html files with functions in views.py</a:t>
+            <a:rPr lang="en-US" sz="1200" kern="1200" dirty="0">
+              <a:latin typeface="Arial" panose="020B0604020202020204" pitchFamily="34" charset="0"/>
+              <a:cs typeface="Arial" panose="020B0604020202020204" pitchFamily="34" charset="0"/>
+            </a:rPr>
+            <a:t>Link html files with functions in </a:t>
           </a:r>
+          <a:r>
+            <a:rPr lang="en-US" sz="1200" kern="1200" dirty="0" err="1">
+              <a:latin typeface="Arial" panose="020B0604020202020204" pitchFamily="34" charset="0"/>
+              <a:cs typeface="Arial" panose="020B0604020202020204" pitchFamily="34" charset="0"/>
+            </a:rPr>
+            <a:t>views.py</a:t>
+          </a:r>
+          <a:endParaRPr lang="en-US" sz="1200" kern="1200" dirty="0">
+            <a:latin typeface="Arial" panose="020B0604020202020204" pitchFamily="34" charset="0"/>
+            <a:cs typeface="Arial" panose="020B0604020202020204" pitchFamily="34" charset="0"/>
+          </a:endParaRPr>
         </a:p>
         <a:p>
-          <a:pPr marL="0" lvl="0" indent="0" algn="ctr" defTabSz="466725">
+          <a:pPr marL="0" lvl="0" indent="0" algn="ctr" defTabSz="533400">
             <a:lnSpc>
               <a:spcPct val="90000"/>
             </a:lnSpc>
@@ -1777,12 +2053,19 @@
             <a:buNone/>
           </a:pPr>
           <a:r>
-            <a:rPr lang="en-US" sz="1050" b="1" kern="1200"/>
+            <a:rPr lang="en-US" sz="1200" b="1" kern="1200" dirty="0" err="1">
+              <a:latin typeface="Arial" panose="020B0604020202020204" pitchFamily="34" charset="0"/>
+              <a:cs typeface="Arial" panose="020B0604020202020204" pitchFamily="34" charset="0"/>
+            </a:rPr>
             <a:t>apps.py</a:t>
           </a:r>
+          <a:endParaRPr lang="en-US" sz="1200" b="1" kern="1200" dirty="0">
+            <a:latin typeface="Arial" panose="020B0604020202020204" pitchFamily="34" charset="0"/>
+            <a:cs typeface="Arial" panose="020B0604020202020204" pitchFamily="34" charset="0"/>
+          </a:endParaRPr>
         </a:p>
         <a:p>
-          <a:pPr marL="0" lvl="0" indent="0" algn="ctr" defTabSz="466725">
+          <a:pPr marL="0" lvl="0" indent="0" algn="ctr" defTabSz="533400">
             <a:lnSpc>
               <a:spcPct val="90000"/>
             </a:lnSpc>
@@ -1795,12 +2078,15 @@
             <a:buNone/>
           </a:pPr>
           <a:r>
-            <a:rPr lang="en-US" sz="1050" kern="1200"/>
+            <a:rPr lang="en-US" sz="1200" kern="1200" dirty="0">
+              <a:latin typeface="Arial" panose="020B0604020202020204" pitchFamily="34" charset="0"/>
+              <a:cs typeface="Arial" panose="020B0604020202020204" pitchFamily="34" charset="0"/>
+            </a:rPr>
             <a:t>Define apps of the whole project</a:t>
           </a:r>
         </a:p>
         <a:p>
-          <a:pPr marL="0" lvl="0" indent="0" algn="ctr" defTabSz="466725">
+          <a:pPr marL="0" lvl="0" indent="0" algn="ctr" defTabSz="533400">
             <a:lnSpc>
               <a:spcPct val="90000"/>
             </a:lnSpc>
@@ -1812,12 +2098,15 @@
             </a:spcAft>
             <a:buNone/>
           </a:pPr>
-          <a:endParaRPr lang="en-US" sz="700" kern="1200" dirty="0"/>
+          <a:endParaRPr lang="en-US" sz="700" kern="1200" dirty="0">
+            <a:latin typeface="Arial" panose="020B0604020202020204" pitchFamily="34" charset="0"/>
+            <a:cs typeface="Arial" panose="020B0604020202020204" pitchFamily="34" charset="0"/>
+          </a:endParaRPr>
         </a:p>
       </dsp:txBody>
       <dsp:txXfrm>
-        <a:off x="138216" y="2552513"/>
-        <a:ext cx="3876843" cy="2417270"/>
+        <a:off x="879374" y="2863602"/>
+        <a:ext cx="3505953" cy="2246772"/>
       </dsp:txXfrm>
     </dsp:sp>
     <dsp:sp modelId="{2004F7DC-B0E9-CD44-9696-ADEB6FB7376D}">
@@ -1827,8 +2116,8 @@
       </dsp:nvSpPr>
       <dsp:spPr>
         <a:xfrm>
-          <a:off x="4435231" y="2258575"/>
-          <a:ext cx="613533" cy="717718"/>
+          <a:off x="4835217" y="2210287"/>
+          <a:ext cx="696091" cy="814295"/>
         </a:xfrm>
         <a:prstGeom prst="rightArrow">
           <a:avLst>
@@ -1838,11 +2127,8 @@
         </a:prstGeom>
         <a:solidFill>
           <a:schemeClr val="accent4">
-            <a:tint val="60000"/>
-            <a:hueOff val="0"/>
-            <a:satOff val="0"/>
-            <a:lumOff val="0"/>
-            <a:alphaOff val="0"/>
+            <a:lumMod val="60000"/>
+            <a:lumOff val="40000"/>
           </a:schemeClr>
         </a:solidFill>
         <a:ln>
@@ -1870,7 +2156,7 @@
         </a:bodyPr>
         <a:lstStyle/>
         <a:p>
-          <a:pPr marL="0" lvl="0" indent="0" algn="ctr" defTabSz="1333500">
+          <a:pPr marL="0" lvl="0" indent="0" algn="ctr" defTabSz="1644650">
             <a:lnSpc>
               <a:spcPct val="90000"/>
             </a:lnSpc>
@@ -1882,12 +2168,15 @@
             </a:spcAft>
             <a:buNone/>
           </a:pPr>
-          <a:endParaRPr lang="en-US" sz="3000" kern="1200"/>
+          <a:endParaRPr lang="en-US" sz="3700" kern="1200">
+            <a:latin typeface="Arial" panose="020B0604020202020204" pitchFamily="34" charset="0"/>
+            <a:cs typeface="Arial" panose="020B0604020202020204" pitchFamily="34" charset="0"/>
+          </a:endParaRPr>
         </a:p>
       </dsp:txBody>
       <dsp:txXfrm>
-        <a:off x="4435231" y="2402119"/>
-        <a:ext cx="429473" cy="430630"/>
+        <a:off x="4835217" y="2373146"/>
+        <a:ext cx="487264" cy="488577"/>
       </dsp:txXfrm>
     </dsp:sp>
     <dsp:sp modelId="{BE06B0E0-0849-5C48-889C-46DCD5F1AB74}">
@@ -1897,8 +2186,8 @@
       </dsp:nvSpPr>
       <dsp:spPr>
         <a:xfrm>
-          <a:off x="5303439" y="688083"/>
-          <a:ext cx="5882631" cy="3858702"/>
+          <a:off x="5820252" y="1110397"/>
+          <a:ext cx="4615436" cy="3014075"/>
         </a:xfrm>
         <a:prstGeom prst="roundRect">
           <a:avLst/>
@@ -1913,13 +2202,7 @@
         </a:solidFill>
         <a:ln w="12700" cap="flat" cmpd="sng" algn="ctr">
           <a:solidFill>
-            <a:schemeClr val="accent4">
-              <a:shade val="80000"/>
-              <a:hueOff val="0"/>
-              <a:satOff val="0"/>
-              <a:lumOff val="0"/>
-              <a:alphaOff val="0"/>
-            </a:schemeClr>
+            <a:schemeClr val="accent2"/>
           </a:solidFill>
           <a:prstDash val="solid"/>
           <a:miter lim="800000"/>
@@ -1941,12 +2224,12 @@
         </a:fontRef>
       </dsp:style>
       <dsp:txBody>
-        <a:bodyPr spcFirstLastPara="0" vert="horz" wrap="square" lIns="27940" tIns="27940" rIns="27940" bIns="27940" numCol="1" spcCol="1270" anchor="ctr" anchorCtr="0">
+        <a:bodyPr spcFirstLastPara="0" vert="horz" wrap="square" lIns="25400" tIns="25400" rIns="25400" bIns="25400" numCol="1" spcCol="1270" anchor="ctr" anchorCtr="0">
           <a:noAutofit/>
         </a:bodyPr>
         <a:lstStyle/>
         <a:p>
-          <a:pPr marL="0" lvl="0" indent="0" algn="ctr" defTabSz="977900">
+          <a:pPr marL="0" lvl="0" indent="0" algn="ctr" defTabSz="889000">
             <a:lnSpc>
               <a:spcPct val="90000"/>
             </a:lnSpc>
@@ -1959,12 +2242,18 @@
             <a:buNone/>
           </a:pPr>
           <a:r>
-            <a:rPr lang="en-US" sz="2200" b="1" kern="1200" dirty="0"/>
+            <a:rPr lang="en-US" sz="2000" b="1" kern="1200" dirty="0">
+              <a:solidFill>
+                <a:schemeClr val="tx1"/>
+              </a:solidFill>
+              <a:latin typeface="Arial" panose="020B0604020202020204" pitchFamily="34" charset="0"/>
+              <a:cs typeface="Arial" panose="020B0604020202020204" pitchFamily="34" charset="0"/>
+            </a:rPr>
             <a:t>Customer</a:t>
           </a:r>
         </a:p>
         <a:p>
-          <a:pPr marL="0" lvl="0" indent="0" algn="ctr" defTabSz="977900">
+          <a:pPr marL="0" lvl="0" indent="0" algn="ctr" defTabSz="889000">
             <a:lnSpc>
               <a:spcPct val="90000"/>
             </a:lnSpc>
@@ -1977,12 +2266,18 @@
             <a:buNone/>
           </a:pPr>
           <a:r>
-            <a:rPr lang="en-US" sz="2200" kern="1200" dirty="0"/>
-            <a:t>View Menu</a:t>
+            <a:rPr lang="en-US" sz="1600" kern="1200" dirty="0">
+              <a:solidFill>
+                <a:schemeClr val="tx1"/>
+              </a:solidFill>
+              <a:latin typeface="Arial" panose="020B0604020202020204" pitchFamily="34" charset="0"/>
+              <a:cs typeface="Arial" panose="020B0604020202020204" pitchFamily="34" charset="0"/>
+            </a:rPr>
+            <a:t>View menu</a:t>
           </a:r>
         </a:p>
         <a:p>
-          <a:pPr marL="0" lvl="0" indent="0" algn="ctr" defTabSz="977900">
+          <a:pPr marL="0" lvl="0" indent="0" algn="ctr" defTabSz="889000">
             <a:lnSpc>
               <a:spcPct val="90000"/>
             </a:lnSpc>
@@ -1995,12 +2290,18 @@
             <a:buNone/>
           </a:pPr>
           <a:r>
-            <a:rPr lang="en-US" sz="2200" kern="1200" dirty="0"/>
+            <a:rPr lang="en-US" sz="1600" kern="1200" dirty="0">
+              <a:solidFill>
+                <a:schemeClr val="tx1"/>
+              </a:solidFill>
+              <a:latin typeface="Arial" panose="020B0604020202020204" pitchFamily="34" charset="0"/>
+              <a:cs typeface="Arial" panose="020B0604020202020204" pitchFamily="34" charset="0"/>
+            </a:rPr>
             <a:t>Sign up &amp; Login &amp; Logout</a:t>
           </a:r>
         </a:p>
         <a:p>
-          <a:pPr marL="0" lvl="0" indent="0" algn="ctr" defTabSz="977900">
+          <a:pPr marL="0" lvl="0" indent="0" algn="ctr" defTabSz="889000">
             <a:lnSpc>
               <a:spcPct val="90000"/>
             </a:lnSpc>
@@ -2013,12 +2314,18 @@
             <a:buNone/>
           </a:pPr>
           <a:r>
-            <a:rPr lang="en-US" sz="2200" kern="1200" dirty="0"/>
-            <a:t>Add &amp; Delete Items in shopping cart</a:t>
+            <a:rPr lang="en-US" sz="1600" kern="1200" dirty="0">
+              <a:solidFill>
+                <a:schemeClr val="tx1"/>
+              </a:solidFill>
+              <a:latin typeface="Arial" panose="020B0604020202020204" pitchFamily="34" charset="0"/>
+              <a:cs typeface="Arial" panose="020B0604020202020204" pitchFamily="34" charset="0"/>
+            </a:rPr>
+            <a:t>Add &amp; Delete items in shopping cart</a:t>
           </a:r>
         </a:p>
         <a:p>
-          <a:pPr marL="0" lvl="0" indent="0" algn="ctr" defTabSz="977900">
+          <a:pPr marL="0" lvl="0" indent="0" algn="ctr" defTabSz="889000">
             <a:lnSpc>
               <a:spcPct val="90000"/>
             </a:lnSpc>
@@ -2031,12 +2338,18 @@
             <a:buNone/>
           </a:pPr>
           <a:r>
-            <a:rPr lang="en-US" sz="2200" kern="1200" dirty="0"/>
-            <a:t>Place Order</a:t>
+            <a:rPr lang="en-US" sz="1600" kern="1200" dirty="0">
+              <a:solidFill>
+                <a:schemeClr val="tx1"/>
+              </a:solidFill>
+              <a:latin typeface="Arial" panose="020B0604020202020204" pitchFamily="34" charset="0"/>
+              <a:cs typeface="Arial" panose="020B0604020202020204" pitchFamily="34" charset="0"/>
+            </a:rPr>
+            <a:t>Place order</a:t>
           </a:r>
         </a:p>
         <a:p>
-          <a:pPr marL="0" lvl="0" indent="0" algn="ctr" defTabSz="977900">
+          <a:pPr marL="0" lvl="0" indent="0" algn="ctr" defTabSz="889000">
             <a:lnSpc>
               <a:spcPct val="90000"/>
             </a:lnSpc>
@@ -2049,12 +2362,18 @@
             <a:buNone/>
           </a:pPr>
           <a:r>
-            <a:rPr lang="en-US" sz="2200" b="1" kern="1200" dirty="0"/>
+            <a:rPr lang="en-US" sz="2000" b="1" kern="1200" dirty="0">
+              <a:solidFill>
+                <a:schemeClr val="tx1"/>
+              </a:solidFill>
+              <a:latin typeface="Arial" panose="020B0604020202020204" pitchFamily="34" charset="0"/>
+              <a:cs typeface="Arial" panose="020B0604020202020204" pitchFamily="34" charset="0"/>
+            </a:rPr>
             <a:t>Restaurant Owner</a:t>
           </a:r>
         </a:p>
         <a:p>
-          <a:pPr marL="0" lvl="0" indent="0" algn="ctr" defTabSz="977900">
+          <a:pPr marL="0" lvl="0" indent="0" algn="ctr" defTabSz="889000">
             <a:lnSpc>
               <a:spcPct val="90000"/>
             </a:lnSpc>
@@ -2067,12 +2386,29 @@
             <a:buNone/>
           </a:pPr>
           <a:r>
-            <a:rPr lang="en-US" sz="2200" b="0" kern="1200" dirty="0"/>
-            <a:t>Update Menu via Django Admin site</a:t>
+            <a:rPr lang="en-US" sz="1600" b="0" kern="1200" dirty="0">
+              <a:latin typeface="Arial" panose="020B0604020202020204" pitchFamily="34" charset="0"/>
+              <a:cs typeface="Arial" panose="020B0604020202020204" pitchFamily="34" charset="0"/>
+            </a:rPr>
+            <a:t>Update menu via </a:t>
+          </a:r>
+          <a:r>
+            <a:rPr lang="en-US" sz="1600" b="0" kern="1200" dirty="0" err="1">
+              <a:latin typeface="Arial" panose="020B0604020202020204" pitchFamily="34" charset="0"/>
+              <a:cs typeface="Arial" panose="020B0604020202020204" pitchFamily="34" charset="0"/>
+            </a:rPr>
+            <a:t>django</a:t>
+          </a:r>
+          <a:r>
+            <a:rPr lang="en-US" sz="1600" b="0" kern="1200" dirty="0">
+              <a:latin typeface="Arial" panose="020B0604020202020204" pitchFamily="34" charset="0"/>
+              <a:cs typeface="Arial" panose="020B0604020202020204" pitchFamily="34" charset="0"/>
+            </a:rPr>
+            <a:t> admin site</a:t>
           </a:r>
         </a:p>
         <a:p>
-          <a:pPr marL="0" lvl="0" indent="0" algn="ctr" defTabSz="977900">
+          <a:pPr marL="0" lvl="0" indent="0" algn="ctr" defTabSz="889000">
             <a:lnSpc>
               <a:spcPct val="90000"/>
             </a:lnSpc>
@@ -2085,14 +2421,31 @@
             <a:buNone/>
           </a:pPr>
           <a:r>
-            <a:rPr lang="en-US" sz="2200" b="0" kern="1200" dirty="0"/>
-            <a:t>View &amp; Mark Order</a:t>
+            <a:rPr lang="en-US" sz="1600" b="0" kern="1200" dirty="0">
+              <a:latin typeface="Arial" panose="020B0604020202020204" pitchFamily="34" charset="0"/>
+              <a:cs typeface="Arial" panose="020B0604020202020204" pitchFamily="34" charset="0"/>
+            </a:rPr>
+            <a:t>View </a:t>
+          </a:r>
+          <a:r>
+            <a:rPr lang="en-US" sz="1600" b="0" kern="1200">
+              <a:latin typeface="Arial" panose="020B0604020202020204" pitchFamily="34" charset="0"/>
+              <a:cs typeface="Arial" panose="020B0604020202020204" pitchFamily="34" charset="0"/>
+            </a:rPr>
+            <a:t>&amp; Mark </a:t>
+          </a:r>
+          <a:r>
+            <a:rPr lang="en-US" sz="1600" b="0" kern="1200" dirty="0">
+              <a:latin typeface="Arial" panose="020B0604020202020204" pitchFamily="34" charset="0"/>
+              <a:cs typeface="Arial" panose="020B0604020202020204" pitchFamily="34" charset="0"/>
+            </a:rPr>
+            <a:t>order</a:t>
           </a:r>
         </a:p>
       </dsp:txBody>
       <dsp:txXfrm>
-        <a:off x="5491805" y="876449"/>
-        <a:ext cx="5505899" cy="3481970"/>
+        <a:off x="5967387" y="1257532"/>
+        <a:ext cx="4321166" cy="2719805"/>
       </dsp:txXfrm>
     </dsp:sp>
   </dsp:spTree>
@@ -3396,6 +3749,439 @@
     </dgm:style>
   </dgm:styleLbl>
 </dgm:styleDef>
+</file>
+
+<file path=ppt/notesMasters/notesMaster1.xml><?xml version="1.0" encoding="utf-8"?>
+<p:notesMaster xmlns:a="http://schemas.openxmlformats.org/drawingml/2006/main" xmlns:r="http://schemas.openxmlformats.org/officeDocument/2006/relationships" xmlns:p="http://schemas.openxmlformats.org/presentationml/2006/main">
+  <p:cSld>
+    <p:bg>
+      <p:bgRef idx="1001">
+        <a:schemeClr val="bg1"/>
+      </p:bgRef>
+    </p:bg>
+    <p:spTree>
+      <p:nvGrpSpPr>
+        <p:cNvPr id="1" name=""/>
+        <p:cNvGrpSpPr/>
+        <p:nvPr/>
+      </p:nvGrpSpPr>
+      <p:grpSpPr>
+        <a:xfrm>
+          <a:off x="0" y="0"/>
+          <a:ext cx="0" cy="0"/>
+          <a:chOff x="0" y="0"/>
+          <a:chExt cx="0" cy="0"/>
+        </a:xfrm>
+      </p:grpSpPr>
+      <p:sp>
+        <p:nvSpPr>
+          <p:cNvPr id="2" name="Header Placeholder 1"/>
+          <p:cNvSpPr>
+            <a:spLocks noGrp="1"/>
+          </p:cNvSpPr>
+          <p:nvPr>
+            <p:ph type="hdr" sz="quarter"/>
+          </p:nvPr>
+        </p:nvSpPr>
+        <p:spPr>
+          <a:xfrm>
+            <a:off x="0" y="0"/>
+            <a:ext cx="2971800" cy="458788"/>
+          </a:xfrm>
+          <a:prstGeom prst="rect">
+            <a:avLst/>
+          </a:prstGeom>
+        </p:spPr>
+        <p:txBody>
+          <a:bodyPr vert="horz" lIns="91440" tIns="45720" rIns="91440" bIns="45720" rtlCol="0"/>
+          <a:lstStyle>
+            <a:lvl1pPr algn="l">
+              <a:defRPr sz="1200"/>
+            </a:lvl1pPr>
+          </a:lstStyle>
+          <a:p>
+            <a:endParaRPr lang="en-US"/>
+          </a:p>
+        </p:txBody>
+      </p:sp>
+      <p:sp>
+        <p:nvSpPr>
+          <p:cNvPr id="3" name="Date Placeholder 2"/>
+          <p:cNvSpPr>
+            <a:spLocks noGrp="1"/>
+          </p:cNvSpPr>
+          <p:nvPr>
+            <p:ph type="dt" idx="1"/>
+          </p:nvPr>
+        </p:nvSpPr>
+        <p:spPr>
+          <a:xfrm>
+            <a:off x="3884613" y="0"/>
+            <a:ext cx="2971800" cy="458788"/>
+          </a:xfrm>
+          <a:prstGeom prst="rect">
+            <a:avLst/>
+          </a:prstGeom>
+        </p:spPr>
+        <p:txBody>
+          <a:bodyPr vert="horz" lIns="91440" tIns="45720" rIns="91440" bIns="45720" rtlCol="0"/>
+          <a:lstStyle>
+            <a:lvl1pPr algn="r">
+              <a:defRPr sz="1200"/>
+            </a:lvl1pPr>
+          </a:lstStyle>
+          <a:p>
+            <a:fld id="{36CEC19D-CDC2-8B43-B7B7-51741422CCEA}" type="datetimeFigureOut">
+              <a:rPr lang="en-US" smtClean="0"/>
+              <a:t>5/17/20</a:t>
+            </a:fld>
+            <a:endParaRPr lang="en-US"/>
+          </a:p>
+        </p:txBody>
+      </p:sp>
+      <p:sp>
+        <p:nvSpPr>
+          <p:cNvPr id="4" name="Slide Image Placeholder 3"/>
+          <p:cNvSpPr>
+            <a:spLocks noGrp="1" noRot="1" noChangeAspect="1"/>
+          </p:cNvSpPr>
+          <p:nvPr>
+            <p:ph type="sldImg" idx="2"/>
+          </p:nvPr>
+        </p:nvSpPr>
+        <p:spPr>
+          <a:xfrm>
+            <a:off x="685800" y="1143000"/>
+            <a:ext cx="5486400" cy="3086100"/>
+          </a:xfrm>
+          <a:prstGeom prst="rect">
+            <a:avLst/>
+          </a:prstGeom>
+          <a:noFill/>
+          <a:ln w="12700">
+            <a:solidFill>
+              <a:prstClr val="black"/>
+            </a:solidFill>
+          </a:ln>
+        </p:spPr>
+        <p:txBody>
+          <a:bodyPr vert="horz" lIns="91440" tIns="45720" rIns="91440" bIns="45720" rtlCol="0" anchor="ctr"/>
+          <a:lstStyle/>
+          <a:p>
+            <a:endParaRPr lang="en-US"/>
+          </a:p>
+        </p:txBody>
+      </p:sp>
+      <p:sp>
+        <p:nvSpPr>
+          <p:cNvPr id="5" name="Notes Placeholder 4"/>
+          <p:cNvSpPr>
+            <a:spLocks noGrp="1"/>
+          </p:cNvSpPr>
+          <p:nvPr>
+            <p:ph type="body" sz="quarter" idx="3"/>
+          </p:nvPr>
+        </p:nvSpPr>
+        <p:spPr>
+          <a:xfrm>
+            <a:off x="685800" y="4400550"/>
+            <a:ext cx="5486400" cy="3600450"/>
+          </a:xfrm>
+          <a:prstGeom prst="rect">
+            <a:avLst/>
+          </a:prstGeom>
+        </p:spPr>
+        <p:txBody>
+          <a:bodyPr vert="horz" lIns="91440" tIns="45720" rIns="91440" bIns="45720" rtlCol="0"/>
+          <a:lstStyle/>
+          <a:p>
+            <a:pPr lvl="0"/>
+            <a:r>
+              <a:rPr lang="en-US"/>
+              <a:t>Click to edit Master text styles</a:t>
+            </a:r>
+          </a:p>
+          <a:p>
+            <a:pPr lvl="1"/>
+            <a:r>
+              <a:rPr lang="en-US"/>
+              <a:t>Second level</a:t>
+            </a:r>
+          </a:p>
+          <a:p>
+            <a:pPr lvl="2"/>
+            <a:r>
+              <a:rPr lang="en-US"/>
+              <a:t>Third level</a:t>
+            </a:r>
+          </a:p>
+          <a:p>
+            <a:pPr lvl="3"/>
+            <a:r>
+              <a:rPr lang="en-US"/>
+              <a:t>Fourth level</a:t>
+            </a:r>
+          </a:p>
+          <a:p>
+            <a:pPr lvl="4"/>
+            <a:r>
+              <a:rPr lang="en-US"/>
+              <a:t>Fifth level</a:t>
+            </a:r>
+          </a:p>
+        </p:txBody>
+      </p:sp>
+      <p:sp>
+        <p:nvSpPr>
+          <p:cNvPr id="6" name="Footer Placeholder 5"/>
+          <p:cNvSpPr>
+            <a:spLocks noGrp="1"/>
+          </p:cNvSpPr>
+          <p:nvPr>
+            <p:ph type="ftr" sz="quarter" idx="4"/>
+          </p:nvPr>
+        </p:nvSpPr>
+        <p:spPr>
+          <a:xfrm>
+            <a:off x="0" y="8685213"/>
+            <a:ext cx="2971800" cy="458787"/>
+          </a:xfrm>
+          <a:prstGeom prst="rect">
+            <a:avLst/>
+          </a:prstGeom>
+        </p:spPr>
+        <p:txBody>
+          <a:bodyPr vert="horz" lIns="91440" tIns="45720" rIns="91440" bIns="45720" rtlCol="0" anchor="b"/>
+          <a:lstStyle>
+            <a:lvl1pPr algn="l">
+              <a:defRPr sz="1200"/>
+            </a:lvl1pPr>
+          </a:lstStyle>
+          <a:p>
+            <a:endParaRPr lang="en-US"/>
+          </a:p>
+        </p:txBody>
+      </p:sp>
+      <p:sp>
+        <p:nvSpPr>
+          <p:cNvPr id="7" name="Slide Number Placeholder 6"/>
+          <p:cNvSpPr>
+            <a:spLocks noGrp="1"/>
+          </p:cNvSpPr>
+          <p:nvPr>
+            <p:ph type="sldNum" sz="quarter" idx="5"/>
+          </p:nvPr>
+        </p:nvSpPr>
+        <p:spPr>
+          <a:xfrm>
+            <a:off x="3884613" y="8685213"/>
+            <a:ext cx="2971800" cy="458787"/>
+          </a:xfrm>
+          <a:prstGeom prst="rect">
+            <a:avLst/>
+          </a:prstGeom>
+        </p:spPr>
+        <p:txBody>
+          <a:bodyPr vert="horz" lIns="91440" tIns="45720" rIns="91440" bIns="45720" rtlCol="0" anchor="b"/>
+          <a:lstStyle>
+            <a:lvl1pPr algn="r">
+              <a:defRPr sz="1200"/>
+            </a:lvl1pPr>
+          </a:lstStyle>
+          <a:p>
+            <a:fld id="{10BBE602-B195-0940-B20C-78B1A8C13001}" type="slidenum">
+              <a:rPr lang="en-US" smtClean="0"/>
+              <a:t>‹#›</a:t>
+            </a:fld>
+            <a:endParaRPr lang="en-US"/>
+          </a:p>
+        </p:txBody>
+      </p:sp>
+    </p:spTree>
+    <p:extLst>
+      <p:ext uri="{BB962C8B-B14F-4D97-AF65-F5344CB8AC3E}">
+        <p14:creationId xmlns:p14="http://schemas.microsoft.com/office/powerpoint/2010/main" val="232246897"/>
+      </p:ext>
+    </p:extLst>
+  </p:cSld>
+  <p:clrMap bg1="lt1" tx1="dk1" bg2="lt2" tx2="dk2" accent1="accent1" accent2="accent2" accent3="accent3" accent4="accent4" accent5="accent5" accent6="accent6" hlink="hlink" folHlink="folHlink"/>
+  <p:notesStyle>
+    <a:lvl1pPr marL="0" algn="l" defTabSz="914400" rtl="0" eaLnBrk="1" latinLnBrk="0" hangingPunct="1">
+      <a:defRPr sz="1200" kern="1200">
+        <a:solidFill>
+          <a:schemeClr val="tx1"/>
+        </a:solidFill>
+        <a:latin typeface="+mn-lt"/>
+        <a:ea typeface="+mn-ea"/>
+        <a:cs typeface="+mn-cs"/>
+      </a:defRPr>
+    </a:lvl1pPr>
+    <a:lvl2pPr marL="457200" algn="l" defTabSz="914400" rtl="0" eaLnBrk="1" latinLnBrk="0" hangingPunct="1">
+      <a:defRPr sz="1200" kern="1200">
+        <a:solidFill>
+          <a:schemeClr val="tx1"/>
+        </a:solidFill>
+        <a:latin typeface="+mn-lt"/>
+        <a:ea typeface="+mn-ea"/>
+        <a:cs typeface="+mn-cs"/>
+      </a:defRPr>
+    </a:lvl2pPr>
+    <a:lvl3pPr marL="914400" algn="l" defTabSz="914400" rtl="0" eaLnBrk="1" latinLnBrk="0" hangingPunct="1">
+      <a:defRPr sz="1200" kern="1200">
+        <a:solidFill>
+          <a:schemeClr val="tx1"/>
+        </a:solidFill>
+        <a:latin typeface="+mn-lt"/>
+        <a:ea typeface="+mn-ea"/>
+        <a:cs typeface="+mn-cs"/>
+      </a:defRPr>
+    </a:lvl3pPr>
+    <a:lvl4pPr marL="1371600" algn="l" defTabSz="914400" rtl="0" eaLnBrk="1" latinLnBrk="0" hangingPunct="1">
+      <a:defRPr sz="1200" kern="1200">
+        <a:solidFill>
+          <a:schemeClr val="tx1"/>
+        </a:solidFill>
+        <a:latin typeface="+mn-lt"/>
+        <a:ea typeface="+mn-ea"/>
+        <a:cs typeface="+mn-cs"/>
+      </a:defRPr>
+    </a:lvl4pPr>
+    <a:lvl5pPr marL="1828800" algn="l" defTabSz="914400" rtl="0" eaLnBrk="1" latinLnBrk="0" hangingPunct="1">
+      <a:defRPr sz="1200" kern="1200">
+        <a:solidFill>
+          <a:schemeClr val="tx1"/>
+        </a:solidFill>
+        <a:latin typeface="+mn-lt"/>
+        <a:ea typeface="+mn-ea"/>
+        <a:cs typeface="+mn-cs"/>
+      </a:defRPr>
+    </a:lvl5pPr>
+    <a:lvl6pPr marL="2286000" algn="l" defTabSz="914400" rtl="0" eaLnBrk="1" latinLnBrk="0" hangingPunct="1">
+      <a:defRPr sz="1200" kern="1200">
+        <a:solidFill>
+          <a:schemeClr val="tx1"/>
+        </a:solidFill>
+        <a:latin typeface="+mn-lt"/>
+        <a:ea typeface="+mn-ea"/>
+        <a:cs typeface="+mn-cs"/>
+      </a:defRPr>
+    </a:lvl6pPr>
+    <a:lvl7pPr marL="2743200" algn="l" defTabSz="914400" rtl="0" eaLnBrk="1" latinLnBrk="0" hangingPunct="1">
+      <a:defRPr sz="1200" kern="1200">
+        <a:solidFill>
+          <a:schemeClr val="tx1"/>
+        </a:solidFill>
+        <a:latin typeface="+mn-lt"/>
+        <a:ea typeface="+mn-ea"/>
+        <a:cs typeface="+mn-cs"/>
+      </a:defRPr>
+    </a:lvl7pPr>
+    <a:lvl8pPr marL="3200400" algn="l" defTabSz="914400" rtl="0" eaLnBrk="1" latinLnBrk="0" hangingPunct="1">
+      <a:defRPr sz="1200" kern="1200">
+        <a:solidFill>
+          <a:schemeClr val="tx1"/>
+        </a:solidFill>
+        <a:latin typeface="+mn-lt"/>
+        <a:ea typeface="+mn-ea"/>
+        <a:cs typeface="+mn-cs"/>
+      </a:defRPr>
+    </a:lvl8pPr>
+    <a:lvl9pPr marL="3657600" algn="l" defTabSz="914400" rtl="0" eaLnBrk="1" latinLnBrk="0" hangingPunct="1">
+      <a:defRPr sz="1200" kern="1200">
+        <a:solidFill>
+          <a:schemeClr val="tx1"/>
+        </a:solidFill>
+        <a:latin typeface="+mn-lt"/>
+        <a:ea typeface="+mn-ea"/>
+        <a:cs typeface="+mn-cs"/>
+      </a:defRPr>
+    </a:lvl9pPr>
+  </p:notesStyle>
+</p:notesMaster>
+</file>
+
+<file path=ppt/notesSlides/notesSlide1.xml><?xml version="1.0" encoding="utf-8"?>
+<p:notes xmlns:a="http://schemas.openxmlformats.org/drawingml/2006/main" xmlns:r="http://schemas.openxmlformats.org/officeDocument/2006/relationships" xmlns:p="http://schemas.openxmlformats.org/presentationml/2006/main">
+  <p:cSld>
+    <p:spTree>
+      <p:nvGrpSpPr>
+        <p:cNvPr id="1" name=""/>
+        <p:cNvGrpSpPr/>
+        <p:nvPr/>
+      </p:nvGrpSpPr>
+      <p:grpSpPr>
+        <a:xfrm>
+          <a:off x="0" y="0"/>
+          <a:ext cx="0" cy="0"/>
+          <a:chOff x="0" y="0"/>
+          <a:chExt cx="0" cy="0"/>
+        </a:xfrm>
+      </p:grpSpPr>
+      <p:sp>
+        <p:nvSpPr>
+          <p:cNvPr id="2" name="Slide Image Placeholder 1"/>
+          <p:cNvSpPr>
+            <a:spLocks noGrp="1" noRot="1" noChangeAspect="1"/>
+          </p:cNvSpPr>
+          <p:nvPr>
+            <p:ph type="sldImg"/>
+          </p:nvPr>
+        </p:nvSpPr>
+        <p:spPr/>
+      </p:sp>
+      <p:sp>
+        <p:nvSpPr>
+          <p:cNvPr id="3" name="Notes Placeholder 2"/>
+          <p:cNvSpPr>
+            <a:spLocks noGrp="1"/>
+          </p:cNvSpPr>
+          <p:nvPr>
+            <p:ph type="body" idx="1"/>
+          </p:nvPr>
+        </p:nvSpPr>
+        <p:spPr/>
+        <p:txBody>
+          <a:bodyPr/>
+          <a:lstStyle/>
+          <a:p>
+            <a:endParaRPr lang="en-US" dirty="0"/>
+          </a:p>
+        </p:txBody>
+      </p:sp>
+      <p:sp>
+        <p:nvSpPr>
+          <p:cNvPr id="4" name="Slide Number Placeholder 3"/>
+          <p:cNvSpPr>
+            <a:spLocks noGrp="1"/>
+          </p:cNvSpPr>
+          <p:nvPr>
+            <p:ph type="sldNum" sz="quarter" idx="5"/>
+          </p:nvPr>
+        </p:nvSpPr>
+        <p:spPr/>
+        <p:txBody>
+          <a:bodyPr/>
+          <a:lstStyle/>
+          <a:p>
+            <a:fld id="{10BBE602-B195-0940-B20C-78B1A8C13001}" type="slidenum">
+              <a:rPr lang="en-US" smtClean="0"/>
+              <a:t>1</a:t>
+            </a:fld>
+            <a:endParaRPr lang="en-US"/>
+          </a:p>
+        </p:txBody>
+      </p:sp>
+    </p:spTree>
+    <p:extLst>
+      <p:ext uri="{BB962C8B-B14F-4D97-AF65-F5344CB8AC3E}">
+        <p14:creationId xmlns:p14="http://schemas.microsoft.com/office/powerpoint/2010/main" val="1159053052"/>
+      </p:ext>
+    </p:extLst>
+  </p:cSld>
+  <p:clrMapOvr>
+    <a:masterClrMapping/>
+  </p:clrMapOvr>
+</p:notes>
 </file>
 
 <file path=ppt/slideLayouts/slideLayout1.xml><?xml version="1.0" encoding="utf-8"?>
@@ -6625,18 +7411,18 @@
           <p:nvPr>
             <p:extLst>
               <p:ext uri="{D42A27DB-BD31-4B8C-83A1-F6EECF244321}">
-                <p14:modId xmlns:p14="http://schemas.microsoft.com/office/powerpoint/2010/main" val="3960531147"/>
+                <p14:modId xmlns:p14="http://schemas.microsoft.com/office/powerpoint/2010/main" val="247317131"/>
               </p:ext>
             </p:extLst>
           </p:nvPr>
         </p:nvGraphicFramePr>
         <p:xfrm>
-          <a:off x="0" y="1051034"/>
+          <a:off x="164592" y="1078466"/>
           <a:ext cx="11193518" cy="5234870"/>
         </p:xfrm>
         <a:graphic>
           <a:graphicData uri="http://schemas.openxmlformats.org/drawingml/2006/diagram">
-            <dgm:relIds xmlns:dgm="http://schemas.openxmlformats.org/drawingml/2006/diagram" xmlns:r="http://schemas.openxmlformats.org/officeDocument/2006/relationships" r:dm="rId2" r:lo="rId3" r:qs="rId4" r:cs="rId5"/>
+            <dgm:relIds xmlns:dgm="http://schemas.openxmlformats.org/drawingml/2006/diagram" xmlns:r="http://schemas.openxmlformats.org/officeDocument/2006/relationships" r:dm="rId3" r:lo="rId4" r:qs="rId5" r:cs="rId6"/>
           </a:graphicData>
         </a:graphic>
       </p:graphicFrame>
@@ -6654,7 +7440,7 @@
         </p:nvSpPr>
         <p:spPr>
           <a:xfrm>
-            <a:off x="1047700" y="650924"/>
+            <a:off x="1757676" y="531897"/>
             <a:ext cx="2032608" cy="646331"/>
           </a:xfrm>
           <a:prstGeom prst="rect">
@@ -6744,7 +7530,7 @@
         </p:nvSpPr>
         <p:spPr>
           <a:xfrm>
-            <a:off x="1169207" y="6039683"/>
+            <a:off x="1818430" y="6211669"/>
             <a:ext cx="1911101" cy="646331"/>
           </a:xfrm>
           <a:prstGeom prst="rect">
@@ -6793,10 +7579,46 @@
           </a:lstStyle>
           <a:p>
             <a:r>
-              <a:rPr lang="en-US" altLang="zh-CN" dirty="0"/>
+              <a:rPr lang="en-US" altLang="zh-CN" dirty="0">
+                <a:ln w="9525">
+                  <a:solidFill>
+                    <a:schemeClr val="bg1"/>
+                  </a:solidFill>
+                  <a:prstDash val="solid"/>
+                </a:ln>
+                <a:solidFill>
+                  <a:schemeClr val="accent5"/>
+                </a:solidFill>
+                <a:effectLst>
+                  <a:outerShdw blurRad="12700" dist="38100" dir="2700000" algn="tl" rotWithShape="0">
+                    <a:schemeClr val="accent5">
+                      <a:lumMod val="60000"/>
+                      <a:lumOff val="40000"/>
+                    </a:schemeClr>
+                  </a:outerShdw>
+                </a:effectLst>
+              </a:rPr>
               <a:t>Back End</a:t>
             </a:r>
-            <a:endParaRPr lang="en-US" dirty="0"/>
+            <a:endParaRPr lang="en-US" dirty="0">
+              <a:ln w="9525">
+                <a:solidFill>
+                  <a:schemeClr val="bg1"/>
+                </a:solidFill>
+                <a:prstDash val="solid"/>
+              </a:ln>
+              <a:solidFill>
+                <a:schemeClr val="accent5"/>
+              </a:solidFill>
+              <a:effectLst>
+                <a:outerShdw blurRad="12700" dist="38100" dir="2700000" algn="tl" rotWithShape="0">
+                  <a:schemeClr val="accent5">
+                    <a:lumMod val="60000"/>
+                    <a:lumOff val="40000"/>
+                  </a:schemeClr>
+                </a:outerShdw>
+              </a:effectLst>
+            </a:endParaRPr>
           </a:p>
         </p:txBody>
       </p:sp>
@@ -6814,8 +7636,8 @@
         </p:nvSpPr>
         <p:spPr>
           <a:xfrm>
-            <a:off x="5419373" y="1205660"/>
-            <a:ext cx="5774145" cy="646331"/>
+            <a:off x="5761351" y="1461692"/>
+            <a:ext cx="5631991" cy="646331"/>
           </a:xfrm>
           <a:prstGeom prst="rect">
             <a:avLst/>
@@ -6830,62 +7652,34 @@
           <a:p>
             <a:r>
               <a:rPr lang="en-US" altLang="zh-CN" sz="3600" b="1" dirty="0">
-                <a:ln w="12700" cmpd="sng">
+                <a:ln w="22225">
                   <a:solidFill>
-                    <a:schemeClr val="accent4"/>
+                    <a:schemeClr val="accent2"/>
                   </a:solidFill>
                   <a:prstDash val="solid"/>
                 </a:ln>
-                <a:gradFill>
-                  <a:gsLst>
-                    <a:gs pos="0">
-                      <a:schemeClr val="accent4"/>
-                    </a:gs>
-                    <a:gs pos="4000">
-                      <a:schemeClr val="accent4">
-                        <a:lumMod val="60000"/>
-                        <a:lumOff val="40000"/>
-                      </a:schemeClr>
-                    </a:gs>
-                    <a:gs pos="87000">
-                      <a:schemeClr val="accent4">
-                        <a:lumMod val="20000"/>
-                        <a:lumOff val="80000"/>
-                      </a:schemeClr>
-                    </a:gs>
-                  </a:gsLst>
-                  <a:lin ang="5400000"/>
-                </a:gradFill>
+                <a:solidFill>
+                  <a:schemeClr val="accent2">
+                    <a:lumMod val="40000"/>
+                    <a:lumOff val="60000"/>
+                  </a:schemeClr>
+                </a:solidFill>
               </a:rPr>
-              <a:t>PIZZA Order Web Application</a:t>
+              <a:t>Pizza Order Web Application</a:t>
             </a:r>
             <a:endParaRPr lang="en-US" sz="3600" b="1" dirty="0">
-              <a:ln w="12700" cmpd="sng">
+              <a:ln w="22225">
                 <a:solidFill>
-                  <a:schemeClr val="accent4"/>
+                  <a:schemeClr val="accent2"/>
                 </a:solidFill>
                 <a:prstDash val="solid"/>
               </a:ln>
-              <a:gradFill>
-                <a:gsLst>
-                  <a:gs pos="0">
-                    <a:schemeClr val="accent4"/>
-                  </a:gs>
-                  <a:gs pos="4000">
-                    <a:schemeClr val="accent4">
-                      <a:lumMod val="60000"/>
-                      <a:lumOff val="40000"/>
-                    </a:schemeClr>
-                  </a:gs>
-                  <a:gs pos="87000">
-                    <a:schemeClr val="accent4">
-                      <a:lumMod val="20000"/>
-                      <a:lumOff val="80000"/>
-                    </a:schemeClr>
-                  </a:gs>
-                </a:gsLst>
-                <a:lin ang="5400000"/>
-              </a:gradFill>
+              <a:solidFill>
+                <a:schemeClr val="accent2">
+                  <a:lumMod val="40000"/>
+                  <a:lumOff val="60000"/>
+                </a:schemeClr>
+              </a:solidFill>
             </a:endParaRPr>
           </a:p>
         </p:txBody>
@@ -7196,4 +7990,299 @@
     </a:ext>
   </a:extLst>
 </a:theme>
+</file>
+
+<file path=ppt/theme/theme2.xml><?xml version="1.0" encoding="utf-8"?>
+<a:theme xmlns:a="http://schemas.openxmlformats.org/drawingml/2006/main" name="Office Theme">
+  <a:themeElements>
+    <a:clrScheme name="Office">
+      <a:dk1>
+        <a:sysClr val="windowText" lastClr="000000"/>
+      </a:dk1>
+      <a:lt1>
+        <a:sysClr val="window" lastClr="FFFFFF"/>
+      </a:lt1>
+      <a:dk2>
+        <a:srgbClr val="44546A"/>
+      </a:dk2>
+      <a:lt2>
+        <a:srgbClr val="E7E6E6"/>
+      </a:lt2>
+      <a:accent1>
+        <a:srgbClr val="4472C4"/>
+      </a:accent1>
+      <a:accent2>
+        <a:srgbClr val="ED7D31"/>
+      </a:accent2>
+      <a:accent3>
+        <a:srgbClr val="A5A5A5"/>
+      </a:accent3>
+      <a:accent4>
+        <a:srgbClr val="FFC000"/>
+      </a:accent4>
+      <a:accent5>
+        <a:srgbClr val="5B9BD5"/>
+      </a:accent5>
+      <a:accent6>
+        <a:srgbClr val="70AD47"/>
+      </a:accent6>
+      <a:hlink>
+        <a:srgbClr val="0563C1"/>
+      </a:hlink>
+      <a:folHlink>
+        <a:srgbClr val="954F72"/>
+      </a:folHlink>
+    </a:clrScheme>
+    <a:fontScheme name="Office">
+      <a:majorFont>
+        <a:latin typeface="Calibri Light" panose="020F0302020204030204"/>
+        <a:ea typeface=""/>
+        <a:cs typeface=""/>
+        <a:font script="Jpan" typeface="游ゴシック Light"/>
+        <a:font script="Hang" typeface="맑은 고딕"/>
+        <a:font script="Hans" typeface="等线 Light"/>
+        <a:font script="Hant" typeface="新細明體"/>
+        <a:font script="Arab" typeface="Times New Roman"/>
+        <a:font script="Hebr" typeface="Times New Roman"/>
+        <a:font script="Thai" typeface="Angsana New"/>
+        <a:font script="Ethi" typeface="Nyala"/>
+        <a:font script="Beng" typeface="Vrinda"/>
+        <a:font script="Gujr" typeface="Shruti"/>
+        <a:font script="Khmr" typeface="MoolBoran"/>
+        <a:font script="Knda" typeface="Tunga"/>
+        <a:font script="Guru" typeface="Raavi"/>
+        <a:font script="Cans" typeface="Euphemia"/>
+        <a:font script="Cher" typeface="Plantagenet Cherokee"/>
+        <a:font script="Yiii" typeface="Microsoft Yi Baiti"/>
+        <a:font script="Tibt" typeface="Microsoft Himalaya"/>
+        <a:font script="Thaa" typeface="MV Boli"/>
+        <a:font script="Deva" typeface="Mangal"/>
+        <a:font script="Telu" typeface="Gautami"/>
+        <a:font script="Taml" typeface="Latha"/>
+        <a:font script="Syrc" typeface="Estrangelo Edessa"/>
+        <a:font script="Orya" typeface="Kalinga"/>
+        <a:font script="Mlym" typeface="Kartika"/>
+        <a:font script="Laoo" typeface="DokChampa"/>
+        <a:font script="Sinh" typeface="Iskoola Pota"/>
+        <a:font script="Mong" typeface="Mongolian Baiti"/>
+        <a:font script="Viet" typeface="Times New Roman"/>
+        <a:font script="Uigh" typeface="Microsoft Uighur"/>
+        <a:font script="Geor" typeface="Sylfaen"/>
+        <a:font script="Armn" typeface="Arial"/>
+        <a:font script="Bugi" typeface="Leelawadee UI"/>
+        <a:font script="Bopo" typeface="Microsoft JhengHei"/>
+        <a:font script="Java" typeface="Javanese Text"/>
+        <a:font script="Lisu" typeface="Segoe UI"/>
+        <a:font script="Mymr" typeface="Myanmar Text"/>
+        <a:font script="Nkoo" typeface="Ebrima"/>
+        <a:font script="Olck" typeface="Nirmala UI"/>
+        <a:font script="Osma" typeface="Ebrima"/>
+        <a:font script="Phag" typeface="Phagspa"/>
+        <a:font script="Syrn" typeface="Estrangelo Edessa"/>
+        <a:font script="Syrj" typeface="Estrangelo Edessa"/>
+        <a:font script="Syre" typeface="Estrangelo Edessa"/>
+        <a:font script="Sora" typeface="Nirmala UI"/>
+        <a:font script="Tale" typeface="Microsoft Tai Le"/>
+        <a:font script="Talu" typeface="Microsoft New Tai Lue"/>
+        <a:font script="Tfng" typeface="Ebrima"/>
+      </a:majorFont>
+      <a:minorFont>
+        <a:latin typeface="Calibri" panose="020F0502020204030204"/>
+        <a:ea typeface=""/>
+        <a:cs typeface=""/>
+        <a:font script="Jpan" typeface="游ゴシック"/>
+        <a:font script="Hang" typeface="맑은 고딕"/>
+        <a:font script="Hans" typeface="等线"/>
+        <a:font script="Hant" typeface="新細明體"/>
+        <a:font script="Arab" typeface="Arial"/>
+        <a:font script="Hebr" typeface="Arial"/>
+        <a:font script="Thai" typeface="Cordia New"/>
+        <a:font script="Ethi" typeface="Nyala"/>
+        <a:font script="Beng" typeface="Vrinda"/>
+        <a:font script="Gujr" typeface="Shruti"/>
+        <a:font script="Khmr" typeface="DaunPenh"/>
+        <a:font script="Knda" typeface="Tunga"/>
+        <a:font script="Guru" typeface="Raavi"/>
+        <a:font script="Cans" typeface="Euphemia"/>
+        <a:font script="Cher" typeface="Plantagenet Cherokee"/>
+        <a:font script="Yiii" typeface="Microsoft Yi Baiti"/>
+        <a:font script="Tibt" typeface="Microsoft Himalaya"/>
+        <a:font script="Thaa" typeface="MV Boli"/>
+        <a:font script="Deva" typeface="Mangal"/>
+        <a:font script="Telu" typeface="Gautami"/>
+        <a:font script="Taml" typeface="Latha"/>
+        <a:font script="Syrc" typeface="Estrangelo Edessa"/>
+        <a:font script="Orya" typeface="Kalinga"/>
+        <a:font script="Mlym" typeface="Kartika"/>
+        <a:font script="Laoo" typeface="DokChampa"/>
+        <a:font script="Sinh" typeface="Iskoola Pota"/>
+        <a:font script="Mong" typeface="Mongolian Baiti"/>
+        <a:font script="Viet" typeface="Arial"/>
+        <a:font script="Uigh" typeface="Microsoft Uighur"/>
+        <a:font script="Geor" typeface="Sylfaen"/>
+        <a:font script="Armn" typeface="Arial"/>
+        <a:font script="Bugi" typeface="Leelawadee UI"/>
+        <a:font script="Bopo" typeface="Microsoft JhengHei"/>
+        <a:font script="Java" typeface="Javanese Text"/>
+        <a:font script="Lisu" typeface="Segoe UI"/>
+        <a:font script="Mymr" typeface="Myanmar Text"/>
+        <a:font script="Nkoo" typeface="Ebrima"/>
+        <a:font script="Olck" typeface="Nirmala UI"/>
+        <a:font script="Osma" typeface="Ebrima"/>
+        <a:font script="Phag" typeface="Phagspa"/>
+        <a:font script="Syrn" typeface="Estrangelo Edessa"/>
+        <a:font script="Syrj" typeface="Estrangelo Edessa"/>
+        <a:font script="Syre" typeface="Estrangelo Edessa"/>
+        <a:font script="Sora" typeface="Nirmala UI"/>
+        <a:font script="Tale" typeface="Microsoft Tai Le"/>
+        <a:font script="Talu" typeface="Microsoft New Tai Lue"/>
+        <a:font script="Tfng" typeface="Ebrima"/>
+      </a:minorFont>
+    </a:fontScheme>
+    <a:fmtScheme name="Office">
+      <a:fillStyleLst>
+        <a:solidFill>
+          <a:schemeClr val="phClr"/>
+        </a:solidFill>
+        <a:gradFill rotWithShape="1">
+          <a:gsLst>
+            <a:gs pos="0">
+              <a:schemeClr val="phClr">
+                <a:lumMod val="110000"/>
+                <a:satMod val="105000"/>
+                <a:tint val="67000"/>
+              </a:schemeClr>
+            </a:gs>
+            <a:gs pos="50000">
+              <a:schemeClr val="phClr">
+                <a:lumMod val="105000"/>
+                <a:satMod val="103000"/>
+                <a:tint val="73000"/>
+              </a:schemeClr>
+            </a:gs>
+            <a:gs pos="100000">
+              <a:schemeClr val="phClr">
+                <a:lumMod val="105000"/>
+                <a:satMod val="109000"/>
+                <a:tint val="81000"/>
+              </a:schemeClr>
+            </a:gs>
+          </a:gsLst>
+          <a:lin ang="5400000" scaled="0"/>
+        </a:gradFill>
+        <a:gradFill rotWithShape="1">
+          <a:gsLst>
+            <a:gs pos="0">
+              <a:schemeClr val="phClr">
+                <a:satMod val="103000"/>
+                <a:lumMod val="102000"/>
+                <a:tint val="94000"/>
+              </a:schemeClr>
+            </a:gs>
+            <a:gs pos="50000">
+              <a:schemeClr val="phClr">
+                <a:satMod val="110000"/>
+                <a:lumMod val="100000"/>
+                <a:shade val="100000"/>
+              </a:schemeClr>
+            </a:gs>
+            <a:gs pos="100000">
+              <a:schemeClr val="phClr">
+                <a:lumMod val="99000"/>
+                <a:satMod val="120000"/>
+                <a:shade val="78000"/>
+              </a:schemeClr>
+            </a:gs>
+          </a:gsLst>
+          <a:lin ang="5400000" scaled="0"/>
+        </a:gradFill>
+      </a:fillStyleLst>
+      <a:lnStyleLst>
+        <a:ln w="6350" cap="flat" cmpd="sng" algn="ctr">
+          <a:solidFill>
+            <a:schemeClr val="phClr"/>
+          </a:solidFill>
+          <a:prstDash val="solid"/>
+          <a:miter lim="800000"/>
+        </a:ln>
+        <a:ln w="12700" cap="flat" cmpd="sng" algn="ctr">
+          <a:solidFill>
+            <a:schemeClr val="phClr"/>
+          </a:solidFill>
+          <a:prstDash val="solid"/>
+          <a:miter lim="800000"/>
+        </a:ln>
+        <a:ln w="19050" cap="flat" cmpd="sng" algn="ctr">
+          <a:solidFill>
+            <a:schemeClr val="phClr"/>
+          </a:solidFill>
+          <a:prstDash val="solid"/>
+          <a:miter lim="800000"/>
+        </a:ln>
+      </a:lnStyleLst>
+      <a:effectStyleLst>
+        <a:effectStyle>
+          <a:effectLst/>
+        </a:effectStyle>
+        <a:effectStyle>
+          <a:effectLst/>
+        </a:effectStyle>
+        <a:effectStyle>
+          <a:effectLst>
+            <a:outerShdw blurRad="57150" dist="19050" dir="5400000" algn="ctr" rotWithShape="0">
+              <a:srgbClr val="000000">
+                <a:alpha val="63000"/>
+              </a:srgbClr>
+            </a:outerShdw>
+          </a:effectLst>
+        </a:effectStyle>
+      </a:effectStyleLst>
+      <a:bgFillStyleLst>
+        <a:solidFill>
+          <a:schemeClr val="phClr"/>
+        </a:solidFill>
+        <a:solidFill>
+          <a:schemeClr val="phClr">
+            <a:tint val="95000"/>
+            <a:satMod val="170000"/>
+          </a:schemeClr>
+        </a:solidFill>
+        <a:gradFill rotWithShape="1">
+          <a:gsLst>
+            <a:gs pos="0">
+              <a:schemeClr val="phClr">
+                <a:tint val="93000"/>
+                <a:satMod val="150000"/>
+                <a:shade val="98000"/>
+                <a:lumMod val="102000"/>
+              </a:schemeClr>
+            </a:gs>
+            <a:gs pos="50000">
+              <a:schemeClr val="phClr">
+                <a:tint val="98000"/>
+                <a:satMod val="130000"/>
+                <a:shade val="90000"/>
+                <a:lumMod val="103000"/>
+              </a:schemeClr>
+            </a:gs>
+            <a:gs pos="100000">
+              <a:schemeClr val="phClr">
+                <a:shade val="63000"/>
+                <a:satMod val="120000"/>
+              </a:schemeClr>
+            </a:gs>
+          </a:gsLst>
+          <a:lin ang="5400000" scaled="0"/>
+        </a:gradFill>
+      </a:bgFillStyleLst>
+    </a:fmtScheme>
+  </a:themeElements>
+  <a:objectDefaults/>
+  <a:extraClrSchemeLst/>
+  <a:extLst>
+    <a:ext uri="{05A4C25C-085E-4340-85A3-A5531E510DB2}">
+      <thm15:themeFamily xmlns:thm15="http://schemas.microsoft.com/office/thememl/2012/main" name="Office Theme" id="{62F939B6-93AF-4DB8-9C6B-D6C7DFDC589F}" vid="{4A3C46E8-61CC-4603-A589-7422A47A8E4A}"/>
+    </a:ext>
+  </a:extLst>
+</a:theme>
 </file>
--- a/Presentation1.pptx
+++ b/Presentation1.pptx
@@ -968,16 +968,12 @@
         </a:p>
         <a:p>
           <a:r>
-            <a:rPr lang="en-US" altLang="zh-CN" sz="1200" b="1" dirty="0" err="1">
+            <a:rPr lang="en-US" altLang="zh-CN" sz="1200" b="1" dirty="0">
               <a:latin typeface="Arial" panose="020B0604020202020204" pitchFamily="34" charset="0"/>
               <a:cs typeface="Arial" panose="020B0604020202020204" pitchFamily="34" charset="0"/>
             </a:rPr>
             <a:t>Javascript</a:t>
           </a:r>
-          <a:endParaRPr lang="en-US" altLang="zh-CN" sz="1200" b="1" dirty="0">
-            <a:latin typeface="Arial" panose="020B0604020202020204" pitchFamily="34" charset="0"/>
-            <a:cs typeface="Arial" panose="020B0604020202020204" pitchFamily="34" charset="0"/>
-          </a:endParaRPr>
         </a:p>
         <a:p>
           <a:r>
@@ -1065,16 +1061,12 @@
         <a:lstStyle/>
         <a:p>
           <a:r>
-            <a:rPr lang="en-US" altLang="zh-CN" sz="1200" b="1" dirty="0" err="1">
+            <a:rPr lang="en-US" altLang="zh-CN" sz="1200" b="1" dirty="0">
               <a:latin typeface="Arial" panose="020B0604020202020204" pitchFamily="34" charset="0"/>
               <a:cs typeface="Arial" panose="020B0604020202020204" pitchFamily="34" charset="0"/>
             </a:rPr>
             <a:t>models.py</a:t>
           </a:r>
-          <a:endParaRPr lang="en-US" altLang="zh-CN" sz="1200" b="1" dirty="0">
-            <a:latin typeface="Arial" panose="020B0604020202020204" pitchFamily="34" charset="0"/>
-            <a:cs typeface="Arial" panose="020B0604020202020204" pitchFamily="34" charset="0"/>
-          </a:endParaRPr>
         </a:p>
         <a:p>
           <a:r>
@@ -1087,16 +1079,12 @@
         </a:p>
         <a:p>
           <a:r>
-            <a:rPr lang="en-US" sz="1200" b="1" dirty="0" err="1">
+            <a:rPr lang="en-US" sz="1200" b="1" dirty="0">
               <a:latin typeface="Arial" panose="020B0604020202020204" pitchFamily="34" charset="0"/>
               <a:cs typeface="Arial" panose="020B0604020202020204" pitchFamily="34" charset="0"/>
             </a:rPr>
             <a:t>views.py</a:t>
           </a:r>
-          <a:endParaRPr lang="en-US" sz="1200" b="1" dirty="0">
-            <a:latin typeface="Arial" panose="020B0604020202020204" pitchFamily="34" charset="0"/>
-            <a:cs typeface="Arial" panose="020B0604020202020204" pitchFamily="34" charset="0"/>
-          </a:endParaRPr>
         </a:p>
         <a:p>
           <a:r>
@@ -1109,16 +1097,12 @@
         </a:p>
         <a:p>
           <a:r>
-            <a:rPr lang="en-US" sz="1200" b="1" dirty="0" err="1">
+            <a:rPr lang="en-US" sz="1200" b="1" dirty="0">
               <a:latin typeface="Arial" panose="020B0604020202020204" pitchFamily="34" charset="0"/>
               <a:cs typeface="Arial" panose="020B0604020202020204" pitchFamily="34" charset="0"/>
             </a:rPr>
             <a:t>admin.py</a:t>
           </a:r>
-          <a:endParaRPr lang="en-US" sz="1200" b="1" dirty="0">
-            <a:latin typeface="Arial" panose="020B0604020202020204" pitchFamily="34" charset="0"/>
-            <a:cs typeface="Arial" panose="020B0604020202020204" pitchFamily="34" charset="0"/>
-          </a:endParaRPr>
         </a:p>
         <a:p>
           <a:r>
@@ -1131,16 +1115,12 @@
         </a:p>
         <a:p>
           <a:r>
-            <a:rPr lang="en-US" sz="1200" b="1" dirty="0" err="1">
+            <a:rPr lang="en-US" sz="1200" b="1" dirty="0">
               <a:latin typeface="Arial" panose="020B0604020202020204" pitchFamily="34" charset="0"/>
               <a:cs typeface="Arial" panose="020B0604020202020204" pitchFamily="34" charset="0"/>
             </a:rPr>
             <a:t>urls.py</a:t>
           </a:r>
-          <a:endParaRPr lang="en-US" sz="1200" b="1" dirty="0">
-            <a:latin typeface="Arial" panose="020B0604020202020204" pitchFamily="34" charset="0"/>
-            <a:cs typeface="Arial" panose="020B0604020202020204" pitchFamily="34" charset="0"/>
-          </a:endParaRPr>
         </a:p>
         <a:p>
           <a:r>
@@ -1148,32 +1128,17 @@
               <a:latin typeface="Arial" panose="020B0604020202020204" pitchFamily="34" charset="0"/>
               <a:cs typeface="Arial" panose="020B0604020202020204" pitchFamily="34" charset="0"/>
             </a:rPr>
-            <a:t>Link html files with functions in </a:t>
+            <a:t>Link html files with functions in views.py</a:t>
           </a:r>
-          <a:r>
-            <a:rPr lang="en-US" sz="1200" dirty="0" err="1">
-              <a:latin typeface="Arial" panose="020B0604020202020204" pitchFamily="34" charset="0"/>
-              <a:cs typeface="Arial" panose="020B0604020202020204" pitchFamily="34" charset="0"/>
-            </a:rPr>
-            <a:t>views.py</a:t>
-          </a:r>
-          <a:endParaRPr lang="en-US" sz="1200" dirty="0">
-            <a:latin typeface="Arial" panose="020B0604020202020204" pitchFamily="34" charset="0"/>
-            <a:cs typeface="Arial" panose="020B0604020202020204" pitchFamily="34" charset="0"/>
-          </a:endParaRPr>
         </a:p>
         <a:p>
           <a:r>
-            <a:rPr lang="en-US" sz="1200" b="1" dirty="0" err="1">
+            <a:rPr lang="en-US" sz="1200" b="1" dirty="0">
               <a:latin typeface="Arial" panose="020B0604020202020204" pitchFamily="34" charset="0"/>
               <a:cs typeface="Arial" panose="020B0604020202020204" pitchFamily="34" charset="0"/>
             </a:rPr>
             <a:t>apps.py</a:t>
           </a:r>
-          <a:endParaRPr lang="en-US" sz="1200" b="1" dirty="0">
-            <a:latin typeface="Arial" panose="020B0604020202020204" pitchFamily="34" charset="0"/>
-            <a:cs typeface="Arial" panose="020B0604020202020204" pitchFamily="34" charset="0"/>
-          </a:endParaRPr>
         </a:p>
         <a:p>
           <a:r>
@@ -1183,12 +1148,6 @@
             </a:rPr>
             <a:t>Define apps of the whole project</a:t>
           </a:r>
-        </a:p>
-        <a:p>
-          <a:endParaRPr lang="en-US" sz="700" dirty="0">
-            <a:latin typeface="Arial" panose="020B0604020202020204" pitchFamily="34" charset="0"/>
-            <a:cs typeface="Arial" panose="020B0604020202020204" pitchFamily="34" charset="0"/>
-          </a:endParaRPr>
         </a:p>
       </dgm:t>
     </dgm:pt>
@@ -1317,21 +1276,7 @@
               <a:latin typeface="Arial" panose="020B0604020202020204" pitchFamily="34" charset="0"/>
               <a:cs typeface="Arial" panose="020B0604020202020204" pitchFamily="34" charset="0"/>
             </a:rPr>
-            <a:t>Update menu via </a:t>
-          </a:r>
-          <a:r>
-            <a:rPr lang="en-US" sz="1600" b="0" dirty="0" err="1">
-              <a:latin typeface="Arial" panose="020B0604020202020204" pitchFamily="34" charset="0"/>
-              <a:cs typeface="Arial" panose="020B0604020202020204" pitchFamily="34" charset="0"/>
-            </a:rPr>
-            <a:t>django</a:t>
-          </a:r>
-          <a:r>
-            <a:rPr lang="en-US" sz="1600" b="0" dirty="0">
-              <a:latin typeface="Arial" panose="020B0604020202020204" pitchFamily="34" charset="0"/>
-              <a:cs typeface="Arial" panose="020B0604020202020204" pitchFamily="34" charset="0"/>
-            </a:rPr>
-            <a:t> admin site</a:t>
+            <a:t>Update menu via django admin site</a:t>
           </a:r>
         </a:p>
         <a:p>
@@ -1340,21 +1285,7 @@
               <a:latin typeface="Arial" panose="020B0604020202020204" pitchFamily="34" charset="0"/>
               <a:cs typeface="Arial" panose="020B0604020202020204" pitchFamily="34" charset="0"/>
             </a:rPr>
-            <a:t>View </a:t>
-          </a:r>
-          <a:r>
-            <a:rPr lang="en-US" sz="1600" b="0">
-              <a:latin typeface="Arial" panose="020B0604020202020204" pitchFamily="34" charset="0"/>
-              <a:cs typeface="Arial" panose="020B0604020202020204" pitchFamily="34" charset="0"/>
-            </a:rPr>
-            <a:t>&amp; Mark </a:t>
-          </a:r>
-          <a:r>
-            <a:rPr lang="en-US" sz="1600" b="0" dirty="0">
-              <a:latin typeface="Arial" panose="020B0604020202020204" pitchFamily="34" charset="0"/>
-              <a:cs typeface="Arial" panose="020B0604020202020204" pitchFamily="34" charset="0"/>
-            </a:rPr>
-            <a:t>order</a:t>
+            <a:t>View &amp; Mark order</a:t>
           </a:r>
         </a:p>
       </dgm:t>
@@ -1652,16 +1583,12 @@
             <a:buNone/>
           </a:pPr>
           <a:r>
-            <a:rPr lang="en-US" altLang="zh-CN" sz="1200" b="1" kern="1200" dirty="0" err="1">
+            <a:rPr lang="en-US" altLang="zh-CN" sz="1200" b="1" kern="1200" dirty="0">
               <a:latin typeface="Arial" panose="020B0604020202020204" pitchFamily="34" charset="0"/>
               <a:cs typeface="Arial" panose="020B0604020202020204" pitchFamily="34" charset="0"/>
             </a:rPr>
             <a:t>Javascript</a:t>
           </a:r>
-          <a:endParaRPr lang="en-US" altLang="zh-CN" sz="1200" b="1" kern="1200" dirty="0">
-            <a:latin typeface="Arial" panose="020B0604020202020204" pitchFamily="34" charset="0"/>
-            <a:cs typeface="Arial" panose="020B0604020202020204" pitchFamily="34" charset="0"/>
-          </a:endParaRPr>
         </a:p>
         <a:p>
           <a:pPr marL="0" lvl="0" indent="0" algn="ctr" defTabSz="533400">
@@ -1858,16 +1785,12 @@
             <a:buNone/>
           </a:pPr>
           <a:r>
-            <a:rPr lang="en-US" altLang="zh-CN" sz="1200" b="1" kern="1200" dirty="0" err="1">
+            <a:rPr lang="en-US" altLang="zh-CN" sz="1200" b="1" kern="1200" dirty="0">
               <a:latin typeface="Arial" panose="020B0604020202020204" pitchFamily="34" charset="0"/>
               <a:cs typeface="Arial" panose="020B0604020202020204" pitchFamily="34" charset="0"/>
             </a:rPr>
             <a:t>models.py</a:t>
           </a:r>
-          <a:endParaRPr lang="en-US" altLang="zh-CN" sz="1200" b="1" kern="1200" dirty="0">
-            <a:latin typeface="Arial" panose="020B0604020202020204" pitchFamily="34" charset="0"/>
-            <a:cs typeface="Arial" panose="020B0604020202020204" pitchFamily="34" charset="0"/>
-          </a:endParaRPr>
         </a:p>
         <a:p>
           <a:pPr marL="0" lvl="0" indent="0" algn="ctr" defTabSz="533400">
@@ -1904,16 +1827,12 @@
             <a:buNone/>
           </a:pPr>
           <a:r>
-            <a:rPr lang="en-US" sz="1200" b="1" kern="1200" dirty="0" err="1">
+            <a:rPr lang="en-US" sz="1200" b="1" kern="1200" dirty="0">
               <a:latin typeface="Arial" panose="020B0604020202020204" pitchFamily="34" charset="0"/>
               <a:cs typeface="Arial" panose="020B0604020202020204" pitchFamily="34" charset="0"/>
             </a:rPr>
             <a:t>views.py</a:t>
           </a:r>
-          <a:endParaRPr lang="en-US" sz="1200" b="1" kern="1200" dirty="0">
-            <a:latin typeface="Arial" panose="020B0604020202020204" pitchFamily="34" charset="0"/>
-            <a:cs typeface="Arial" panose="020B0604020202020204" pitchFamily="34" charset="0"/>
-          </a:endParaRPr>
         </a:p>
         <a:p>
           <a:pPr marL="0" lvl="0" indent="0" algn="ctr" defTabSz="533400">
@@ -1950,16 +1869,12 @@
             <a:buNone/>
           </a:pPr>
           <a:r>
-            <a:rPr lang="en-US" sz="1200" b="1" kern="1200" dirty="0" err="1">
+            <a:rPr lang="en-US" sz="1200" b="1" kern="1200" dirty="0">
               <a:latin typeface="Arial" panose="020B0604020202020204" pitchFamily="34" charset="0"/>
               <a:cs typeface="Arial" panose="020B0604020202020204" pitchFamily="34" charset="0"/>
             </a:rPr>
             <a:t>admin.py</a:t>
           </a:r>
-          <a:endParaRPr lang="en-US" sz="1200" b="1" kern="1200" dirty="0">
-            <a:latin typeface="Arial" panose="020B0604020202020204" pitchFamily="34" charset="0"/>
-            <a:cs typeface="Arial" panose="020B0604020202020204" pitchFamily="34" charset="0"/>
-          </a:endParaRPr>
         </a:p>
         <a:p>
           <a:pPr marL="0" lvl="0" indent="0" algn="ctr" defTabSz="533400">
@@ -1996,16 +1911,12 @@
             <a:buNone/>
           </a:pPr>
           <a:r>
-            <a:rPr lang="en-US" sz="1200" b="1" kern="1200" dirty="0" err="1">
+            <a:rPr lang="en-US" sz="1200" b="1" kern="1200" dirty="0">
               <a:latin typeface="Arial" panose="020B0604020202020204" pitchFamily="34" charset="0"/>
               <a:cs typeface="Arial" panose="020B0604020202020204" pitchFamily="34" charset="0"/>
             </a:rPr>
             <a:t>urls.py</a:t>
           </a:r>
-          <a:endParaRPr lang="en-US" sz="1200" b="1" kern="1200" dirty="0">
-            <a:latin typeface="Arial" panose="020B0604020202020204" pitchFamily="34" charset="0"/>
-            <a:cs typeface="Arial" panose="020B0604020202020204" pitchFamily="34" charset="0"/>
-          </a:endParaRPr>
         </a:p>
         <a:p>
           <a:pPr marL="0" lvl="0" indent="0" algn="ctr" defTabSz="533400">
@@ -2025,19 +1936,8 @@
               <a:latin typeface="Arial" panose="020B0604020202020204" pitchFamily="34" charset="0"/>
               <a:cs typeface="Arial" panose="020B0604020202020204" pitchFamily="34" charset="0"/>
             </a:rPr>
-            <a:t>Link html files with functions in </a:t>
+            <a:t>Link html files with functions in views.py</a:t>
           </a:r>
-          <a:r>
-            <a:rPr lang="en-US" sz="1200" kern="1200" dirty="0" err="1">
-              <a:latin typeface="Arial" panose="020B0604020202020204" pitchFamily="34" charset="0"/>
-              <a:cs typeface="Arial" panose="020B0604020202020204" pitchFamily="34" charset="0"/>
-            </a:rPr>
-            <a:t>views.py</a:t>
-          </a:r>
-          <a:endParaRPr lang="en-US" sz="1200" kern="1200" dirty="0">
-            <a:latin typeface="Arial" panose="020B0604020202020204" pitchFamily="34" charset="0"/>
-            <a:cs typeface="Arial" panose="020B0604020202020204" pitchFamily="34" charset="0"/>
-          </a:endParaRPr>
         </a:p>
         <a:p>
           <a:pPr marL="0" lvl="0" indent="0" algn="ctr" defTabSz="533400">
@@ -2053,16 +1953,12 @@
             <a:buNone/>
           </a:pPr>
           <a:r>
-            <a:rPr lang="en-US" sz="1200" b="1" kern="1200" dirty="0" err="1">
+            <a:rPr lang="en-US" sz="1200" b="1" kern="1200" dirty="0">
               <a:latin typeface="Arial" panose="020B0604020202020204" pitchFamily="34" charset="0"/>
               <a:cs typeface="Arial" panose="020B0604020202020204" pitchFamily="34" charset="0"/>
             </a:rPr>
             <a:t>apps.py</a:t>
           </a:r>
-          <a:endParaRPr lang="en-US" sz="1200" b="1" kern="1200" dirty="0">
-            <a:latin typeface="Arial" panose="020B0604020202020204" pitchFamily="34" charset="0"/>
-            <a:cs typeface="Arial" panose="020B0604020202020204" pitchFamily="34" charset="0"/>
-          </a:endParaRPr>
         </a:p>
         <a:p>
           <a:pPr marL="0" lvl="0" indent="0" algn="ctr" defTabSz="533400">
@@ -2084,24 +1980,6 @@
             </a:rPr>
             <a:t>Define apps of the whole project</a:t>
           </a:r>
-        </a:p>
-        <a:p>
-          <a:pPr marL="0" lvl="0" indent="0" algn="ctr" defTabSz="533400">
-            <a:lnSpc>
-              <a:spcPct val="90000"/>
-            </a:lnSpc>
-            <a:spcBef>
-              <a:spcPct val="0"/>
-            </a:spcBef>
-            <a:spcAft>
-              <a:spcPct val="35000"/>
-            </a:spcAft>
-            <a:buNone/>
-          </a:pPr>
-          <a:endParaRPr lang="en-US" sz="700" kern="1200" dirty="0">
-            <a:latin typeface="Arial" panose="020B0604020202020204" pitchFamily="34" charset="0"/>
-            <a:cs typeface="Arial" panose="020B0604020202020204" pitchFamily="34" charset="0"/>
-          </a:endParaRPr>
         </a:p>
       </dsp:txBody>
       <dsp:txXfrm>
@@ -2390,21 +2268,7 @@
               <a:latin typeface="Arial" panose="020B0604020202020204" pitchFamily="34" charset="0"/>
               <a:cs typeface="Arial" panose="020B0604020202020204" pitchFamily="34" charset="0"/>
             </a:rPr>
-            <a:t>Update menu via </a:t>
-          </a:r>
-          <a:r>
-            <a:rPr lang="en-US" sz="1600" b="0" kern="1200" dirty="0" err="1">
-              <a:latin typeface="Arial" panose="020B0604020202020204" pitchFamily="34" charset="0"/>
-              <a:cs typeface="Arial" panose="020B0604020202020204" pitchFamily="34" charset="0"/>
-            </a:rPr>
-            <a:t>django</a:t>
-          </a:r>
-          <a:r>
-            <a:rPr lang="en-US" sz="1600" b="0" kern="1200" dirty="0">
-              <a:latin typeface="Arial" panose="020B0604020202020204" pitchFamily="34" charset="0"/>
-              <a:cs typeface="Arial" panose="020B0604020202020204" pitchFamily="34" charset="0"/>
-            </a:rPr>
-            <a:t> admin site</a:t>
+            <a:t>Update menu via django admin site</a:t>
           </a:r>
         </a:p>
         <a:p>
@@ -2425,21 +2289,7 @@
               <a:latin typeface="Arial" panose="020B0604020202020204" pitchFamily="34" charset="0"/>
               <a:cs typeface="Arial" panose="020B0604020202020204" pitchFamily="34" charset="0"/>
             </a:rPr>
-            <a:t>View </a:t>
-          </a:r>
-          <a:r>
-            <a:rPr lang="en-US" sz="1600" b="0" kern="1200">
-              <a:latin typeface="Arial" panose="020B0604020202020204" pitchFamily="34" charset="0"/>
-              <a:cs typeface="Arial" panose="020B0604020202020204" pitchFamily="34" charset="0"/>
-            </a:rPr>
-            <a:t>&amp; Mark </a:t>
-          </a:r>
-          <a:r>
-            <a:rPr lang="en-US" sz="1600" b="0" kern="1200" dirty="0">
-              <a:latin typeface="Arial" panose="020B0604020202020204" pitchFamily="34" charset="0"/>
-              <a:cs typeface="Arial" panose="020B0604020202020204" pitchFamily="34" charset="0"/>
-            </a:rPr>
-            <a:t>order</a:t>
+            <a:t>View &amp; Mark order</a:t>
           </a:r>
         </a:p>
       </dsp:txBody>
@@ -7411,7 +7261,7 @@
           <p:nvPr>
             <p:extLst>
               <p:ext uri="{D42A27DB-BD31-4B8C-83A1-F6EECF244321}">
-                <p14:modId xmlns:p14="http://schemas.microsoft.com/office/powerpoint/2010/main" val="247317131"/>
+                <p14:modId xmlns:p14="http://schemas.microsoft.com/office/powerpoint/2010/main" val="2469584765"/>
               </p:ext>
             </p:extLst>
           </p:nvPr>

--- a/Presentation1.pptx
+++ b/Presentation1.pptx
@@ -107,6 +107,11 @@
       </a:defRPr>
     </a:lvl9pPr>
   </p:defaultTextStyle>
+  <p:extLst>
+    <p:ext uri="{EFAFB233-063F-42B5-8137-9DF3F51BA10A}">
+      <p15:sldGuideLst xmlns:p15="http://schemas.microsoft.com/office/powerpoint/2012/main"/>
+    </p:ext>
+  </p:extLst>
 </p:presentation>
 </file>
 
@@ -1110,7 +1115,7 @@
               <a:latin typeface="Arial" panose="020B0604020202020204" pitchFamily="34" charset="0"/>
               <a:cs typeface="Arial" panose="020B0604020202020204" pitchFamily="34" charset="0"/>
             </a:rPr>
-            <a:t>Register models</a:t>
+            <a:t>Register models to admin, so owner can use Django Admin UI</a:t>
           </a:r>
         </a:p>
         <a:p>
@@ -1894,7 +1899,7 @@
               <a:latin typeface="Arial" panose="020B0604020202020204" pitchFamily="34" charset="0"/>
               <a:cs typeface="Arial" panose="020B0604020202020204" pitchFamily="34" charset="0"/>
             </a:rPr>
-            <a:t>Register models</a:t>
+            <a:t>Register models to admin, so owner can use Django Admin UI</a:t>
           </a:r>
         </a:p>
         <a:p>
@@ -3683,7 +3688,7 @@
           <a:p>
             <a:fld id="{36CEC19D-CDC2-8B43-B7B7-51741422CCEA}" type="datetimeFigureOut">
               <a:rPr lang="en-US" smtClean="0"/>
-              <a:t>5/17/20</a:t>
+              <a:t>5/23/20</a:t>
             </a:fld>
             <a:endParaRPr lang="en-US"/>
           </a:p>
@@ -4181,7 +4186,7 @@
           <a:p>
             <a:fld id="{2390DD37-D382-1342-B628-88A0C7AE7608}" type="datetimeFigureOut">
               <a:rPr lang="en-US" smtClean="0"/>
-              <a:t>5/17/20</a:t>
+              <a:t>5/23/20</a:t>
             </a:fld>
             <a:endParaRPr lang="en-US"/>
           </a:p>
@@ -4379,7 +4384,7 @@
           <a:p>
             <a:fld id="{2390DD37-D382-1342-B628-88A0C7AE7608}" type="datetimeFigureOut">
               <a:rPr lang="en-US" smtClean="0"/>
-              <a:t>5/17/20</a:t>
+              <a:t>5/23/20</a:t>
             </a:fld>
             <a:endParaRPr lang="en-US"/>
           </a:p>
@@ -4587,7 +4592,7 @@
           <a:p>
             <a:fld id="{2390DD37-D382-1342-B628-88A0C7AE7608}" type="datetimeFigureOut">
               <a:rPr lang="en-US" smtClean="0"/>
-              <a:t>5/17/20</a:t>
+              <a:t>5/23/20</a:t>
             </a:fld>
             <a:endParaRPr lang="en-US"/>
           </a:p>
@@ -4785,7 +4790,7 @@
           <a:p>
             <a:fld id="{2390DD37-D382-1342-B628-88A0C7AE7608}" type="datetimeFigureOut">
               <a:rPr lang="en-US" smtClean="0"/>
-              <a:t>5/17/20</a:t>
+              <a:t>5/23/20</a:t>
             </a:fld>
             <a:endParaRPr lang="en-US"/>
           </a:p>
@@ -5060,7 +5065,7 @@
           <a:p>
             <a:fld id="{2390DD37-D382-1342-B628-88A0C7AE7608}" type="datetimeFigureOut">
               <a:rPr lang="en-US" smtClean="0"/>
-              <a:t>5/17/20</a:t>
+              <a:t>5/23/20</a:t>
             </a:fld>
             <a:endParaRPr lang="en-US"/>
           </a:p>
@@ -5325,7 +5330,7 @@
           <a:p>
             <a:fld id="{2390DD37-D382-1342-B628-88A0C7AE7608}" type="datetimeFigureOut">
               <a:rPr lang="en-US" smtClean="0"/>
-              <a:t>5/17/20</a:t>
+              <a:t>5/23/20</a:t>
             </a:fld>
             <a:endParaRPr lang="en-US"/>
           </a:p>
@@ -5737,7 +5742,7 @@
           <a:p>
             <a:fld id="{2390DD37-D382-1342-B628-88A0C7AE7608}" type="datetimeFigureOut">
               <a:rPr lang="en-US" smtClean="0"/>
-              <a:t>5/17/20</a:t>
+              <a:t>5/23/20</a:t>
             </a:fld>
             <a:endParaRPr lang="en-US"/>
           </a:p>
@@ -5878,7 +5883,7 @@
           <a:p>
             <a:fld id="{2390DD37-D382-1342-B628-88A0C7AE7608}" type="datetimeFigureOut">
               <a:rPr lang="en-US" smtClean="0"/>
-              <a:t>5/17/20</a:t>
+              <a:t>5/23/20</a:t>
             </a:fld>
             <a:endParaRPr lang="en-US"/>
           </a:p>
@@ -5991,7 +5996,7 @@
           <a:p>
             <a:fld id="{2390DD37-D382-1342-B628-88A0C7AE7608}" type="datetimeFigureOut">
               <a:rPr lang="en-US" smtClean="0"/>
-              <a:t>5/17/20</a:t>
+              <a:t>5/23/20</a:t>
             </a:fld>
             <a:endParaRPr lang="en-US"/>
           </a:p>
@@ -6302,7 +6307,7 @@
           <a:p>
             <a:fld id="{2390DD37-D382-1342-B628-88A0C7AE7608}" type="datetimeFigureOut">
               <a:rPr lang="en-US" smtClean="0"/>
-              <a:t>5/17/20</a:t>
+              <a:t>5/23/20</a:t>
             </a:fld>
             <a:endParaRPr lang="en-US"/>
           </a:p>
@@ -6590,7 +6595,7 @@
           <a:p>
             <a:fld id="{2390DD37-D382-1342-B628-88A0C7AE7608}" type="datetimeFigureOut">
               <a:rPr lang="en-US" smtClean="0"/>
-              <a:t>5/17/20</a:t>
+              <a:t>5/23/20</a:t>
             </a:fld>
             <a:endParaRPr lang="en-US"/>
           </a:p>
@@ -6831,7 +6836,7 @@
           <a:p>
             <a:fld id="{2390DD37-D382-1342-B628-88A0C7AE7608}" type="datetimeFigureOut">
               <a:rPr lang="en-US" smtClean="0"/>
-              <a:t>5/17/20</a:t>
+              <a:t>5/23/20</a:t>
             </a:fld>
             <a:endParaRPr lang="en-US"/>
           </a:p>
@@ -7261,7 +7266,7 @@
           <p:nvPr>
             <p:extLst>
               <p:ext uri="{D42A27DB-BD31-4B8C-83A1-F6EECF244321}">
-                <p14:modId xmlns:p14="http://schemas.microsoft.com/office/powerpoint/2010/main" val="2469584765"/>
+                <p14:modId xmlns:p14="http://schemas.microsoft.com/office/powerpoint/2010/main" val="3135190513"/>
               </p:ext>
             </p:extLst>
           </p:nvPr>
